--- a/basico/ppt/1. HTMLyCSS Basico 1.pptx
+++ b/basico/ppt/1. HTMLyCSS Basico 1.pptx
@@ -5,7 +5,7 @@
     <p:sldMasterId id="2147483659" r:id="rId1"/>
   </p:sldMasterIdLst>
   <p:notesMasterIdLst>
-    <p:notesMasterId r:id="rId19"/>
+    <p:notesMasterId r:id="rId18"/>
   </p:notesMasterIdLst>
   <p:sldIdLst>
     <p:sldId id="256" r:id="rId2"/>
@@ -24,35 +24,34 @@
     <p:sldId id="269" r:id="rId15"/>
     <p:sldId id="270" r:id="rId16"/>
     <p:sldId id="271" r:id="rId17"/>
-    <p:sldId id="272" r:id="rId18"/>
   </p:sldIdLst>
   <p:sldSz cx="9144000" cy="5143500" type="screen16x9"/>
   <p:notesSz cx="6858000" cy="9144000"/>
   <p:embeddedFontLst>
     <p:embeddedFont>
       <p:font typeface="Calibri" panose="020F0502020204030204" pitchFamily="34" charset="0"/>
-      <p:regular r:id="rId20"/>
-      <p:bold r:id="rId21"/>
-      <p:italic r:id="rId22"/>
-      <p:boldItalic r:id="rId23"/>
+      <p:regular r:id="rId19"/>
+      <p:bold r:id="rId20"/>
+      <p:italic r:id="rId21"/>
+      <p:boldItalic r:id="rId22"/>
     </p:embeddedFont>
     <p:embeddedFont>
       <p:font typeface="Consolas" panose="020B0609020204030204" pitchFamily="49" charset="0"/>
-      <p:regular r:id="rId24"/>
-      <p:bold r:id="rId25"/>
-      <p:italic r:id="rId26"/>
-      <p:boldItalic r:id="rId27"/>
+      <p:regular r:id="rId23"/>
+      <p:bold r:id="rId24"/>
+      <p:italic r:id="rId25"/>
+      <p:boldItalic r:id="rId26"/>
     </p:embeddedFont>
     <p:embeddedFont>
       <p:font typeface="Lobster" panose="020B0604020202020204" charset="0"/>
-      <p:regular r:id="rId28"/>
+      <p:regular r:id="rId27"/>
     </p:embeddedFont>
     <p:embeddedFont>
       <p:font typeface="Nunito" pitchFamily="2" charset="0"/>
-      <p:regular r:id="rId29"/>
-      <p:bold r:id="rId30"/>
-      <p:italic r:id="rId31"/>
-      <p:boldItalic r:id="rId32"/>
+      <p:regular r:id="rId28"/>
+      <p:bold r:id="rId29"/>
+      <p:italic r:id="rId30"/>
+      <p:boldItalic r:id="rId31"/>
     </p:embeddedFont>
   </p:embeddedFontLst>
   <p:defaultTextStyle>
@@ -877,7 +876,7 @@
         </p:nvSpPr>
         <p:spPr>
           <a:xfrm>
-            <a:off x="381300" y="685800"/>
+            <a:off x="381000" y="685800"/>
             <a:ext cx="6096000" cy="3429000"/>
           </a:xfrm>
           <a:custGeom>
@@ -981,7 +980,7 @@
         </p:nvSpPr>
         <p:spPr>
           <a:xfrm>
-            <a:off x="381300" y="685800"/>
+            <a:off x="381000" y="685800"/>
             <a:ext cx="6096000" cy="3429000"/>
           </a:xfrm>
           <a:custGeom>
@@ -1085,7 +1084,7 @@
         </p:nvSpPr>
         <p:spPr>
           <a:xfrm>
-            <a:off x="381300" y="685800"/>
+            <a:off x="381000" y="685800"/>
             <a:ext cx="6096000" cy="3429000"/>
           </a:xfrm>
           <a:custGeom>
@@ -1189,7 +1188,7 @@
         </p:nvSpPr>
         <p:spPr>
           <a:xfrm>
-            <a:off x="381300" y="685800"/>
+            <a:off x="381000" y="685800"/>
             <a:ext cx="6096000" cy="3429000"/>
           </a:xfrm>
           <a:custGeom>
@@ -1293,7 +1292,7 @@
         </p:nvSpPr>
         <p:spPr>
           <a:xfrm>
-            <a:off x="381300" y="685800"/>
+            <a:off x="381000" y="685800"/>
             <a:ext cx="6096000" cy="3429000"/>
           </a:xfrm>
           <a:custGeom>
@@ -1397,7 +1396,7 @@
         </p:nvSpPr>
         <p:spPr>
           <a:xfrm>
-            <a:off x="381300" y="685800"/>
+            <a:off x="381000" y="685800"/>
             <a:ext cx="6096000" cy="3429000"/>
           </a:xfrm>
           <a:custGeom>
@@ -1501,7 +1500,7 @@
         </p:nvSpPr>
         <p:spPr>
           <a:xfrm>
-            <a:off x="381300" y="685800"/>
+            <a:off x="381000" y="685800"/>
             <a:ext cx="6096000" cy="3429000"/>
           </a:xfrm>
           <a:custGeom>
@@ -1576,110 +1575,6 @@
 </p:notes>
 </file>
 
-<file path=ppt/notesSlides/notesSlide17.xml><?xml version="1.0" encoding="utf-8"?>
-<p:notes xmlns:a="http://schemas.openxmlformats.org/drawingml/2006/main" xmlns:r="http://schemas.openxmlformats.org/officeDocument/2006/relationships" xmlns:p="http://schemas.openxmlformats.org/presentationml/2006/main" showMasterSp="0" showMasterPhAnim="0">
-  <p:cSld>
-    <p:spTree>
-      <p:nvGrpSpPr>
-        <p:cNvPr id="1" name="Shape 244"/>
-        <p:cNvGrpSpPr/>
-        <p:nvPr/>
-      </p:nvGrpSpPr>
-      <p:grpSpPr>
-        <a:xfrm>
-          <a:off x="0" y="0"/>
-          <a:ext cx="0" cy="0"/>
-          <a:chOff x="0" y="0"/>
-          <a:chExt cx="0" cy="0"/>
-        </a:xfrm>
-      </p:grpSpPr>
-      <p:sp>
-        <p:nvSpPr>
-          <p:cNvPr id="245" name="Google Shape;245;g3163c84f9d7_0_183:notes"/>
-          <p:cNvSpPr>
-            <a:spLocks noGrp="1" noRot="1" noChangeAspect="1"/>
-          </p:cNvSpPr>
-          <p:nvPr>
-            <p:ph type="sldImg" idx="2"/>
-          </p:nvPr>
-        </p:nvSpPr>
-        <p:spPr>
-          <a:xfrm>
-            <a:off x="381300" y="685800"/>
-            <a:ext cx="6096000" cy="3429000"/>
-          </a:xfrm>
-          <a:custGeom>
-            <a:avLst/>
-            <a:gdLst/>
-            <a:ahLst/>
-            <a:cxnLst/>
-            <a:rect l="l" t="t" r="r" b="b"/>
-            <a:pathLst>
-              <a:path w="120000" h="120000" extrusionOk="0">
-                <a:moveTo>
-                  <a:pt x="0" y="0"/>
-                </a:moveTo>
-                <a:lnTo>
-                  <a:pt x="120000" y="0"/>
-                </a:lnTo>
-                <a:lnTo>
-                  <a:pt x="120000" y="120000"/>
-                </a:lnTo>
-                <a:lnTo>
-                  <a:pt x="0" y="120000"/>
-                </a:lnTo>
-                <a:close/>
-              </a:path>
-            </a:pathLst>
-          </a:custGeom>
-        </p:spPr>
-      </p:sp>
-      <p:sp>
-        <p:nvSpPr>
-          <p:cNvPr id="246" name="Google Shape;246;g3163c84f9d7_0_183:notes"/>
-          <p:cNvSpPr txBox="1">
-            <a:spLocks noGrp="1"/>
-          </p:cNvSpPr>
-          <p:nvPr>
-            <p:ph type="body" idx="1"/>
-          </p:nvPr>
-        </p:nvSpPr>
-        <p:spPr>
-          <a:xfrm>
-            <a:off x="685800" y="4343400"/>
-            <a:ext cx="5486400" cy="4114800"/>
-          </a:xfrm>
-          <a:prstGeom prst="rect">
-            <a:avLst/>
-          </a:prstGeom>
-        </p:spPr>
-        <p:txBody>
-          <a:bodyPr spcFirstLastPara="1" wrap="square" lIns="91425" tIns="91425" rIns="91425" bIns="91425" anchor="t" anchorCtr="0">
-            <a:noAutofit/>
-          </a:bodyPr>
-          <a:lstStyle/>
-          <a:p>
-            <a:pPr marL="0" lvl="0" indent="0" algn="l" rtl="0">
-              <a:spcBef>
-                <a:spcPts val="0"/>
-              </a:spcBef>
-              <a:spcAft>
-                <a:spcPts val="0"/>
-              </a:spcAft>
-              <a:buNone/>
-            </a:pPr>
-            <a:endParaRPr/>
-          </a:p>
-        </p:txBody>
-      </p:sp>
-    </p:spTree>
-  </p:cSld>
-  <p:clrMapOvr>
-    <a:masterClrMapping/>
-  </p:clrMapOvr>
-</p:notes>
-</file>
-
 <file path=ppt/notesSlides/notesSlide2.xml><?xml version="1.0" encoding="utf-8"?>
 <p:notes xmlns:a="http://schemas.openxmlformats.org/drawingml/2006/main" xmlns:r="http://schemas.openxmlformats.org/officeDocument/2006/relationships" xmlns:p="http://schemas.openxmlformats.org/presentationml/2006/main" showMasterSp="0" showMasterPhAnim="0">
   <p:cSld>
@@ -1709,7 +1604,7 @@
         </p:nvSpPr>
         <p:spPr>
           <a:xfrm>
-            <a:off x="381300" y="685800"/>
+            <a:off x="381000" y="685800"/>
             <a:ext cx="6096000" cy="3429000"/>
           </a:xfrm>
           <a:custGeom>
@@ -1813,7 +1708,7 @@
         </p:nvSpPr>
         <p:spPr>
           <a:xfrm>
-            <a:off x="381300" y="685800"/>
+            <a:off x="381000" y="685800"/>
             <a:ext cx="6096000" cy="3429000"/>
           </a:xfrm>
           <a:custGeom>
@@ -1917,7 +1812,7 @@
         </p:nvSpPr>
         <p:spPr>
           <a:xfrm>
-            <a:off x="381300" y="685800"/>
+            <a:off x="381000" y="685800"/>
             <a:ext cx="6096000" cy="3429000"/>
           </a:xfrm>
           <a:custGeom>
@@ -2021,7 +1916,7 @@
         </p:nvSpPr>
         <p:spPr>
           <a:xfrm>
-            <a:off x="381300" y="685800"/>
+            <a:off x="381000" y="685800"/>
             <a:ext cx="6096000" cy="3429000"/>
           </a:xfrm>
           <a:custGeom>
@@ -2125,7 +2020,7 @@
         </p:nvSpPr>
         <p:spPr>
           <a:xfrm>
-            <a:off x="381300" y="685800"/>
+            <a:off x="381000" y="685800"/>
             <a:ext cx="6096000" cy="3429000"/>
           </a:xfrm>
           <a:custGeom>
@@ -2229,7 +2124,7 @@
         </p:nvSpPr>
         <p:spPr>
           <a:xfrm>
-            <a:off x="381300" y="685800"/>
+            <a:off x="381000" y="685800"/>
             <a:ext cx="6096000" cy="3429000"/>
           </a:xfrm>
           <a:custGeom>
@@ -2333,7 +2228,7 @@
         </p:nvSpPr>
         <p:spPr>
           <a:xfrm>
-            <a:off x="381300" y="685800"/>
+            <a:off x="381000" y="685800"/>
             <a:ext cx="6096000" cy="3429000"/>
           </a:xfrm>
           <a:custGeom>
@@ -2437,7 +2332,7 @@
         </p:nvSpPr>
         <p:spPr>
           <a:xfrm>
-            <a:off x="381300" y="685800"/>
+            <a:off x="381000" y="685800"/>
             <a:ext cx="6096000" cy="3429000"/>
           </a:xfrm>
           <a:custGeom>
@@ -3845,6 +3740,4017 @@
 </file>
 
 <file path=ppt/slideLayouts/slideLayout10.xml><?xml version="1.0" encoding="utf-8"?>
+<p:sldLayout xmlns:a="http://schemas.openxmlformats.org/drawingml/2006/main" xmlns:r="http://schemas.openxmlformats.org/officeDocument/2006/relationships" xmlns:p="http://schemas.openxmlformats.org/presentationml/2006/main" matchingName="Blank" type="blank">
+  <p:cSld name="BLANK">
+    <p:spTree>
+      <p:nvGrpSpPr>
+        <p:cNvPr id="1" name="Shape 122"/>
+        <p:cNvGrpSpPr/>
+        <p:nvPr/>
+      </p:nvGrpSpPr>
+      <p:grpSpPr>
+        <a:xfrm>
+          <a:off x="0" y="0"/>
+          <a:ext cx="0" cy="0"/>
+          <a:chOff x="0" y="0"/>
+          <a:chExt cx="0" cy="0"/>
+        </a:xfrm>
+      </p:grpSpPr>
+      <p:sp>
+        <p:nvSpPr>
+          <p:cNvPr id="123" name="Google Shape;123;p12"/>
+          <p:cNvSpPr txBox="1">
+            <a:spLocks noGrp="1"/>
+          </p:cNvSpPr>
+          <p:nvPr>
+            <p:ph type="sldNum" idx="12"/>
+          </p:nvPr>
+        </p:nvSpPr>
+        <p:spPr>
+          <a:xfrm>
+            <a:off x="8390734" y="4543668"/>
+            <a:ext cx="548700" cy="393600"/>
+          </a:xfrm>
+          <a:prstGeom prst="rect">
+            <a:avLst/>
+          </a:prstGeom>
+        </p:spPr>
+        <p:txBody>
+          <a:bodyPr spcFirstLastPara="1" wrap="square" lIns="91425" tIns="91425" rIns="91425" bIns="91425" anchor="ctr" anchorCtr="0">
+            <a:normAutofit/>
+          </a:bodyPr>
+          <a:lstStyle>
+            <a:lvl1pPr lvl="0">
+              <a:buNone/>
+              <a:defRPr/>
+            </a:lvl1pPr>
+            <a:lvl2pPr lvl="1">
+              <a:buNone/>
+              <a:defRPr/>
+            </a:lvl2pPr>
+            <a:lvl3pPr lvl="2">
+              <a:buNone/>
+              <a:defRPr/>
+            </a:lvl3pPr>
+            <a:lvl4pPr lvl="3">
+              <a:buNone/>
+              <a:defRPr/>
+            </a:lvl4pPr>
+            <a:lvl5pPr lvl="4">
+              <a:buNone/>
+              <a:defRPr/>
+            </a:lvl5pPr>
+            <a:lvl6pPr lvl="5">
+              <a:buNone/>
+              <a:defRPr/>
+            </a:lvl6pPr>
+            <a:lvl7pPr lvl="6">
+              <a:buNone/>
+              <a:defRPr/>
+            </a:lvl7pPr>
+            <a:lvl8pPr lvl="7">
+              <a:buNone/>
+              <a:defRPr/>
+            </a:lvl8pPr>
+            <a:lvl9pPr lvl="8">
+              <a:buNone/>
+              <a:defRPr/>
+            </a:lvl9pPr>
+          </a:lstStyle>
+          <a:p>
+            <a:pPr marL="0" lvl="0" indent="0" algn="r" rtl="0">
+              <a:spcBef>
+                <a:spcPts val="0"/>
+              </a:spcBef>
+              <a:spcAft>
+                <a:spcPts val="0"/>
+              </a:spcAft>
+              <a:buNone/>
+            </a:pPr>
+            <a:fld id="{00000000-1234-1234-1234-123412341234}" type="slidenum">
+              <a:rPr lang="es"/>
+              <a:t>‹Nº›</a:t>
+            </a:fld>
+            <a:endParaRPr/>
+          </a:p>
+        </p:txBody>
+      </p:sp>
+    </p:spTree>
+  </p:cSld>
+  <p:clrMapOvr>
+    <a:masterClrMapping/>
+  </p:clrMapOvr>
+</p:sldLayout>
+</file>
+
+<file path=ppt/slideLayouts/slideLayout2.xml><?xml version="1.0" encoding="utf-8"?>
+<p:sldLayout xmlns:a="http://schemas.openxmlformats.org/drawingml/2006/main" xmlns:r="http://schemas.openxmlformats.org/officeDocument/2006/relationships" xmlns:p="http://schemas.openxmlformats.org/presentationml/2006/main" matchingName="Section header" type="secHead">
+  <p:cSld name="SECTION_HEADER">
+    <p:bg>
+      <p:bgPr>
+        <a:solidFill>
+          <a:schemeClr val="accent3"/>
+        </a:solidFill>
+        <a:effectLst/>
+      </p:bgPr>
+    </p:bg>
+    <p:spTree>
+      <p:nvGrpSpPr>
+        <p:cNvPr id="1" name="Shape 37"/>
+        <p:cNvGrpSpPr/>
+        <p:nvPr/>
+      </p:nvGrpSpPr>
+      <p:grpSpPr>
+        <a:xfrm>
+          <a:off x="0" y="0"/>
+          <a:ext cx="0" cy="0"/>
+          <a:chOff x="0" y="0"/>
+          <a:chExt cx="0" cy="0"/>
+        </a:xfrm>
+      </p:grpSpPr>
+      <p:sp>
+        <p:nvSpPr>
+          <p:cNvPr id="38" name="Google Shape;38;p3"/>
+          <p:cNvSpPr/>
+          <p:nvPr/>
+        </p:nvSpPr>
+        <p:spPr>
+          <a:xfrm flipH="1">
+            <a:off x="4757100" y="2309400"/>
+            <a:ext cx="4386900" cy="2834100"/>
+          </a:xfrm>
+          <a:prstGeom prst="rtTriangle">
+            <a:avLst/>
+          </a:prstGeom>
+          <a:solidFill>
+            <a:schemeClr val="dk1"/>
+          </a:solidFill>
+          <a:ln>
+            <a:noFill/>
+          </a:ln>
+        </p:spPr>
+        <p:txBody>
+          <a:bodyPr spcFirstLastPara="1" wrap="square" lIns="91425" tIns="91425" rIns="91425" bIns="91425" anchor="ctr" anchorCtr="0">
+            <a:noAutofit/>
+          </a:bodyPr>
+          <a:lstStyle/>
+          <a:p>
+            <a:pPr marL="0" lvl="0" indent="0" algn="l" rtl="0">
+              <a:spcBef>
+                <a:spcPts val="0"/>
+              </a:spcBef>
+              <a:spcAft>
+                <a:spcPts val="0"/>
+              </a:spcAft>
+              <a:buNone/>
+            </a:pPr>
+            <a:endParaRPr/>
+          </a:p>
+        </p:txBody>
+      </p:sp>
+      <p:grpSp>
+        <p:nvGrpSpPr>
+          <p:cNvPr id="39" name="Google Shape;39;p3"/>
+          <p:cNvGrpSpPr/>
+          <p:nvPr/>
+        </p:nvGrpSpPr>
+        <p:grpSpPr>
+          <a:xfrm>
+            <a:off x="5594191" y="3961115"/>
+            <a:ext cx="2910145" cy="1182340"/>
+            <a:chOff x="6917201" y="0"/>
+            <a:chExt cx="2227777" cy="863400"/>
+          </a:xfrm>
+        </p:grpSpPr>
+        <p:sp>
+          <p:nvSpPr>
+            <p:cNvPr id="40" name="Google Shape;40;p3"/>
+            <p:cNvSpPr/>
+            <p:nvPr/>
+          </p:nvSpPr>
+          <p:spPr>
+            <a:xfrm>
+              <a:off x="7641677" y="0"/>
+              <a:ext cx="1503300" cy="863400"/>
+            </a:xfrm>
+            <a:prstGeom prst="parallelogram">
+              <a:avLst>
+                <a:gd name="adj" fmla="val 158024"/>
+              </a:avLst>
+            </a:prstGeom>
+            <a:solidFill>
+              <a:schemeClr val="accent3"/>
+            </a:solidFill>
+            <a:ln>
+              <a:noFill/>
+            </a:ln>
+          </p:spPr>
+          <p:txBody>
+            <a:bodyPr spcFirstLastPara="1" wrap="square" lIns="91425" tIns="91425" rIns="91425" bIns="91425" anchor="ctr" anchorCtr="0">
+              <a:noAutofit/>
+            </a:bodyPr>
+            <a:lstStyle/>
+            <a:p>
+              <a:pPr marL="0" lvl="0" indent="0" algn="l" rtl="0">
+                <a:spcBef>
+                  <a:spcPts val="0"/>
+                </a:spcBef>
+                <a:spcAft>
+                  <a:spcPts val="0"/>
+                </a:spcAft>
+                <a:buNone/>
+              </a:pPr>
+              <a:endParaRPr/>
+            </a:p>
+          </p:txBody>
+        </p:sp>
+        <p:sp>
+          <p:nvSpPr>
+            <p:cNvPr id="41" name="Google Shape;41;p3"/>
+            <p:cNvSpPr/>
+            <p:nvPr/>
+          </p:nvSpPr>
+          <p:spPr>
+            <a:xfrm>
+              <a:off x="7279439" y="0"/>
+              <a:ext cx="1503300" cy="863400"/>
+            </a:xfrm>
+            <a:prstGeom prst="parallelogram">
+              <a:avLst>
+                <a:gd name="adj" fmla="val 158024"/>
+              </a:avLst>
+            </a:prstGeom>
+            <a:solidFill>
+              <a:schemeClr val="accent3"/>
+            </a:solidFill>
+            <a:ln>
+              <a:noFill/>
+            </a:ln>
+          </p:spPr>
+          <p:txBody>
+            <a:bodyPr spcFirstLastPara="1" wrap="square" lIns="91425" tIns="91425" rIns="91425" bIns="91425" anchor="ctr" anchorCtr="0">
+              <a:noAutofit/>
+            </a:bodyPr>
+            <a:lstStyle/>
+            <a:p>
+              <a:pPr marL="0" lvl="0" indent="0" algn="l" rtl="0">
+                <a:spcBef>
+                  <a:spcPts val="0"/>
+                </a:spcBef>
+                <a:spcAft>
+                  <a:spcPts val="0"/>
+                </a:spcAft>
+                <a:buNone/>
+              </a:pPr>
+              <a:endParaRPr/>
+            </a:p>
+          </p:txBody>
+        </p:sp>
+        <p:sp>
+          <p:nvSpPr>
+            <p:cNvPr id="42" name="Google Shape;42;p3"/>
+            <p:cNvSpPr/>
+            <p:nvPr/>
+          </p:nvSpPr>
+          <p:spPr>
+            <a:xfrm>
+              <a:off x="6917201" y="0"/>
+              <a:ext cx="1503300" cy="863400"/>
+            </a:xfrm>
+            <a:prstGeom prst="parallelogram">
+              <a:avLst>
+                <a:gd name="adj" fmla="val 158024"/>
+              </a:avLst>
+            </a:prstGeom>
+            <a:solidFill>
+              <a:schemeClr val="accent3"/>
+            </a:solidFill>
+            <a:ln>
+              <a:noFill/>
+            </a:ln>
+          </p:spPr>
+          <p:txBody>
+            <a:bodyPr spcFirstLastPara="1" wrap="square" lIns="91425" tIns="91425" rIns="91425" bIns="91425" anchor="ctr" anchorCtr="0">
+              <a:noAutofit/>
+            </a:bodyPr>
+            <a:lstStyle/>
+            <a:p>
+              <a:pPr marL="0" lvl="0" indent="0" algn="l" rtl="0">
+                <a:spcBef>
+                  <a:spcPts val="0"/>
+                </a:spcBef>
+                <a:spcAft>
+                  <a:spcPts val="0"/>
+                </a:spcAft>
+                <a:buNone/>
+              </a:pPr>
+              <a:endParaRPr/>
+            </a:p>
+          </p:txBody>
+        </p:sp>
+      </p:grpSp>
+      <p:grpSp>
+        <p:nvGrpSpPr>
+          <p:cNvPr id="43" name="Google Shape;43;p3"/>
+          <p:cNvGrpSpPr/>
+          <p:nvPr/>
+        </p:nvGrpSpPr>
+        <p:grpSpPr>
+          <a:xfrm>
+            <a:off x="199149" y="2"/>
+            <a:ext cx="2795414" cy="1083308"/>
+            <a:chOff x="6917201" y="0"/>
+            <a:chExt cx="2227777" cy="863400"/>
+          </a:xfrm>
+        </p:grpSpPr>
+        <p:sp>
+          <p:nvSpPr>
+            <p:cNvPr id="44" name="Google Shape;44;p3"/>
+            <p:cNvSpPr/>
+            <p:nvPr/>
+          </p:nvSpPr>
+          <p:spPr>
+            <a:xfrm>
+              <a:off x="7641677" y="0"/>
+              <a:ext cx="1503300" cy="863400"/>
+            </a:xfrm>
+            <a:prstGeom prst="parallelogram">
+              <a:avLst>
+                <a:gd name="adj" fmla="val 158024"/>
+              </a:avLst>
+            </a:prstGeom>
+            <a:solidFill>
+              <a:schemeClr val="dk2"/>
+            </a:solidFill>
+            <a:ln>
+              <a:noFill/>
+            </a:ln>
+          </p:spPr>
+          <p:txBody>
+            <a:bodyPr spcFirstLastPara="1" wrap="square" lIns="91425" tIns="91425" rIns="91425" bIns="91425" anchor="ctr" anchorCtr="0">
+              <a:noAutofit/>
+            </a:bodyPr>
+            <a:lstStyle/>
+            <a:p>
+              <a:pPr marL="0" lvl="0" indent="0" algn="l" rtl="0">
+                <a:spcBef>
+                  <a:spcPts val="0"/>
+                </a:spcBef>
+                <a:spcAft>
+                  <a:spcPts val="0"/>
+                </a:spcAft>
+                <a:buNone/>
+              </a:pPr>
+              <a:endParaRPr/>
+            </a:p>
+          </p:txBody>
+        </p:sp>
+        <p:sp>
+          <p:nvSpPr>
+            <p:cNvPr id="45" name="Google Shape;45;p3"/>
+            <p:cNvSpPr/>
+            <p:nvPr/>
+          </p:nvSpPr>
+          <p:spPr>
+            <a:xfrm>
+              <a:off x="7279439" y="0"/>
+              <a:ext cx="1503300" cy="863400"/>
+            </a:xfrm>
+            <a:prstGeom prst="parallelogram">
+              <a:avLst>
+                <a:gd name="adj" fmla="val 158024"/>
+              </a:avLst>
+            </a:prstGeom>
+            <a:solidFill>
+              <a:schemeClr val="dk2"/>
+            </a:solidFill>
+            <a:ln>
+              <a:noFill/>
+            </a:ln>
+          </p:spPr>
+          <p:txBody>
+            <a:bodyPr spcFirstLastPara="1" wrap="square" lIns="91425" tIns="91425" rIns="91425" bIns="91425" anchor="ctr" anchorCtr="0">
+              <a:noAutofit/>
+            </a:bodyPr>
+            <a:lstStyle/>
+            <a:p>
+              <a:pPr marL="0" lvl="0" indent="0" algn="l" rtl="0">
+                <a:spcBef>
+                  <a:spcPts val="0"/>
+                </a:spcBef>
+                <a:spcAft>
+                  <a:spcPts val="0"/>
+                </a:spcAft>
+                <a:buNone/>
+              </a:pPr>
+              <a:endParaRPr/>
+            </a:p>
+          </p:txBody>
+        </p:sp>
+        <p:sp>
+          <p:nvSpPr>
+            <p:cNvPr id="46" name="Google Shape;46;p3"/>
+            <p:cNvSpPr/>
+            <p:nvPr/>
+          </p:nvSpPr>
+          <p:spPr>
+            <a:xfrm>
+              <a:off x="6917201" y="0"/>
+              <a:ext cx="1503300" cy="863400"/>
+            </a:xfrm>
+            <a:prstGeom prst="parallelogram">
+              <a:avLst>
+                <a:gd name="adj" fmla="val 158024"/>
+              </a:avLst>
+            </a:prstGeom>
+            <a:solidFill>
+              <a:schemeClr val="dk2"/>
+            </a:solidFill>
+            <a:ln>
+              <a:noFill/>
+            </a:ln>
+          </p:spPr>
+          <p:txBody>
+            <a:bodyPr spcFirstLastPara="1" wrap="square" lIns="91425" tIns="91425" rIns="91425" bIns="91425" anchor="ctr" anchorCtr="0">
+              <a:noAutofit/>
+            </a:bodyPr>
+            <a:lstStyle/>
+            <a:p>
+              <a:pPr marL="0" lvl="0" indent="0" algn="l" rtl="0">
+                <a:spcBef>
+                  <a:spcPts val="0"/>
+                </a:spcBef>
+                <a:spcAft>
+                  <a:spcPts val="0"/>
+                </a:spcAft>
+                <a:buNone/>
+              </a:pPr>
+              <a:endParaRPr/>
+            </a:p>
+          </p:txBody>
+        </p:sp>
+      </p:grpSp>
+      <p:sp>
+        <p:nvSpPr>
+          <p:cNvPr id="47" name="Google Shape;47;p3"/>
+          <p:cNvSpPr txBox="1">
+            <a:spLocks noGrp="1"/>
+          </p:cNvSpPr>
+          <p:nvPr>
+            <p:ph type="title"/>
+          </p:nvPr>
+        </p:nvSpPr>
+        <p:spPr>
+          <a:xfrm>
+            <a:off x="1888684" y="1746100"/>
+            <a:ext cx="5377500" cy="1646100"/>
+          </a:xfrm>
+          <a:prstGeom prst="rect">
+            <a:avLst/>
+          </a:prstGeom>
+        </p:spPr>
+        <p:txBody>
+          <a:bodyPr spcFirstLastPara="1" wrap="square" lIns="91425" tIns="91425" rIns="91425" bIns="91425" anchor="ctr" anchorCtr="0">
+            <a:normAutofit/>
+          </a:bodyPr>
+          <a:lstStyle>
+            <a:lvl1pPr lvl="0" algn="ctr">
+              <a:spcBef>
+                <a:spcPts val="0"/>
+              </a:spcBef>
+              <a:spcAft>
+                <a:spcPts val="0"/>
+              </a:spcAft>
+              <a:buClr>
+                <a:schemeClr val="dk2"/>
+              </a:buClr>
+              <a:buSzPts val="3200"/>
+              <a:buNone/>
+              <a:defRPr sz="3200">
+                <a:solidFill>
+                  <a:schemeClr val="dk2"/>
+                </a:solidFill>
+              </a:defRPr>
+            </a:lvl1pPr>
+            <a:lvl2pPr lvl="1" algn="ctr">
+              <a:spcBef>
+                <a:spcPts val="0"/>
+              </a:spcBef>
+              <a:spcAft>
+                <a:spcPts val="0"/>
+              </a:spcAft>
+              <a:buClr>
+                <a:schemeClr val="dk2"/>
+              </a:buClr>
+              <a:buSzPts val="3200"/>
+              <a:buNone/>
+              <a:defRPr sz="3200">
+                <a:solidFill>
+                  <a:schemeClr val="dk2"/>
+                </a:solidFill>
+              </a:defRPr>
+            </a:lvl2pPr>
+            <a:lvl3pPr lvl="2" algn="ctr">
+              <a:spcBef>
+                <a:spcPts val="0"/>
+              </a:spcBef>
+              <a:spcAft>
+                <a:spcPts val="0"/>
+              </a:spcAft>
+              <a:buClr>
+                <a:schemeClr val="dk2"/>
+              </a:buClr>
+              <a:buSzPts val="3200"/>
+              <a:buNone/>
+              <a:defRPr sz="3200">
+                <a:solidFill>
+                  <a:schemeClr val="dk2"/>
+                </a:solidFill>
+              </a:defRPr>
+            </a:lvl3pPr>
+            <a:lvl4pPr lvl="3" algn="ctr">
+              <a:spcBef>
+                <a:spcPts val="0"/>
+              </a:spcBef>
+              <a:spcAft>
+                <a:spcPts val="0"/>
+              </a:spcAft>
+              <a:buClr>
+                <a:schemeClr val="dk2"/>
+              </a:buClr>
+              <a:buSzPts val="3200"/>
+              <a:buNone/>
+              <a:defRPr sz="3200">
+                <a:solidFill>
+                  <a:schemeClr val="dk2"/>
+                </a:solidFill>
+              </a:defRPr>
+            </a:lvl4pPr>
+            <a:lvl5pPr lvl="4" algn="ctr">
+              <a:spcBef>
+                <a:spcPts val="0"/>
+              </a:spcBef>
+              <a:spcAft>
+                <a:spcPts val="0"/>
+              </a:spcAft>
+              <a:buClr>
+                <a:schemeClr val="dk2"/>
+              </a:buClr>
+              <a:buSzPts val="3200"/>
+              <a:buNone/>
+              <a:defRPr sz="3200">
+                <a:solidFill>
+                  <a:schemeClr val="dk2"/>
+                </a:solidFill>
+              </a:defRPr>
+            </a:lvl5pPr>
+            <a:lvl6pPr lvl="5" algn="ctr">
+              <a:spcBef>
+                <a:spcPts val="0"/>
+              </a:spcBef>
+              <a:spcAft>
+                <a:spcPts val="0"/>
+              </a:spcAft>
+              <a:buClr>
+                <a:schemeClr val="dk2"/>
+              </a:buClr>
+              <a:buSzPts val="3200"/>
+              <a:buNone/>
+              <a:defRPr sz="3200">
+                <a:solidFill>
+                  <a:schemeClr val="dk2"/>
+                </a:solidFill>
+              </a:defRPr>
+            </a:lvl6pPr>
+            <a:lvl7pPr lvl="6" algn="ctr">
+              <a:spcBef>
+                <a:spcPts val="0"/>
+              </a:spcBef>
+              <a:spcAft>
+                <a:spcPts val="0"/>
+              </a:spcAft>
+              <a:buClr>
+                <a:schemeClr val="dk2"/>
+              </a:buClr>
+              <a:buSzPts val="3200"/>
+              <a:buNone/>
+              <a:defRPr sz="3200">
+                <a:solidFill>
+                  <a:schemeClr val="dk2"/>
+                </a:solidFill>
+              </a:defRPr>
+            </a:lvl7pPr>
+            <a:lvl8pPr lvl="7" algn="ctr">
+              <a:spcBef>
+                <a:spcPts val="0"/>
+              </a:spcBef>
+              <a:spcAft>
+                <a:spcPts val="0"/>
+              </a:spcAft>
+              <a:buClr>
+                <a:schemeClr val="dk2"/>
+              </a:buClr>
+              <a:buSzPts val="3200"/>
+              <a:buNone/>
+              <a:defRPr sz="3200">
+                <a:solidFill>
+                  <a:schemeClr val="dk2"/>
+                </a:solidFill>
+              </a:defRPr>
+            </a:lvl8pPr>
+            <a:lvl9pPr lvl="8" algn="ctr">
+              <a:spcBef>
+                <a:spcPts val="0"/>
+              </a:spcBef>
+              <a:spcAft>
+                <a:spcPts val="0"/>
+              </a:spcAft>
+              <a:buClr>
+                <a:schemeClr val="dk2"/>
+              </a:buClr>
+              <a:buSzPts val="3200"/>
+              <a:buNone/>
+              <a:defRPr sz="3200">
+                <a:solidFill>
+                  <a:schemeClr val="dk2"/>
+                </a:solidFill>
+              </a:defRPr>
+            </a:lvl9pPr>
+          </a:lstStyle>
+          <a:p>
+            <a:endParaRPr/>
+          </a:p>
+        </p:txBody>
+      </p:sp>
+      <p:sp>
+        <p:nvSpPr>
+          <p:cNvPr id="48" name="Google Shape;48;p3"/>
+          <p:cNvSpPr txBox="1">
+            <a:spLocks noGrp="1"/>
+          </p:cNvSpPr>
+          <p:nvPr>
+            <p:ph type="sldNum" idx="12"/>
+          </p:nvPr>
+        </p:nvSpPr>
+        <p:spPr>
+          <a:xfrm>
+            <a:off x="8390734" y="4543668"/>
+            <a:ext cx="548700" cy="393600"/>
+          </a:xfrm>
+          <a:prstGeom prst="rect">
+            <a:avLst/>
+          </a:prstGeom>
+        </p:spPr>
+        <p:txBody>
+          <a:bodyPr spcFirstLastPara="1" wrap="square" lIns="91425" tIns="91425" rIns="91425" bIns="91425" anchor="ctr" anchorCtr="0">
+            <a:normAutofit/>
+          </a:bodyPr>
+          <a:lstStyle>
+            <a:lvl1pPr lvl="0">
+              <a:buNone/>
+              <a:defRPr/>
+            </a:lvl1pPr>
+            <a:lvl2pPr lvl="1">
+              <a:buNone/>
+              <a:defRPr/>
+            </a:lvl2pPr>
+            <a:lvl3pPr lvl="2">
+              <a:buNone/>
+              <a:defRPr/>
+            </a:lvl3pPr>
+            <a:lvl4pPr lvl="3">
+              <a:buNone/>
+              <a:defRPr/>
+            </a:lvl4pPr>
+            <a:lvl5pPr lvl="4">
+              <a:buNone/>
+              <a:defRPr/>
+            </a:lvl5pPr>
+            <a:lvl6pPr lvl="5">
+              <a:buNone/>
+              <a:defRPr/>
+            </a:lvl6pPr>
+            <a:lvl7pPr lvl="6">
+              <a:buNone/>
+              <a:defRPr/>
+            </a:lvl7pPr>
+            <a:lvl8pPr lvl="7">
+              <a:buNone/>
+              <a:defRPr/>
+            </a:lvl8pPr>
+            <a:lvl9pPr lvl="8">
+              <a:buNone/>
+              <a:defRPr/>
+            </a:lvl9pPr>
+          </a:lstStyle>
+          <a:p>
+            <a:pPr marL="0" lvl="0" indent="0" algn="r" rtl="0">
+              <a:spcBef>
+                <a:spcPts val="0"/>
+              </a:spcBef>
+              <a:spcAft>
+                <a:spcPts val="0"/>
+              </a:spcAft>
+              <a:buNone/>
+            </a:pPr>
+            <a:fld id="{00000000-1234-1234-1234-123412341234}" type="slidenum">
+              <a:rPr lang="es"/>
+              <a:t>‹Nº›</a:t>
+            </a:fld>
+            <a:endParaRPr/>
+          </a:p>
+        </p:txBody>
+      </p:sp>
+    </p:spTree>
+  </p:cSld>
+  <p:clrMapOvr>
+    <a:masterClrMapping/>
+  </p:clrMapOvr>
+</p:sldLayout>
+</file>
+
+<file path=ppt/slideLayouts/slideLayout3.xml><?xml version="1.0" encoding="utf-8"?>
+<p:sldLayout xmlns:a="http://schemas.openxmlformats.org/drawingml/2006/main" xmlns:r="http://schemas.openxmlformats.org/officeDocument/2006/relationships" xmlns:p="http://schemas.openxmlformats.org/presentationml/2006/main" matchingName="Title and two columns" type="twoColTx">
+  <p:cSld name="TITLE_AND_TWO_COLUMNS">
+    <p:bg>
+      <p:bgPr>
+        <a:solidFill>
+          <a:schemeClr val="dk2"/>
+        </a:solidFill>
+        <a:effectLst/>
+      </p:bgPr>
+    </p:bg>
+    <p:spTree>
+      <p:nvGrpSpPr>
+        <p:cNvPr id="1" name="Shape 56"/>
+        <p:cNvGrpSpPr/>
+        <p:nvPr/>
+      </p:nvGrpSpPr>
+      <p:grpSpPr>
+        <a:xfrm>
+          <a:off x="0" y="0"/>
+          <a:ext cx="0" cy="0"/>
+          <a:chOff x="0" y="0"/>
+          <a:chExt cx="0" cy="0"/>
+        </a:xfrm>
+      </p:grpSpPr>
+      <p:sp>
+        <p:nvSpPr>
+          <p:cNvPr id="57" name="Google Shape;57;p5"/>
+          <p:cNvSpPr/>
+          <p:nvPr/>
+        </p:nvSpPr>
+        <p:spPr>
+          <a:xfrm flipH="1">
+            <a:off x="3582600" y="1550700"/>
+            <a:ext cx="5561400" cy="3592800"/>
+          </a:xfrm>
+          <a:prstGeom prst="rtTriangle">
+            <a:avLst/>
+          </a:prstGeom>
+          <a:solidFill>
+            <a:schemeClr val="lt2"/>
+          </a:solidFill>
+          <a:ln>
+            <a:noFill/>
+          </a:ln>
+        </p:spPr>
+        <p:txBody>
+          <a:bodyPr spcFirstLastPara="1" wrap="square" lIns="91425" tIns="91425" rIns="91425" bIns="91425" anchor="ctr" anchorCtr="0">
+            <a:noAutofit/>
+          </a:bodyPr>
+          <a:lstStyle/>
+          <a:p>
+            <a:pPr marL="0" lvl="0" indent="0" algn="l" rtl="0">
+              <a:spcBef>
+                <a:spcPts val="0"/>
+              </a:spcBef>
+              <a:spcAft>
+                <a:spcPts val="0"/>
+              </a:spcAft>
+              <a:buNone/>
+            </a:pPr>
+            <a:endParaRPr/>
+          </a:p>
+        </p:txBody>
+      </p:sp>
+      <p:sp>
+        <p:nvSpPr>
+          <p:cNvPr id="58" name="Google Shape;58;p5"/>
+          <p:cNvSpPr/>
+          <p:nvPr/>
+        </p:nvSpPr>
+        <p:spPr>
+          <a:xfrm>
+            <a:off x="31" y="2824500"/>
+            <a:ext cx="7370400" cy="2319000"/>
+          </a:xfrm>
+          <a:prstGeom prst="rtTriangle">
+            <a:avLst/>
+          </a:prstGeom>
+          <a:solidFill>
+            <a:schemeClr val="accent3"/>
+          </a:solidFill>
+          <a:ln>
+            <a:noFill/>
+          </a:ln>
+        </p:spPr>
+        <p:txBody>
+          <a:bodyPr spcFirstLastPara="1" wrap="square" lIns="91425" tIns="91425" rIns="91425" bIns="91425" anchor="ctr" anchorCtr="0">
+            <a:noAutofit/>
+          </a:bodyPr>
+          <a:lstStyle/>
+          <a:p>
+            <a:pPr marL="0" lvl="0" indent="0" algn="l" rtl="0">
+              <a:spcBef>
+                <a:spcPts val="0"/>
+              </a:spcBef>
+              <a:spcAft>
+                <a:spcPts val="0"/>
+              </a:spcAft>
+              <a:buNone/>
+            </a:pPr>
+            <a:endParaRPr/>
+          </a:p>
+        </p:txBody>
+      </p:sp>
+      <p:sp>
+        <p:nvSpPr>
+          <p:cNvPr id="59" name="Google Shape;59;p5"/>
+          <p:cNvSpPr/>
+          <p:nvPr/>
+        </p:nvSpPr>
+        <p:spPr>
+          <a:xfrm>
+            <a:off x="203225" y="206250"/>
+            <a:ext cx="8737500" cy="4731000"/>
+          </a:xfrm>
+          <a:prstGeom prst="rect">
+            <a:avLst/>
+          </a:prstGeom>
+          <a:solidFill>
+            <a:schemeClr val="dk1"/>
+          </a:solidFill>
+          <a:ln>
+            <a:noFill/>
+          </a:ln>
+          <a:effectLst>
+            <a:outerShdw blurRad="228600" sx="101000" sy="101000" algn="ctr" rotWithShape="0">
+              <a:srgbClr val="000000">
+                <a:alpha val="40000"/>
+              </a:srgbClr>
+            </a:outerShdw>
+          </a:effectLst>
+        </p:spPr>
+        <p:txBody>
+          <a:bodyPr spcFirstLastPara="1" wrap="square" lIns="91425" tIns="91425" rIns="91425" bIns="91425" anchor="ctr" anchorCtr="0">
+            <a:noAutofit/>
+          </a:bodyPr>
+          <a:lstStyle/>
+          <a:p>
+            <a:pPr marL="0" lvl="0" indent="0" algn="l" rtl="0">
+              <a:spcBef>
+                <a:spcPts val="0"/>
+              </a:spcBef>
+              <a:spcAft>
+                <a:spcPts val="0"/>
+              </a:spcAft>
+              <a:buNone/>
+            </a:pPr>
+            <a:endParaRPr/>
+          </a:p>
+        </p:txBody>
+      </p:sp>
+      <p:sp>
+        <p:nvSpPr>
+          <p:cNvPr id="60" name="Google Shape;60;p5"/>
+          <p:cNvSpPr txBox="1">
+            <a:spLocks noGrp="1"/>
+          </p:cNvSpPr>
+          <p:nvPr>
+            <p:ph type="title"/>
+          </p:nvPr>
+        </p:nvSpPr>
+        <p:spPr>
+          <a:xfrm>
+            <a:off x="819150" y="845600"/>
+            <a:ext cx="7505700" cy="954600"/>
+          </a:xfrm>
+          <a:prstGeom prst="rect">
+            <a:avLst/>
+          </a:prstGeom>
+        </p:spPr>
+        <p:txBody>
+          <a:bodyPr spcFirstLastPara="1" wrap="square" lIns="91425" tIns="91425" rIns="91425" bIns="91425" anchor="t" anchorCtr="0">
+            <a:normAutofit/>
+          </a:bodyPr>
+          <a:lstStyle>
+            <a:lvl1pPr lvl="0">
+              <a:spcBef>
+                <a:spcPts val="0"/>
+              </a:spcBef>
+              <a:spcAft>
+                <a:spcPts val="0"/>
+              </a:spcAft>
+              <a:buSzPts val="3000"/>
+              <a:buNone/>
+              <a:defRPr sz="3000"/>
+            </a:lvl1pPr>
+            <a:lvl2pPr lvl="1">
+              <a:spcBef>
+                <a:spcPts val="0"/>
+              </a:spcBef>
+              <a:spcAft>
+                <a:spcPts val="0"/>
+              </a:spcAft>
+              <a:buSzPts val="3000"/>
+              <a:buNone/>
+              <a:defRPr sz="3000"/>
+            </a:lvl2pPr>
+            <a:lvl3pPr lvl="2">
+              <a:spcBef>
+                <a:spcPts val="0"/>
+              </a:spcBef>
+              <a:spcAft>
+                <a:spcPts val="0"/>
+              </a:spcAft>
+              <a:buSzPts val="3000"/>
+              <a:buNone/>
+              <a:defRPr sz="3000"/>
+            </a:lvl3pPr>
+            <a:lvl4pPr lvl="3">
+              <a:spcBef>
+                <a:spcPts val="0"/>
+              </a:spcBef>
+              <a:spcAft>
+                <a:spcPts val="0"/>
+              </a:spcAft>
+              <a:buSzPts val="3000"/>
+              <a:buNone/>
+              <a:defRPr sz="3000"/>
+            </a:lvl4pPr>
+            <a:lvl5pPr lvl="4">
+              <a:spcBef>
+                <a:spcPts val="0"/>
+              </a:spcBef>
+              <a:spcAft>
+                <a:spcPts val="0"/>
+              </a:spcAft>
+              <a:buSzPts val="3000"/>
+              <a:buNone/>
+              <a:defRPr sz="3000"/>
+            </a:lvl5pPr>
+            <a:lvl6pPr lvl="5">
+              <a:spcBef>
+                <a:spcPts val="0"/>
+              </a:spcBef>
+              <a:spcAft>
+                <a:spcPts val="0"/>
+              </a:spcAft>
+              <a:buSzPts val="3000"/>
+              <a:buNone/>
+              <a:defRPr sz="3000"/>
+            </a:lvl6pPr>
+            <a:lvl7pPr lvl="6">
+              <a:spcBef>
+                <a:spcPts val="0"/>
+              </a:spcBef>
+              <a:spcAft>
+                <a:spcPts val="0"/>
+              </a:spcAft>
+              <a:buSzPts val="3000"/>
+              <a:buNone/>
+              <a:defRPr sz="3000"/>
+            </a:lvl7pPr>
+            <a:lvl8pPr lvl="7">
+              <a:spcBef>
+                <a:spcPts val="0"/>
+              </a:spcBef>
+              <a:spcAft>
+                <a:spcPts val="0"/>
+              </a:spcAft>
+              <a:buSzPts val="3000"/>
+              <a:buNone/>
+              <a:defRPr sz="3000"/>
+            </a:lvl8pPr>
+            <a:lvl9pPr lvl="8">
+              <a:spcBef>
+                <a:spcPts val="0"/>
+              </a:spcBef>
+              <a:spcAft>
+                <a:spcPts val="0"/>
+              </a:spcAft>
+              <a:buSzPts val="3000"/>
+              <a:buNone/>
+              <a:defRPr sz="3000"/>
+            </a:lvl9pPr>
+          </a:lstStyle>
+          <a:p>
+            <a:endParaRPr/>
+          </a:p>
+        </p:txBody>
+      </p:sp>
+      <p:sp>
+        <p:nvSpPr>
+          <p:cNvPr id="61" name="Google Shape;61;p5"/>
+          <p:cNvSpPr txBox="1">
+            <a:spLocks noGrp="1"/>
+          </p:cNvSpPr>
+          <p:nvPr>
+            <p:ph type="body" idx="1"/>
+          </p:nvPr>
+        </p:nvSpPr>
+        <p:spPr>
+          <a:xfrm>
+            <a:off x="819150" y="1990725"/>
+            <a:ext cx="3686100" cy="2448000"/>
+          </a:xfrm>
+          <a:prstGeom prst="rect">
+            <a:avLst/>
+          </a:prstGeom>
+        </p:spPr>
+        <p:txBody>
+          <a:bodyPr spcFirstLastPara="1" wrap="square" lIns="91425" tIns="91425" rIns="91425" bIns="91425" anchor="t" anchorCtr="0">
+            <a:normAutofit/>
+          </a:bodyPr>
+          <a:lstStyle>
+            <a:lvl1pPr marL="457200" lvl="0" indent="-311150">
+              <a:spcBef>
+                <a:spcPts val="0"/>
+              </a:spcBef>
+              <a:spcAft>
+                <a:spcPts val="0"/>
+              </a:spcAft>
+              <a:buSzPts val="1300"/>
+              <a:buChar char="●"/>
+              <a:defRPr/>
+            </a:lvl1pPr>
+            <a:lvl2pPr marL="914400" lvl="1" indent="-298450">
+              <a:spcBef>
+                <a:spcPts val="0"/>
+              </a:spcBef>
+              <a:spcAft>
+                <a:spcPts val="0"/>
+              </a:spcAft>
+              <a:buSzPts val="1100"/>
+              <a:buChar char="○"/>
+              <a:defRPr/>
+            </a:lvl2pPr>
+            <a:lvl3pPr marL="1371600" lvl="2" indent="-298450">
+              <a:spcBef>
+                <a:spcPts val="0"/>
+              </a:spcBef>
+              <a:spcAft>
+                <a:spcPts val="0"/>
+              </a:spcAft>
+              <a:buSzPts val="1100"/>
+              <a:buChar char="■"/>
+              <a:defRPr/>
+            </a:lvl3pPr>
+            <a:lvl4pPr marL="1828800" lvl="3" indent="-298450">
+              <a:spcBef>
+                <a:spcPts val="0"/>
+              </a:spcBef>
+              <a:spcAft>
+                <a:spcPts val="0"/>
+              </a:spcAft>
+              <a:buSzPts val="1100"/>
+              <a:buChar char="●"/>
+              <a:defRPr/>
+            </a:lvl4pPr>
+            <a:lvl5pPr marL="2286000" lvl="4" indent="-298450">
+              <a:spcBef>
+                <a:spcPts val="0"/>
+              </a:spcBef>
+              <a:spcAft>
+                <a:spcPts val="0"/>
+              </a:spcAft>
+              <a:buSzPts val="1100"/>
+              <a:buChar char="○"/>
+              <a:defRPr/>
+            </a:lvl5pPr>
+            <a:lvl6pPr marL="2743200" lvl="5" indent="-298450">
+              <a:spcBef>
+                <a:spcPts val="0"/>
+              </a:spcBef>
+              <a:spcAft>
+                <a:spcPts val="0"/>
+              </a:spcAft>
+              <a:buSzPts val="1100"/>
+              <a:buChar char="■"/>
+              <a:defRPr/>
+            </a:lvl6pPr>
+            <a:lvl7pPr marL="3200400" lvl="6" indent="-298450">
+              <a:spcBef>
+                <a:spcPts val="0"/>
+              </a:spcBef>
+              <a:spcAft>
+                <a:spcPts val="0"/>
+              </a:spcAft>
+              <a:buSzPts val="1100"/>
+              <a:buChar char="●"/>
+              <a:defRPr/>
+            </a:lvl7pPr>
+            <a:lvl8pPr marL="3657600" lvl="7" indent="-298450">
+              <a:spcBef>
+                <a:spcPts val="0"/>
+              </a:spcBef>
+              <a:spcAft>
+                <a:spcPts val="0"/>
+              </a:spcAft>
+              <a:buSzPts val="1100"/>
+              <a:buChar char="○"/>
+              <a:defRPr/>
+            </a:lvl8pPr>
+            <a:lvl9pPr marL="4114800" lvl="8" indent="-298450">
+              <a:spcBef>
+                <a:spcPts val="0"/>
+              </a:spcBef>
+              <a:spcAft>
+                <a:spcPts val="0"/>
+              </a:spcAft>
+              <a:buSzPts val="1100"/>
+              <a:buChar char="■"/>
+              <a:defRPr/>
+            </a:lvl9pPr>
+          </a:lstStyle>
+          <a:p>
+            <a:endParaRPr/>
+          </a:p>
+        </p:txBody>
+      </p:sp>
+      <p:sp>
+        <p:nvSpPr>
+          <p:cNvPr id="62" name="Google Shape;62;p5"/>
+          <p:cNvSpPr txBox="1">
+            <a:spLocks noGrp="1"/>
+          </p:cNvSpPr>
+          <p:nvPr>
+            <p:ph type="body" idx="2"/>
+          </p:nvPr>
+        </p:nvSpPr>
+        <p:spPr>
+          <a:xfrm>
+            <a:off x="4638675" y="1990725"/>
+            <a:ext cx="3686100" cy="2448000"/>
+          </a:xfrm>
+          <a:prstGeom prst="rect">
+            <a:avLst/>
+          </a:prstGeom>
+        </p:spPr>
+        <p:txBody>
+          <a:bodyPr spcFirstLastPara="1" wrap="square" lIns="91425" tIns="91425" rIns="91425" bIns="91425" anchor="t" anchorCtr="0">
+            <a:normAutofit/>
+          </a:bodyPr>
+          <a:lstStyle>
+            <a:lvl1pPr marL="457200" lvl="0" indent="-311150">
+              <a:spcBef>
+                <a:spcPts val="0"/>
+              </a:spcBef>
+              <a:spcAft>
+                <a:spcPts val="0"/>
+              </a:spcAft>
+              <a:buSzPts val="1300"/>
+              <a:buChar char="●"/>
+              <a:defRPr/>
+            </a:lvl1pPr>
+            <a:lvl2pPr marL="914400" lvl="1" indent="-298450">
+              <a:spcBef>
+                <a:spcPts val="0"/>
+              </a:spcBef>
+              <a:spcAft>
+                <a:spcPts val="0"/>
+              </a:spcAft>
+              <a:buSzPts val="1100"/>
+              <a:buChar char="○"/>
+              <a:defRPr/>
+            </a:lvl2pPr>
+            <a:lvl3pPr marL="1371600" lvl="2" indent="-298450">
+              <a:spcBef>
+                <a:spcPts val="0"/>
+              </a:spcBef>
+              <a:spcAft>
+                <a:spcPts val="0"/>
+              </a:spcAft>
+              <a:buSzPts val="1100"/>
+              <a:buChar char="■"/>
+              <a:defRPr/>
+            </a:lvl3pPr>
+            <a:lvl4pPr marL="1828800" lvl="3" indent="-298450">
+              <a:spcBef>
+                <a:spcPts val="0"/>
+              </a:spcBef>
+              <a:spcAft>
+                <a:spcPts val="0"/>
+              </a:spcAft>
+              <a:buSzPts val="1100"/>
+              <a:buChar char="●"/>
+              <a:defRPr/>
+            </a:lvl4pPr>
+            <a:lvl5pPr marL="2286000" lvl="4" indent="-298450">
+              <a:spcBef>
+                <a:spcPts val="0"/>
+              </a:spcBef>
+              <a:spcAft>
+                <a:spcPts val="0"/>
+              </a:spcAft>
+              <a:buSzPts val="1100"/>
+              <a:buChar char="○"/>
+              <a:defRPr/>
+            </a:lvl5pPr>
+            <a:lvl6pPr marL="2743200" lvl="5" indent="-298450">
+              <a:spcBef>
+                <a:spcPts val="0"/>
+              </a:spcBef>
+              <a:spcAft>
+                <a:spcPts val="0"/>
+              </a:spcAft>
+              <a:buSzPts val="1100"/>
+              <a:buChar char="■"/>
+              <a:defRPr/>
+            </a:lvl6pPr>
+            <a:lvl7pPr marL="3200400" lvl="6" indent="-298450">
+              <a:spcBef>
+                <a:spcPts val="0"/>
+              </a:spcBef>
+              <a:spcAft>
+                <a:spcPts val="0"/>
+              </a:spcAft>
+              <a:buSzPts val="1100"/>
+              <a:buChar char="●"/>
+              <a:defRPr/>
+            </a:lvl7pPr>
+            <a:lvl8pPr marL="3657600" lvl="7" indent="-298450">
+              <a:spcBef>
+                <a:spcPts val="0"/>
+              </a:spcBef>
+              <a:spcAft>
+                <a:spcPts val="0"/>
+              </a:spcAft>
+              <a:buSzPts val="1100"/>
+              <a:buChar char="○"/>
+              <a:defRPr/>
+            </a:lvl8pPr>
+            <a:lvl9pPr marL="4114800" lvl="8" indent="-298450">
+              <a:spcBef>
+                <a:spcPts val="0"/>
+              </a:spcBef>
+              <a:spcAft>
+                <a:spcPts val="0"/>
+              </a:spcAft>
+              <a:buSzPts val="1100"/>
+              <a:buChar char="■"/>
+              <a:defRPr/>
+            </a:lvl9pPr>
+          </a:lstStyle>
+          <a:p>
+            <a:endParaRPr/>
+          </a:p>
+        </p:txBody>
+      </p:sp>
+      <p:sp>
+        <p:nvSpPr>
+          <p:cNvPr id="63" name="Google Shape;63;p5"/>
+          <p:cNvSpPr txBox="1">
+            <a:spLocks noGrp="1"/>
+          </p:cNvSpPr>
+          <p:nvPr>
+            <p:ph type="sldNum" idx="12"/>
+          </p:nvPr>
+        </p:nvSpPr>
+        <p:spPr>
+          <a:xfrm>
+            <a:off x="8390734" y="4543668"/>
+            <a:ext cx="548700" cy="393600"/>
+          </a:xfrm>
+          <a:prstGeom prst="rect">
+            <a:avLst/>
+          </a:prstGeom>
+        </p:spPr>
+        <p:txBody>
+          <a:bodyPr spcFirstLastPara="1" wrap="square" lIns="91425" tIns="91425" rIns="91425" bIns="91425" anchor="ctr" anchorCtr="0">
+            <a:normAutofit/>
+          </a:bodyPr>
+          <a:lstStyle>
+            <a:lvl1pPr lvl="0">
+              <a:buNone/>
+              <a:defRPr/>
+            </a:lvl1pPr>
+            <a:lvl2pPr lvl="1">
+              <a:buNone/>
+              <a:defRPr/>
+            </a:lvl2pPr>
+            <a:lvl3pPr lvl="2">
+              <a:buNone/>
+              <a:defRPr/>
+            </a:lvl3pPr>
+            <a:lvl4pPr lvl="3">
+              <a:buNone/>
+              <a:defRPr/>
+            </a:lvl4pPr>
+            <a:lvl5pPr lvl="4">
+              <a:buNone/>
+              <a:defRPr/>
+            </a:lvl5pPr>
+            <a:lvl6pPr lvl="5">
+              <a:buNone/>
+              <a:defRPr/>
+            </a:lvl6pPr>
+            <a:lvl7pPr lvl="6">
+              <a:buNone/>
+              <a:defRPr/>
+            </a:lvl7pPr>
+            <a:lvl8pPr lvl="7">
+              <a:buNone/>
+              <a:defRPr/>
+            </a:lvl8pPr>
+            <a:lvl9pPr lvl="8">
+              <a:buNone/>
+              <a:defRPr/>
+            </a:lvl9pPr>
+          </a:lstStyle>
+          <a:p>
+            <a:pPr marL="0" lvl="0" indent="0" algn="r" rtl="0">
+              <a:spcBef>
+                <a:spcPts val="0"/>
+              </a:spcBef>
+              <a:spcAft>
+                <a:spcPts val="0"/>
+              </a:spcAft>
+              <a:buNone/>
+            </a:pPr>
+            <a:fld id="{00000000-1234-1234-1234-123412341234}" type="slidenum">
+              <a:rPr lang="es"/>
+              <a:t>‹Nº›</a:t>
+            </a:fld>
+            <a:endParaRPr/>
+          </a:p>
+        </p:txBody>
+      </p:sp>
+    </p:spTree>
+  </p:cSld>
+  <p:clrMapOvr>
+    <a:masterClrMapping/>
+  </p:clrMapOvr>
+</p:sldLayout>
+</file>
+
+<file path=ppt/slideLayouts/slideLayout4.xml><?xml version="1.0" encoding="utf-8"?>
+<p:sldLayout xmlns:a="http://schemas.openxmlformats.org/drawingml/2006/main" xmlns:r="http://schemas.openxmlformats.org/officeDocument/2006/relationships" xmlns:p="http://schemas.openxmlformats.org/presentationml/2006/main" matchingName="Title only" type="titleOnly">
+  <p:cSld name="TITLE_ONLY">
+    <p:bg>
+      <p:bgPr>
+        <a:solidFill>
+          <a:schemeClr val="dk2"/>
+        </a:solidFill>
+        <a:effectLst/>
+      </p:bgPr>
+    </p:bg>
+    <p:spTree>
+      <p:nvGrpSpPr>
+        <p:cNvPr id="1" name="Shape 64"/>
+        <p:cNvGrpSpPr/>
+        <p:nvPr/>
+      </p:nvGrpSpPr>
+      <p:grpSpPr>
+        <a:xfrm>
+          <a:off x="0" y="0"/>
+          <a:ext cx="0" cy="0"/>
+          <a:chOff x="0" y="0"/>
+          <a:chExt cx="0" cy="0"/>
+        </a:xfrm>
+      </p:grpSpPr>
+      <p:sp>
+        <p:nvSpPr>
+          <p:cNvPr id="65" name="Google Shape;65;p6"/>
+          <p:cNvSpPr/>
+          <p:nvPr/>
+        </p:nvSpPr>
+        <p:spPr>
+          <a:xfrm flipH="1">
+            <a:off x="3582600" y="1550700"/>
+            <a:ext cx="5561400" cy="3592800"/>
+          </a:xfrm>
+          <a:prstGeom prst="rtTriangle">
+            <a:avLst/>
+          </a:prstGeom>
+          <a:solidFill>
+            <a:schemeClr val="lt2"/>
+          </a:solidFill>
+          <a:ln>
+            <a:noFill/>
+          </a:ln>
+        </p:spPr>
+        <p:txBody>
+          <a:bodyPr spcFirstLastPara="1" wrap="square" lIns="91425" tIns="91425" rIns="91425" bIns="91425" anchor="ctr" anchorCtr="0">
+            <a:noAutofit/>
+          </a:bodyPr>
+          <a:lstStyle/>
+          <a:p>
+            <a:pPr marL="0" lvl="0" indent="0" algn="l" rtl="0">
+              <a:spcBef>
+                <a:spcPts val="0"/>
+              </a:spcBef>
+              <a:spcAft>
+                <a:spcPts val="0"/>
+              </a:spcAft>
+              <a:buNone/>
+            </a:pPr>
+            <a:endParaRPr/>
+          </a:p>
+        </p:txBody>
+      </p:sp>
+      <p:sp>
+        <p:nvSpPr>
+          <p:cNvPr id="66" name="Google Shape;66;p6"/>
+          <p:cNvSpPr/>
+          <p:nvPr/>
+        </p:nvSpPr>
+        <p:spPr>
+          <a:xfrm>
+            <a:off x="31" y="2824500"/>
+            <a:ext cx="7370400" cy="2319000"/>
+          </a:xfrm>
+          <a:prstGeom prst="rtTriangle">
+            <a:avLst/>
+          </a:prstGeom>
+          <a:solidFill>
+            <a:schemeClr val="accent3"/>
+          </a:solidFill>
+          <a:ln>
+            <a:noFill/>
+          </a:ln>
+        </p:spPr>
+        <p:txBody>
+          <a:bodyPr spcFirstLastPara="1" wrap="square" lIns="91425" tIns="91425" rIns="91425" bIns="91425" anchor="ctr" anchorCtr="0">
+            <a:noAutofit/>
+          </a:bodyPr>
+          <a:lstStyle/>
+          <a:p>
+            <a:pPr marL="0" lvl="0" indent="0" algn="l" rtl="0">
+              <a:spcBef>
+                <a:spcPts val="0"/>
+              </a:spcBef>
+              <a:spcAft>
+                <a:spcPts val="0"/>
+              </a:spcAft>
+              <a:buNone/>
+            </a:pPr>
+            <a:endParaRPr/>
+          </a:p>
+        </p:txBody>
+      </p:sp>
+      <p:sp>
+        <p:nvSpPr>
+          <p:cNvPr id="67" name="Google Shape;67;p6"/>
+          <p:cNvSpPr/>
+          <p:nvPr/>
+        </p:nvSpPr>
+        <p:spPr>
+          <a:xfrm>
+            <a:off x="203225" y="206250"/>
+            <a:ext cx="8737500" cy="4731000"/>
+          </a:xfrm>
+          <a:prstGeom prst="rect">
+            <a:avLst/>
+          </a:prstGeom>
+          <a:solidFill>
+            <a:schemeClr val="dk1"/>
+          </a:solidFill>
+          <a:ln>
+            <a:noFill/>
+          </a:ln>
+          <a:effectLst>
+            <a:outerShdw blurRad="228600" sx="101000" sy="101000" algn="ctr" rotWithShape="0">
+              <a:srgbClr val="000000">
+                <a:alpha val="40000"/>
+              </a:srgbClr>
+            </a:outerShdw>
+          </a:effectLst>
+        </p:spPr>
+        <p:txBody>
+          <a:bodyPr spcFirstLastPara="1" wrap="square" lIns="91425" tIns="91425" rIns="91425" bIns="91425" anchor="ctr" anchorCtr="0">
+            <a:noAutofit/>
+          </a:bodyPr>
+          <a:lstStyle/>
+          <a:p>
+            <a:pPr marL="0" lvl="0" indent="0" algn="l" rtl="0">
+              <a:spcBef>
+                <a:spcPts val="0"/>
+              </a:spcBef>
+              <a:spcAft>
+                <a:spcPts val="0"/>
+              </a:spcAft>
+              <a:buNone/>
+            </a:pPr>
+            <a:endParaRPr/>
+          </a:p>
+        </p:txBody>
+      </p:sp>
+      <p:sp>
+        <p:nvSpPr>
+          <p:cNvPr id="68" name="Google Shape;68;p6"/>
+          <p:cNvSpPr txBox="1">
+            <a:spLocks noGrp="1"/>
+          </p:cNvSpPr>
+          <p:nvPr>
+            <p:ph type="title"/>
+          </p:nvPr>
+        </p:nvSpPr>
+        <p:spPr>
+          <a:xfrm>
+            <a:off x="819150" y="845600"/>
+            <a:ext cx="7505700" cy="954600"/>
+          </a:xfrm>
+          <a:prstGeom prst="rect">
+            <a:avLst/>
+          </a:prstGeom>
+        </p:spPr>
+        <p:txBody>
+          <a:bodyPr spcFirstLastPara="1" wrap="square" lIns="91425" tIns="91425" rIns="91425" bIns="91425" anchor="t" anchorCtr="0">
+            <a:normAutofit/>
+          </a:bodyPr>
+          <a:lstStyle>
+            <a:lvl1pPr lvl="0">
+              <a:spcBef>
+                <a:spcPts val="0"/>
+              </a:spcBef>
+              <a:spcAft>
+                <a:spcPts val="0"/>
+              </a:spcAft>
+              <a:buSzPts val="3000"/>
+              <a:buNone/>
+              <a:defRPr sz="3000"/>
+            </a:lvl1pPr>
+            <a:lvl2pPr lvl="1">
+              <a:spcBef>
+                <a:spcPts val="0"/>
+              </a:spcBef>
+              <a:spcAft>
+                <a:spcPts val="0"/>
+              </a:spcAft>
+              <a:buSzPts val="3000"/>
+              <a:buNone/>
+              <a:defRPr sz="3000"/>
+            </a:lvl2pPr>
+            <a:lvl3pPr lvl="2">
+              <a:spcBef>
+                <a:spcPts val="0"/>
+              </a:spcBef>
+              <a:spcAft>
+                <a:spcPts val="0"/>
+              </a:spcAft>
+              <a:buSzPts val="3000"/>
+              <a:buNone/>
+              <a:defRPr sz="3000"/>
+            </a:lvl3pPr>
+            <a:lvl4pPr lvl="3">
+              <a:spcBef>
+                <a:spcPts val="0"/>
+              </a:spcBef>
+              <a:spcAft>
+                <a:spcPts val="0"/>
+              </a:spcAft>
+              <a:buSzPts val="3000"/>
+              <a:buNone/>
+              <a:defRPr sz="3000"/>
+            </a:lvl4pPr>
+            <a:lvl5pPr lvl="4">
+              <a:spcBef>
+                <a:spcPts val="0"/>
+              </a:spcBef>
+              <a:spcAft>
+                <a:spcPts val="0"/>
+              </a:spcAft>
+              <a:buSzPts val="3000"/>
+              <a:buNone/>
+              <a:defRPr sz="3000"/>
+            </a:lvl5pPr>
+            <a:lvl6pPr lvl="5">
+              <a:spcBef>
+                <a:spcPts val="0"/>
+              </a:spcBef>
+              <a:spcAft>
+                <a:spcPts val="0"/>
+              </a:spcAft>
+              <a:buSzPts val="3000"/>
+              <a:buNone/>
+              <a:defRPr sz="3000"/>
+            </a:lvl6pPr>
+            <a:lvl7pPr lvl="6">
+              <a:spcBef>
+                <a:spcPts val="0"/>
+              </a:spcBef>
+              <a:spcAft>
+                <a:spcPts val="0"/>
+              </a:spcAft>
+              <a:buSzPts val="3000"/>
+              <a:buNone/>
+              <a:defRPr sz="3000"/>
+            </a:lvl7pPr>
+            <a:lvl8pPr lvl="7">
+              <a:spcBef>
+                <a:spcPts val="0"/>
+              </a:spcBef>
+              <a:spcAft>
+                <a:spcPts val="0"/>
+              </a:spcAft>
+              <a:buSzPts val="3000"/>
+              <a:buNone/>
+              <a:defRPr sz="3000"/>
+            </a:lvl8pPr>
+            <a:lvl9pPr lvl="8">
+              <a:spcBef>
+                <a:spcPts val="0"/>
+              </a:spcBef>
+              <a:spcAft>
+                <a:spcPts val="0"/>
+              </a:spcAft>
+              <a:buSzPts val="3000"/>
+              <a:buNone/>
+              <a:defRPr sz="3000"/>
+            </a:lvl9pPr>
+          </a:lstStyle>
+          <a:p>
+            <a:endParaRPr/>
+          </a:p>
+        </p:txBody>
+      </p:sp>
+      <p:sp>
+        <p:nvSpPr>
+          <p:cNvPr id="69" name="Google Shape;69;p6"/>
+          <p:cNvSpPr txBox="1">
+            <a:spLocks noGrp="1"/>
+          </p:cNvSpPr>
+          <p:nvPr>
+            <p:ph type="sldNum" idx="12"/>
+          </p:nvPr>
+        </p:nvSpPr>
+        <p:spPr>
+          <a:xfrm>
+            <a:off x="8390734" y="4543668"/>
+            <a:ext cx="548700" cy="393600"/>
+          </a:xfrm>
+          <a:prstGeom prst="rect">
+            <a:avLst/>
+          </a:prstGeom>
+        </p:spPr>
+        <p:txBody>
+          <a:bodyPr spcFirstLastPara="1" wrap="square" lIns="91425" tIns="91425" rIns="91425" bIns="91425" anchor="ctr" anchorCtr="0">
+            <a:normAutofit/>
+          </a:bodyPr>
+          <a:lstStyle>
+            <a:lvl1pPr lvl="0">
+              <a:buNone/>
+              <a:defRPr/>
+            </a:lvl1pPr>
+            <a:lvl2pPr lvl="1">
+              <a:buNone/>
+              <a:defRPr/>
+            </a:lvl2pPr>
+            <a:lvl3pPr lvl="2">
+              <a:buNone/>
+              <a:defRPr/>
+            </a:lvl3pPr>
+            <a:lvl4pPr lvl="3">
+              <a:buNone/>
+              <a:defRPr/>
+            </a:lvl4pPr>
+            <a:lvl5pPr lvl="4">
+              <a:buNone/>
+              <a:defRPr/>
+            </a:lvl5pPr>
+            <a:lvl6pPr lvl="5">
+              <a:buNone/>
+              <a:defRPr/>
+            </a:lvl6pPr>
+            <a:lvl7pPr lvl="6">
+              <a:buNone/>
+              <a:defRPr/>
+            </a:lvl7pPr>
+            <a:lvl8pPr lvl="7">
+              <a:buNone/>
+              <a:defRPr/>
+            </a:lvl8pPr>
+            <a:lvl9pPr lvl="8">
+              <a:buNone/>
+              <a:defRPr/>
+            </a:lvl9pPr>
+          </a:lstStyle>
+          <a:p>
+            <a:pPr marL="0" lvl="0" indent="0" algn="r" rtl="0">
+              <a:spcBef>
+                <a:spcPts val="0"/>
+              </a:spcBef>
+              <a:spcAft>
+                <a:spcPts val="0"/>
+              </a:spcAft>
+              <a:buNone/>
+            </a:pPr>
+            <a:fld id="{00000000-1234-1234-1234-123412341234}" type="slidenum">
+              <a:rPr lang="es"/>
+              <a:t>‹Nº›</a:t>
+            </a:fld>
+            <a:endParaRPr/>
+          </a:p>
+        </p:txBody>
+      </p:sp>
+    </p:spTree>
+  </p:cSld>
+  <p:clrMapOvr>
+    <a:masterClrMapping/>
+  </p:clrMapOvr>
+</p:sldLayout>
+</file>
+
+<file path=ppt/slideLayouts/slideLayout5.xml><?xml version="1.0" encoding="utf-8"?>
+<p:sldLayout xmlns:a="http://schemas.openxmlformats.org/drawingml/2006/main" xmlns:r="http://schemas.openxmlformats.org/officeDocument/2006/relationships" xmlns:p="http://schemas.openxmlformats.org/presentationml/2006/main" matchingName="One column text">
+  <p:cSld name="ONE_COLUMN_TEXT">
+    <p:bg>
+      <p:bgPr>
+        <a:solidFill>
+          <a:schemeClr val="accent3"/>
+        </a:solidFill>
+        <a:effectLst/>
+      </p:bgPr>
+    </p:bg>
+    <p:spTree>
+      <p:nvGrpSpPr>
+        <p:cNvPr id="1" name="Shape 70"/>
+        <p:cNvGrpSpPr/>
+        <p:nvPr/>
+      </p:nvGrpSpPr>
+      <p:grpSpPr>
+        <a:xfrm>
+          <a:off x="0" y="0"/>
+          <a:ext cx="0" cy="0"/>
+          <a:chOff x="0" y="0"/>
+          <a:chExt cx="0" cy="0"/>
+        </a:xfrm>
+      </p:grpSpPr>
+      <p:sp>
+        <p:nvSpPr>
+          <p:cNvPr id="71" name="Google Shape;71;p7"/>
+          <p:cNvSpPr/>
+          <p:nvPr/>
+        </p:nvSpPr>
+        <p:spPr>
+          <a:xfrm flipH="1">
+            <a:off x="3582600" y="1550700"/>
+            <a:ext cx="5561400" cy="3592800"/>
+          </a:xfrm>
+          <a:prstGeom prst="rtTriangle">
+            <a:avLst/>
+          </a:prstGeom>
+          <a:solidFill>
+            <a:schemeClr val="lt2"/>
+          </a:solidFill>
+          <a:ln>
+            <a:noFill/>
+          </a:ln>
+        </p:spPr>
+        <p:txBody>
+          <a:bodyPr spcFirstLastPara="1" wrap="square" lIns="91425" tIns="91425" rIns="91425" bIns="91425" anchor="ctr" anchorCtr="0">
+            <a:noAutofit/>
+          </a:bodyPr>
+          <a:lstStyle/>
+          <a:p>
+            <a:pPr marL="0" lvl="0" indent="0" algn="l" rtl="0">
+              <a:spcBef>
+                <a:spcPts val="0"/>
+              </a:spcBef>
+              <a:spcAft>
+                <a:spcPts val="0"/>
+              </a:spcAft>
+              <a:buNone/>
+            </a:pPr>
+            <a:endParaRPr/>
+          </a:p>
+        </p:txBody>
+      </p:sp>
+      <p:sp>
+        <p:nvSpPr>
+          <p:cNvPr id="72" name="Google Shape;72;p7"/>
+          <p:cNvSpPr/>
+          <p:nvPr/>
+        </p:nvSpPr>
+        <p:spPr>
+          <a:xfrm>
+            <a:off x="31" y="2824500"/>
+            <a:ext cx="7370400" cy="2319000"/>
+          </a:xfrm>
+          <a:prstGeom prst="rtTriangle">
+            <a:avLst/>
+          </a:prstGeom>
+          <a:solidFill>
+            <a:schemeClr val="dk2"/>
+          </a:solidFill>
+          <a:ln>
+            <a:noFill/>
+          </a:ln>
+        </p:spPr>
+        <p:txBody>
+          <a:bodyPr spcFirstLastPara="1" wrap="square" lIns="91425" tIns="91425" rIns="91425" bIns="91425" anchor="ctr" anchorCtr="0">
+            <a:noAutofit/>
+          </a:bodyPr>
+          <a:lstStyle/>
+          <a:p>
+            <a:pPr marL="0" lvl="0" indent="0" algn="l" rtl="0">
+              <a:spcBef>
+                <a:spcPts val="0"/>
+              </a:spcBef>
+              <a:spcAft>
+                <a:spcPts val="0"/>
+              </a:spcAft>
+              <a:buNone/>
+            </a:pPr>
+            <a:endParaRPr/>
+          </a:p>
+        </p:txBody>
+      </p:sp>
+      <p:sp>
+        <p:nvSpPr>
+          <p:cNvPr id="73" name="Google Shape;73;p7"/>
+          <p:cNvSpPr/>
+          <p:nvPr/>
+        </p:nvSpPr>
+        <p:spPr>
+          <a:xfrm>
+            <a:off x="203225" y="206250"/>
+            <a:ext cx="8737500" cy="4731000"/>
+          </a:xfrm>
+          <a:prstGeom prst="rect">
+            <a:avLst/>
+          </a:prstGeom>
+          <a:solidFill>
+            <a:schemeClr val="dk1"/>
+          </a:solidFill>
+          <a:ln>
+            <a:noFill/>
+          </a:ln>
+          <a:effectLst>
+            <a:outerShdw blurRad="228600" sx="101000" sy="101000" algn="ctr" rotWithShape="0">
+              <a:srgbClr val="000000">
+                <a:alpha val="40000"/>
+              </a:srgbClr>
+            </a:outerShdw>
+          </a:effectLst>
+        </p:spPr>
+        <p:txBody>
+          <a:bodyPr spcFirstLastPara="1" wrap="square" lIns="91425" tIns="91425" rIns="91425" bIns="91425" anchor="ctr" anchorCtr="0">
+            <a:noAutofit/>
+          </a:bodyPr>
+          <a:lstStyle/>
+          <a:p>
+            <a:pPr marL="0" lvl="0" indent="0" algn="l" rtl="0">
+              <a:spcBef>
+                <a:spcPts val="0"/>
+              </a:spcBef>
+              <a:spcAft>
+                <a:spcPts val="0"/>
+              </a:spcAft>
+              <a:buNone/>
+            </a:pPr>
+            <a:endParaRPr/>
+          </a:p>
+        </p:txBody>
+      </p:sp>
+      <p:sp>
+        <p:nvSpPr>
+          <p:cNvPr id="74" name="Google Shape;74;p7"/>
+          <p:cNvSpPr txBox="1">
+            <a:spLocks noGrp="1"/>
+          </p:cNvSpPr>
+          <p:nvPr>
+            <p:ph type="title"/>
+          </p:nvPr>
+        </p:nvSpPr>
+        <p:spPr>
+          <a:xfrm>
+            <a:off x="819150" y="845600"/>
+            <a:ext cx="3709200" cy="1383000"/>
+          </a:xfrm>
+          <a:prstGeom prst="rect">
+            <a:avLst/>
+          </a:prstGeom>
+        </p:spPr>
+        <p:txBody>
+          <a:bodyPr spcFirstLastPara="1" wrap="square" lIns="91425" tIns="91425" rIns="91425" bIns="91425" anchor="t" anchorCtr="0">
+            <a:normAutofit/>
+          </a:bodyPr>
+          <a:lstStyle>
+            <a:lvl1pPr lvl="0">
+              <a:spcBef>
+                <a:spcPts val="0"/>
+              </a:spcBef>
+              <a:spcAft>
+                <a:spcPts val="0"/>
+              </a:spcAft>
+              <a:buSzPts val="3000"/>
+              <a:buNone/>
+              <a:defRPr sz="3000"/>
+            </a:lvl1pPr>
+            <a:lvl2pPr lvl="1">
+              <a:spcBef>
+                <a:spcPts val="0"/>
+              </a:spcBef>
+              <a:spcAft>
+                <a:spcPts val="0"/>
+              </a:spcAft>
+              <a:buSzPts val="3000"/>
+              <a:buNone/>
+              <a:defRPr sz="3000"/>
+            </a:lvl2pPr>
+            <a:lvl3pPr lvl="2">
+              <a:spcBef>
+                <a:spcPts val="0"/>
+              </a:spcBef>
+              <a:spcAft>
+                <a:spcPts val="0"/>
+              </a:spcAft>
+              <a:buSzPts val="3000"/>
+              <a:buNone/>
+              <a:defRPr sz="3000"/>
+            </a:lvl3pPr>
+            <a:lvl4pPr lvl="3">
+              <a:spcBef>
+                <a:spcPts val="0"/>
+              </a:spcBef>
+              <a:spcAft>
+                <a:spcPts val="0"/>
+              </a:spcAft>
+              <a:buSzPts val="3000"/>
+              <a:buNone/>
+              <a:defRPr sz="3000"/>
+            </a:lvl4pPr>
+            <a:lvl5pPr lvl="4">
+              <a:spcBef>
+                <a:spcPts val="0"/>
+              </a:spcBef>
+              <a:spcAft>
+                <a:spcPts val="0"/>
+              </a:spcAft>
+              <a:buSzPts val="3000"/>
+              <a:buNone/>
+              <a:defRPr sz="3000"/>
+            </a:lvl5pPr>
+            <a:lvl6pPr lvl="5">
+              <a:spcBef>
+                <a:spcPts val="0"/>
+              </a:spcBef>
+              <a:spcAft>
+                <a:spcPts val="0"/>
+              </a:spcAft>
+              <a:buSzPts val="3000"/>
+              <a:buNone/>
+              <a:defRPr sz="3000"/>
+            </a:lvl6pPr>
+            <a:lvl7pPr lvl="6">
+              <a:spcBef>
+                <a:spcPts val="0"/>
+              </a:spcBef>
+              <a:spcAft>
+                <a:spcPts val="0"/>
+              </a:spcAft>
+              <a:buSzPts val="3000"/>
+              <a:buNone/>
+              <a:defRPr sz="3000"/>
+            </a:lvl7pPr>
+            <a:lvl8pPr lvl="7">
+              <a:spcBef>
+                <a:spcPts val="0"/>
+              </a:spcBef>
+              <a:spcAft>
+                <a:spcPts val="0"/>
+              </a:spcAft>
+              <a:buSzPts val="3000"/>
+              <a:buNone/>
+              <a:defRPr sz="3000"/>
+            </a:lvl8pPr>
+            <a:lvl9pPr lvl="8">
+              <a:spcBef>
+                <a:spcPts val="0"/>
+              </a:spcBef>
+              <a:spcAft>
+                <a:spcPts val="0"/>
+              </a:spcAft>
+              <a:buSzPts val="3000"/>
+              <a:buNone/>
+              <a:defRPr sz="3000"/>
+            </a:lvl9pPr>
+          </a:lstStyle>
+          <a:p>
+            <a:endParaRPr/>
+          </a:p>
+        </p:txBody>
+      </p:sp>
+      <p:sp>
+        <p:nvSpPr>
+          <p:cNvPr id="75" name="Google Shape;75;p7"/>
+          <p:cNvSpPr txBox="1">
+            <a:spLocks noGrp="1"/>
+          </p:cNvSpPr>
+          <p:nvPr>
+            <p:ph type="body" idx="1"/>
+          </p:nvPr>
+        </p:nvSpPr>
+        <p:spPr>
+          <a:xfrm>
+            <a:off x="830700" y="2319050"/>
+            <a:ext cx="3709200" cy="2119800"/>
+          </a:xfrm>
+          <a:prstGeom prst="rect">
+            <a:avLst/>
+          </a:prstGeom>
+        </p:spPr>
+        <p:txBody>
+          <a:bodyPr spcFirstLastPara="1" wrap="square" lIns="91425" tIns="91425" rIns="91425" bIns="91425" anchor="t" anchorCtr="0">
+            <a:normAutofit/>
+          </a:bodyPr>
+          <a:lstStyle>
+            <a:lvl1pPr marL="457200" lvl="0" indent="-311150">
+              <a:spcBef>
+                <a:spcPts val="0"/>
+              </a:spcBef>
+              <a:spcAft>
+                <a:spcPts val="0"/>
+              </a:spcAft>
+              <a:buSzPts val="1300"/>
+              <a:buChar char="●"/>
+              <a:defRPr/>
+            </a:lvl1pPr>
+            <a:lvl2pPr marL="914400" lvl="1" indent="-298450">
+              <a:spcBef>
+                <a:spcPts val="0"/>
+              </a:spcBef>
+              <a:spcAft>
+                <a:spcPts val="0"/>
+              </a:spcAft>
+              <a:buSzPts val="1100"/>
+              <a:buChar char="○"/>
+              <a:defRPr/>
+            </a:lvl2pPr>
+            <a:lvl3pPr marL="1371600" lvl="2" indent="-298450">
+              <a:spcBef>
+                <a:spcPts val="0"/>
+              </a:spcBef>
+              <a:spcAft>
+                <a:spcPts val="0"/>
+              </a:spcAft>
+              <a:buSzPts val="1100"/>
+              <a:buChar char="■"/>
+              <a:defRPr/>
+            </a:lvl3pPr>
+            <a:lvl4pPr marL="1828800" lvl="3" indent="-298450">
+              <a:spcBef>
+                <a:spcPts val="0"/>
+              </a:spcBef>
+              <a:spcAft>
+                <a:spcPts val="0"/>
+              </a:spcAft>
+              <a:buSzPts val="1100"/>
+              <a:buChar char="●"/>
+              <a:defRPr/>
+            </a:lvl4pPr>
+            <a:lvl5pPr marL="2286000" lvl="4" indent="-298450">
+              <a:spcBef>
+                <a:spcPts val="0"/>
+              </a:spcBef>
+              <a:spcAft>
+                <a:spcPts val="0"/>
+              </a:spcAft>
+              <a:buSzPts val="1100"/>
+              <a:buChar char="○"/>
+              <a:defRPr/>
+            </a:lvl5pPr>
+            <a:lvl6pPr marL="2743200" lvl="5" indent="-298450">
+              <a:spcBef>
+                <a:spcPts val="0"/>
+              </a:spcBef>
+              <a:spcAft>
+                <a:spcPts val="0"/>
+              </a:spcAft>
+              <a:buSzPts val="1100"/>
+              <a:buChar char="■"/>
+              <a:defRPr/>
+            </a:lvl6pPr>
+            <a:lvl7pPr marL="3200400" lvl="6" indent="-298450">
+              <a:spcBef>
+                <a:spcPts val="0"/>
+              </a:spcBef>
+              <a:spcAft>
+                <a:spcPts val="0"/>
+              </a:spcAft>
+              <a:buSzPts val="1100"/>
+              <a:buChar char="●"/>
+              <a:defRPr/>
+            </a:lvl7pPr>
+            <a:lvl8pPr marL="3657600" lvl="7" indent="-298450">
+              <a:spcBef>
+                <a:spcPts val="0"/>
+              </a:spcBef>
+              <a:spcAft>
+                <a:spcPts val="0"/>
+              </a:spcAft>
+              <a:buSzPts val="1100"/>
+              <a:buChar char="○"/>
+              <a:defRPr/>
+            </a:lvl8pPr>
+            <a:lvl9pPr marL="4114800" lvl="8" indent="-298450">
+              <a:spcBef>
+                <a:spcPts val="0"/>
+              </a:spcBef>
+              <a:spcAft>
+                <a:spcPts val="0"/>
+              </a:spcAft>
+              <a:buSzPts val="1100"/>
+              <a:buChar char="■"/>
+              <a:defRPr/>
+            </a:lvl9pPr>
+          </a:lstStyle>
+          <a:p>
+            <a:endParaRPr/>
+          </a:p>
+        </p:txBody>
+      </p:sp>
+      <p:sp>
+        <p:nvSpPr>
+          <p:cNvPr id="76" name="Google Shape;76;p7"/>
+          <p:cNvSpPr txBox="1">
+            <a:spLocks noGrp="1"/>
+          </p:cNvSpPr>
+          <p:nvPr>
+            <p:ph type="sldNum" idx="12"/>
+          </p:nvPr>
+        </p:nvSpPr>
+        <p:spPr>
+          <a:xfrm>
+            <a:off x="8390734" y="4543668"/>
+            <a:ext cx="548700" cy="393600"/>
+          </a:xfrm>
+          <a:prstGeom prst="rect">
+            <a:avLst/>
+          </a:prstGeom>
+        </p:spPr>
+        <p:txBody>
+          <a:bodyPr spcFirstLastPara="1" wrap="square" lIns="91425" tIns="91425" rIns="91425" bIns="91425" anchor="ctr" anchorCtr="0">
+            <a:normAutofit/>
+          </a:bodyPr>
+          <a:lstStyle>
+            <a:lvl1pPr lvl="0">
+              <a:buNone/>
+              <a:defRPr/>
+            </a:lvl1pPr>
+            <a:lvl2pPr lvl="1">
+              <a:buNone/>
+              <a:defRPr/>
+            </a:lvl2pPr>
+            <a:lvl3pPr lvl="2">
+              <a:buNone/>
+              <a:defRPr/>
+            </a:lvl3pPr>
+            <a:lvl4pPr lvl="3">
+              <a:buNone/>
+              <a:defRPr/>
+            </a:lvl4pPr>
+            <a:lvl5pPr lvl="4">
+              <a:buNone/>
+              <a:defRPr/>
+            </a:lvl5pPr>
+            <a:lvl6pPr lvl="5">
+              <a:buNone/>
+              <a:defRPr/>
+            </a:lvl6pPr>
+            <a:lvl7pPr lvl="6">
+              <a:buNone/>
+              <a:defRPr/>
+            </a:lvl7pPr>
+            <a:lvl8pPr lvl="7">
+              <a:buNone/>
+              <a:defRPr/>
+            </a:lvl8pPr>
+            <a:lvl9pPr lvl="8">
+              <a:buNone/>
+              <a:defRPr/>
+            </a:lvl9pPr>
+          </a:lstStyle>
+          <a:p>
+            <a:pPr marL="0" lvl="0" indent="0" algn="r" rtl="0">
+              <a:spcBef>
+                <a:spcPts val="0"/>
+              </a:spcBef>
+              <a:spcAft>
+                <a:spcPts val="0"/>
+              </a:spcAft>
+              <a:buNone/>
+            </a:pPr>
+            <a:fld id="{00000000-1234-1234-1234-123412341234}" type="slidenum">
+              <a:rPr lang="es"/>
+              <a:t>‹Nº›</a:t>
+            </a:fld>
+            <a:endParaRPr/>
+          </a:p>
+        </p:txBody>
+      </p:sp>
+    </p:spTree>
+  </p:cSld>
+  <p:clrMapOvr>
+    <a:masterClrMapping/>
+  </p:clrMapOvr>
+</p:sldLayout>
+</file>
+
+<file path=ppt/slideLayouts/slideLayout6.xml><?xml version="1.0" encoding="utf-8"?>
+<p:sldLayout xmlns:a="http://schemas.openxmlformats.org/drawingml/2006/main" xmlns:r="http://schemas.openxmlformats.org/officeDocument/2006/relationships" xmlns:p="http://schemas.openxmlformats.org/presentationml/2006/main" matchingName="Main point">
+  <p:cSld name="MAIN_POINT">
+    <p:bg>
+      <p:bgPr>
+        <a:solidFill>
+          <a:schemeClr val="accent1"/>
+        </a:solidFill>
+        <a:effectLst/>
+      </p:bgPr>
+    </p:bg>
+    <p:spTree>
+      <p:nvGrpSpPr>
+        <p:cNvPr id="1" name="Shape 77"/>
+        <p:cNvGrpSpPr/>
+        <p:nvPr/>
+      </p:nvGrpSpPr>
+      <p:grpSpPr>
+        <a:xfrm>
+          <a:off x="0" y="0"/>
+          <a:ext cx="0" cy="0"/>
+          <a:chOff x="0" y="0"/>
+          <a:chExt cx="0" cy="0"/>
+        </a:xfrm>
+      </p:grpSpPr>
+      <p:sp>
+        <p:nvSpPr>
+          <p:cNvPr id="78" name="Google Shape;78;p8"/>
+          <p:cNvSpPr/>
+          <p:nvPr/>
+        </p:nvSpPr>
+        <p:spPr>
+          <a:xfrm>
+            <a:off x="0" y="2823144"/>
+            <a:ext cx="7369200" cy="2316900"/>
+          </a:xfrm>
+          <a:prstGeom prst="rtTriangle">
+            <a:avLst/>
+          </a:prstGeom>
+          <a:solidFill>
+            <a:schemeClr val="accent6"/>
+          </a:solidFill>
+          <a:ln>
+            <a:noFill/>
+          </a:ln>
+        </p:spPr>
+        <p:txBody>
+          <a:bodyPr spcFirstLastPara="1" wrap="square" lIns="91425" tIns="91425" rIns="91425" bIns="91425" anchor="ctr" anchorCtr="0">
+            <a:noAutofit/>
+          </a:bodyPr>
+          <a:lstStyle/>
+          <a:p>
+            <a:pPr marL="0" lvl="0" indent="0" algn="l" rtl="0">
+              <a:spcBef>
+                <a:spcPts val="0"/>
+              </a:spcBef>
+              <a:spcAft>
+                <a:spcPts val="0"/>
+              </a:spcAft>
+              <a:buNone/>
+            </a:pPr>
+            <a:endParaRPr/>
+          </a:p>
+        </p:txBody>
+      </p:sp>
+      <p:sp>
+        <p:nvSpPr>
+          <p:cNvPr id="79" name="Google Shape;79;p8"/>
+          <p:cNvSpPr/>
+          <p:nvPr/>
+        </p:nvSpPr>
+        <p:spPr>
+          <a:xfrm flipH="1">
+            <a:off x="3583210" y="1554113"/>
+            <a:ext cx="5560500" cy="3589500"/>
+          </a:xfrm>
+          <a:prstGeom prst="rtTriangle">
+            <a:avLst/>
+          </a:prstGeom>
+          <a:solidFill>
+            <a:schemeClr val="lt2"/>
+          </a:solidFill>
+          <a:ln>
+            <a:noFill/>
+          </a:ln>
+        </p:spPr>
+        <p:txBody>
+          <a:bodyPr spcFirstLastPara="1" wrap="square" lIns="91425" tIns="91425" rIns="91425" bIns="91425" anchor="ctr" anchorCtr="0">
+            <a:noAutofit/>
+          </a:bodyPr>
+          <a:lstStyle/>
+          <a:p>
+            <a:pPr marL="0" lvl="0" indent="0" algn="l" rtl="0">
+              <a:spcBef>
+                <a:spcPts val="0"/>
+              </a:spcBef>
+              <a:spcAft>
+                <a:spcPts val="0"/>
+              </a:spcAft>
+              <a:buNone/>
+            </a:pPr>
+            <a:endParaRPr/>
+          </a:p>
+        </p:txBody>
+      </p:sp>
+      <p:grpSp>
+        <p:nvGrpSpPr>
+          <p:cNvPr id="80" name="Google Shape;80;p8"/>
+          <p:cNvGrpSpPr/>
+          <p:nvPr/>
+        </p:nvGrpSpPr>
+        <p:grpSpPr>
+          <a:xfrm>
+            <a:off x="255991" y="-118"/>
+            <a:ext cx="2251347" cy="1043408"/>
+            <a:chOff x="3961956" y="4383950"/>
+            <a:chExt cx="1160548" cy="548700"/>
+          </a:xfrm>
+        </p:grpSpPr>
+        <p:sp>
+          <p:nvSpPr>
+            <p:cNvPr id="81" name="Google Shape;81;p8"/>
+            <p:cNvSpPr/>
+            <p:nvPr/>
+          </p:nvSpPr>
+          <p:spPr>
+            <a:xfrm>
+              <a:off x="4224904" y="4383950"/>
+              <a:ext cx="897600" cy="548700"/>
+            </a:xfrm>
+            <a:prstGeom prst="parallelogram">
+              <a:avLst>
+                <a:gd name="adj" fmla="val 153193"/>
+              </a:avLst>
+            </a:prstGeom>
+            <a:solidFill>
+              <a:schemeClr val="dk1"/>
+            </a:solidFill>
+            <a:ln>
+              <a:noFill/>
+            </a:ln>
+          </p:spPr>
+          <p:txBody>
+            <a:bodyPr spcFirstLastPara="1" wrap="square" lIns="91425" tIns="91425" rIns="91425" bIns="91425" anchor="ctr" anchorCtr="0">
+              <a:noAutofit/>
+            </a:bodyPr>
+            <a:lstStyle/>
+            <a:p>
+              <a:pPr marL="0" lvl="0" indent="0" algn="l" rtl="0">
+                <a:spcBef>
+                  <a:spcPts val="0"/>
+                </a:spcBef>
+                <a:spcAft>
+                  <a:spcPts val="0"/>
+                </a:spcAft>
+                <a:buNone/>
+              </a:pPr>
+              <a:endParaRPr/>
+            </a:p>
+          </p:txBody>
+        </p:sp>
+        <p:sp>
+          <p:nvSpPr>
+            <p:cNvPr id="82" name="Google Shape;82;p8"/>
+            <p:cNvSpPr/>
+            <p:nvPr/>
+          </p:nvSpPr>
+          <p:spPr>
+            <a:xfrm>
+              <a:off x="4093430" y="4383950"/>
+              <a:ext cx="897600" cy="548700"/>
+            </a:xfrm>
+            <a:prstGeom prst="parallelogram">
+              <a:avLst>
+                <a:gd name="adj" fmla="val 153193"/>
+              </a:avLst>
+            </a:prstGeom>
+            <a:solidFill>
+              <a:schemeClr val="dk1"/>
+            </a:solidFill>
+            <a:ln>
+              <a:noFill/>
+            </a:ln>
+          </p:spPr>
+          <p:txBody>
+            <a:bodyPr spcFirstLastPara="1" wrap="square" lIns="91425" tIns="91425" rIns="91425" bIns="91425" anchor="ctr" anchorCtr="0">
+              <a:noAutofit/>
+            </a:bodyPr>
+            <a:lstStyle/>
+            <a:p>
+              <a:pPr marL="0" lvl="0" indent="0" algn="l" rtl="0">
+                <a:spcBef>
+                  <a:spcPts val="0"/>
+                </a:spcBef>
+                <a:spcAft>
+                  <a:spcPts val="0"/>
+                </a:spcAft>
+                <a:buNone/>
+              </a:pPr>
+              <a:endParaRPr/>
+            </a:p>
+          </p:txBody>
+        </p:sp>
+        <p:sp>
+          <p:nvSpPr>
+            <p:cNvPr id="83" name="Google Shape;83;p8"/>
+            <p:cNvSpPr/>
+            <p:nvPr/>
+          </p:nvSpPr>
+          <p:spPr>
+            <a:xfrm>
+              <a:off x="3961956" y="4383950"/>
+              <a:ext cx="897600" cy="548700"/>
+            </a:xfrm>
+            <a:prstGeom prst="parallelogram">
+              <a:avLst>
+                <a:gd name="adj" fmla="val 153193"/>
+              </a:avLst>
+            </a:prstGeom>
+            <a:solidFill>
+              <a:schemeClr val="dk1"/>
+            </a:solidFill>
+            <a:ln>
+              <a:noFill/>
+            </a:ln>
+          </p:spPr>
+          <p:txBody>
+            <a:bodyPr spcFirstLastPara="1" wrap="square" lIns="91425" tIns="91425" rIns="91425" bIns="91425" anchor="ctr" anchorCtr="0">
+              <a:noAutofit/>
+            </a:bodyPr>
+            <a:lstStyle/>
+            <a:p>
+              <a:pPr marL="0" lvl="0" indent="0" algn="l" rtl="0">
+                <a:spcBef>
+                  <a:spcPts val="0"/>
+                </a:spcBef>
+                <a:spcAft>
+                  <a:spcPts val="0"/>
+                </a:spcAft>
+                <a:buNone/>
+              </a:pPr>
+              <a:endParaRPr/>
+            </a:p>
+          </p:txBody>
+        </p:sp>
+      </p:grpSp>
+      <p:sp>
+        <p:nvSpPr>
+          <p:cNvPr id="84" name="Google Shape;84;p8"/>
+          <p:cNvSpPr/>
+          <p:nvPr/>
+        </p:nvSpPr>
+        <p:spPr>
+          <a:xfrm>
+            <a:off x="203225" y="206250"/>
+            <a:ext cx="8737500" cy="4731000"/>
+          </a:xfrm>
+          <a:prstGeom prst="rect">
+            <a:avLst/>
+          </a:prstGeom>
+          <a:solidFill>
+            <a:schemeClr val="dk1"/>
+          </a:solidFill>
+          <a:ln>
+            <a:noFill/>
+          </a:ln>
+          <a:effectLst>
+            <a:outerShdw blurRad="228600" sx="101000" sy="101000" algn="ctr" rotWithShape="0">
+              <a:srgbClr val="000000">
+                <a:alpha val="40000"/>
+              </a:srgbClr>
+            </a:outerShdw>
+          </a:effectLst>
+        </p:spPr>
+        <p:txBody>
+          <a:bodyPr spcFirstLastPara="1" wrap="square" lIns="91425" tIns="91425" rIns="91425" bIns="91425" anchor="ctr" anchorCtr="0">
+            <a:noAutofit/>
+          </a:bodyPr>
+          <a:lstStyle/>
+          <a:p>
+            <a:pPr marL="0" lvl="0" indent="0" algn="l" rtl="0">
+              <a:spcBef>
+                <a:spcPts val="0"/>
+              </a:spcBef>
+              <a:spcAft>
+                <a:spcPts val="0"/>
+              </a:spcAft>
+              <a:buNone/>
+            </a:pPr>
+            <a:endParaRPr/>
+          </a:p>
+        </p:txBody>
+      </p:sp>
+      <p:grpSp>
+        <p:nvGrpSpPr>
+          <p:cNvPr id="85" name="Google Shape;85;p8"/>
+          <p:cNvGrpSpPr/>
+          <p:nvPr/>
+        </p:nvGrpSpPr>
+        <p:grpSpPr>
+          <a:xfrm>
+            <a:off x="34934" y="4522125"/>
+            <a:ext cx="1593306" cy="617072"/>
+            <a:chOff x="6917201" y="0"/>
+            <a:chExt cx="2227777" cy="863400"/>
+          </a:xfrm>
+        </p:grpSpPr>
+        <p:sp>
+          <p:nvSpPr>
+            <p:cNvPr id="86" name="Google Shape;86;p8"/>
+            <p:cNvSpPr/>
+            <p:nvPr/>
+          </p:nvSpPr>
+          <p:spPr>
+            <a:xfrm>
+              <a:off x="7641677" y="0"/>
+              <a:ext cx="1503300" cy="863400"/>
+            </a:xfrm>
+            <a:prstGeom prst="parallelogram">
+              <a:avLst>
+                <a:gd name="adj" fmla="val 158024"/>
+              </a:avLst>
+            </a:prstGeom>
+            <a:solidFill>
+              <a:schemeClr val="accent6"/>
+            </a:solidFill>
+            <a:ln>
+              <a:noFill/>
+            </a:ln>
+          </p:spPr>
+          <p:txBody>
+            <a:bodyPr spcFirstLastPara="1" wrap="square" lIns="91425" tIns="91425" rIns="91425" bIns="91425" anchor="ctr" anchorCtr="0">
+              <a:noAutofit/>
+            </a:bodyPr>
+            <a:lstStyle/>
+            <a:p>
+              <a:pPr marL="0" lvl="0" indent="0" algn="l" rtl="0">
+                <a:spcBef>
+                  <a:spcPts val="0"/>
+                </a:spcBef>
+                <a:spcAft>
+                  <a:spcPts val="0"/>
+                </a:spcAft>
+                <a:buNone/>
+              </a:pPr>
+              <a:endParaRPr/>
+            </a:p>
+          </p:txBody>
+        </p:sp>
+        <p:sp>
+          <p:nvSpPr>
+            <p:cNvPr id="87" name="Google Shape;87;p8"/>
+            <p:cNvSpPr/>
+            <p:nvPr/>
+          </p:nvSpPr>
+          <p:spPr>
+            <a:xfrm>
+              <a:off x="7279439" y="0"/>
+              <a:ext cx="1503300" cy="863400"/>
+            </a:xfrm>
+            <a:prstGeom prst="parallelogram">
+              <a:avLst>
+                <a:gd name="adj" fmla="val 158024"/>
+              </a:avLst>
+            </a:prstGeom>
+            <a:solidFill>
+              <a:schemeClr val="accent6"/>
+            </a:solidFill>
+            <a:ln>
+              <a:noFill/>
+            </a:ln>
+          </p:spPr>
+          <p:txBody>
+            <a:bodyPr spcFirstLastPara="1" wrap="square" lIns="91425" tIns="91425" rIns="91425" bIns="91425" anchor="ctr" anchorCtr="0">
+              <a:noAutofit/>
+            </a:bodyPr>
+            <a:lstStyle/>
+            <a:p>
+              <a:pPr marL="0" lvl="0" indent="0" algn="l" rtl="0">
+                <a:spcBef>
+                  <a:spcPts val="0"/>
+                </a:spcBef>
+                <a:spcAft>
+                  <a:spcPts val="0"/>
+                </a:spcAft>
+                <a:buNone/>
+              </a:pPr>
+              <a:endParaRPr/>
+            </a:p>
+          </p:txBody>
+        </p:sp>
+        <p:sp>
+          <p:nvSpPr>
+            <p:cNvPr id="88" name="Google Shape;88;p8"/>
+            <p:cNvSpPr/>
+            <p:nvPr/>
+          </p:nvSpPr>
+          <p:spPr>
+            <a:xfrm>
+              <a:off x="6917201" y="0"/>
+              <a:ext cx="1503300" cy="863400"/>
+            </a:xfrm>
+            <a:prstGeom prst="parallelogram">
+              <a:avLst>
+                <a:gd name="adj" fmla="val 158024"/>
+              </a:avLst>
+            </a:prstGeom>
+            <a:solidFill>
+              <a:schemeClr val="accent6"/>
+            </a:solidFill>
+            <a:ln>
+              <a:noFill/>
+            </a:ln>
+          </p:spPr>
+          <p:txBody>
+            <a:bodyPr spcFirstLastPara="1" wrap="square" lIns="91425" tIns="91425" rIns="91425" bIns="91425" anchor="ctr" anchorCtr="0">
+              <a:noAutofit/>
+            </a:bodyPr>
+            <a:lstStyle/>
+            <a:p>
+              <a:pPr marL="0" lvl="0" indent="0" algn="l" rtl="0">
+                <a:spcBef>
+                  <a:spcPts val="0"/>
+                </a:spcBef>
+                <a:spcAft>
+                  <a:spcPts val="0"/>
+                </a:spcAft>
+                <a:buNone/>
+              </a:pPr>
+              <a:endParaRPr/>
+            </a:p>
+          </p:txBody>
+        </p:sp>
+      </p:grpSp>
+      <p:grpSp>
+        <p:nvGrpSpPr>
+          <p:cNvPr id="89" name="Google Shape;89;p8"/>
+          <p:cNvGrpSpPr/>
+          <p:nvPr/>
+        </p:nvGrpSpPr>
+        <p:grpSpPr>
+          <a:xfrm>
+            <a:off x="5886353" y="1243"/>
+            <a:ext cx="3257455" cy="1261514"/>
+            <a:chOff x="6917201" y="0"/>
+            <a:chExt cx="2227777" cy="863400"/>
+          </a:xfrm>
+        </p:grpSpPr>
+        <p:sp>
+          <p:nvSpPr>
+            <p:cNvPr id="90" name="Google Shape;90;p8"/>
+            <p:cNvSpPr/>
+            <p:nvPr/>
+          </p:nvSpPr>
+          <p:spPr>
+            <a:xfrm>
+              <a:off x="7641677" y="0"/>
+              <a:ext cx="1503300" cy="863400"/>
+            </a:xfrm>
+            <a:prstGeom prst="parallelogram">
+              <a:avLst>
+                <a:gd name="adj" fmla="val 158024"/>
+              </a:avLst>
+            </a:prstGeom>
+            <a:solidFill>
+              <a:schemeClr val="accent1"/>
+            </a:solidFill>
+            <a:ln>
+              <a:noFill/>
+            </a:ln>
+          </p:spPr>
+          <p:txBody>
+            <a:bodyPr spcFirstLastPara="1" wrap="square" lIns="91425" tIns="91425" rIns="91425" bIns="91425" anchor="ctr" anchorCtr="0">
+              <a:noAutofit/>
+            </a:bodyPr>
+            <a:lstStyle/>
+            <a:p>
+              <a:pPr marL="0" lvl="0" indent="0" algn="l" rtl="0">
+                <a:spcBef>
+                  <a:spcPts val="0"/>
+                </a:spcBef>
+                <a:spcAft>
+                  <a:spcPts val="0"/>
+                </a:spcAft>
+                <a:buNone/>
+              </a:pPr>
+              <a:endParaRPr/>
+            </a:p>
+          </p:txBody>
+        </p:sp>
+        <p:sp>
+          <p:nvSpPr>
+            <p:cNvPr id="91" name="Google Shape;91;p8"/>
+            <p:cNvSpPr/>
+            <p:nvPr/>
+          </p:nvSpPr>
+          <p:spPr>
+            <a:xfrm>
+              <a:off x="7279439" y="0"/>
+              <a:ext cx="1503300" cy="863400"/>
+            </a:xfrm>
+            <a:prstGeom prst="parallelogram">
+              <a:avLst>
+                <a:gd name="adj" fmla="val 158024"/>
+              </a:avLst>
+            </a:prstGeom>
+            <a:solidFill>
+              <a:schemeClr val="accent1"/>
+            </a:solidFill>
+            <a:ln>
+              <a:noFill/>
+            </a:ln>
+          </p:spPr>
+          <p:txBody>
+            <a:bodyPr spcFirstLastPara="1" wrap="square" lIns="91425" tIns="91425" rIns="91425" bIns="91425" anchor="ctr" anchorCtr="0">
+              <a:noAutofit/>
+            </a:bodyPr>
+            <a:lstStyle/>
+            <a:p>
+              <a:pPr marL="0" lvl="0" indent="0" algn="l" rtl="0">
+                <a:spcBef>
+                  <a:spcPts val="0"/>
+                </a:spcBef>
+                <a:spcAft>
+                  <a:spcPts val="0"/>
+                </a:spcAft>
+                <a:buNone/>
+              </a:pPr>
+              <a:endParaRPr/>
+            </a:p>
+          </p:txBody>
+        </p:sp>
+        <p:sp>
+          <p:nvSpPr>
+            <p:cNvPr id="92" name="Google Shape;92;p8"/>
+            <p:cNvSpPr/>
+            <p:nvPr/>
+          </p:nvSpPr>
+          <p:spPr>
+            <a:xfrm>
+              <a:off x="6917201" y="0"/>
+              <a:ext cx="1503300" cy="863400"/>
+            </a:xfrm>
+            <a:prstGeom prst="parallelogram">
+              <a:avLst>
+                <a:gd name="adj" fmla="val 158024"/>
+              </a:avLst>
+            </a:prstGeom>
+            <a:solidFill>
+              <a:schemeClr val="accent1"/>
+            </a:solidFill>
+            <a:ln>
+              <a:noFill/>
+            </a:ln>
+          </p:spPr>
+          <p:txBody>
+            <a:bodyPr spcFirstLastPara="1" wrap="square" lIns="91425" tIns="91425" rIns="91425" bIns="91425" anchor="ctr" anchorCtr="0">
+              <a:noAutofit/>
+            </a:bodyPr>
+            <a:lstStyle/>
+            <a:p>
+              <a:pPr marL="0" lvl="0" indent="0" algn="l" rtl="0">
+                <a:spcBef>
+                  <a:spcPts val="0"/>
+                </a:spcBef>
+                <a:spcAft>
+                  <a:spcPts val="0"/>
+                </a:spcAft>
+                <a:buNone/>
+              </a:pPr>
+              <a:endParaRPr/>
+            </a:p>
+          </p:txBody>
+        </p:sp>
+      </p:grpSp>
+      <p:sp>
+        <p:nvSpPr>
+          <p:cNvPr id="93" name="Google Shape;93;p8"/>
+          <p:cNvSpPr txBox="1">
+            <a:spLocks noGrp="1"/>
+          </p:cNvSpPr>
+          <p:nvPr>
+            <p:ph type="title"/>
+          </p:nvPr>
+        </p:nvSpPr>
+        <p:spPr>
+          <a:xfrm>
+            <a:off x="1393929" y="1301146"/>
+            <a:ext cx="6366900" cy="2539200"/>
+          </a:xfrm>
+          <a:prstGeom prst="rect">
+            <a:avLst/>
+          </a:prstGeom>
+        </p:spPr>
+        <p:txBody>
+          <a:bodyPr spcFirstLastPara="1" wrap="square" lIns="91425" tIns="91425" rIns="91425" bIns="91425" anchor="ctr" anchorCtr="0">
+            <a:normAutofit/>
+          </a:bodyPr>
+          <a:lstStyle>
+            <a:lvl1pPr lvl="0" algn="ctr">
+              <a:spcBef>
+                <a:spcPts val="0"/>
+              </a:spcBef>
+              <a:spcAft>
+                <a:spcPts val="0"/>
+              </a:spcAft>
+              <a:buSzPts val="3200"/>
+              <a:buNone/>
+              <a:defRPr sz="3200"/>
+            </a:lvl1pPr>
+            <a:lvl2pPr lvl="1" algn="ctr">
+              <a:spcBef>
+                <a:spcPts val="0"/>
+              </a:spcBef>
+              <a:spcAft>
+                <a:spcPts val="0"/>
+              </a:spcAft>
+              <a:buSzPts val="3200"/>
+              <a:buNone/>
+              <a:defRPr sz="3200"/>
+            </a:lvl2pPr>
+            <a:lvl3pPr lvl="2" algn="ctr">
+              <a:spcBef>
+                <a:spcPts val="0"/>
+              </a:spcBef>
+              <a:spcAft>
+                <a:spcPts val="0"/>
+              </a:spcAft>
+              <a:buSzPts val="3200"/>
+              <a:buNone/>
+              <a:defRPr sz="3200"/>
+            </a:lvl3pPr>
+            <a:lvl4pPr lvl="3" algn="ctr">
+              <a:spcBef>
+                <a:spcPts val="0"/>
+              </a:spcBef>
+              <a:spcAft>
+                <a:spcPts val="0"/>
+              </a:spcAft>
+              <a:buSzPts val="3200"/>
+              <a:buNone/>
+              <a:defRPr sz="3200"/>
+            </a:lvl4pPr>
+            <a:lvl5pPr lvl="4" algn="ctr">
+              <a:spcBef>
+                <a:spcPts val="0"/>
+              </a:spcBef>
+              <a:spcAft>
+                <a:spcPts val="0"/>
+              </a:spcAft>
+              <a:buSzPts val="3200"/>
+              <a:buNone/>
+              <a:defRPr sz="3200"/>
+            </a:lvl5pPr>
+            <a:lvl6pPr lvl="5" algn="ctr">
+              <a:spcBef>
+                <a:spcPts val="0"/>
+              </a:spcBef>
+              <a:spcAft>
+                <a:spcPts val="0"/>
+              </a:spcAft>
+              <a:buSzPts val="3200"/>
+              <a:buNone/>
+              <a:defRPr sz="3200"/>
+            </a:lvl6pPr>
+            <a:lvl7pPr lvl="6" algn="ctr">
+              <a:spcBef>
+                <a:spcPts val="0"/>
+              </a:spcBef>
+              <a:spcAft>
+                <a:spcPts val="0"/>
+              </a:spcAft>
+              <a:buSzPts val="3200"/>
+              <a:buNone/>
+              <a:defRPr sz="3200"/>
+            </a:lvl7pPr>
+            <a:lvl8pPr lvl="7" algn="ctr">
+              <a:spcBef>
+                <a:spcPts val="0"/>
+              </a:spcBef>
+              <a:spcAft>
+                <a:spcPts val="0"/>
+              </a:spcAft>
+              <a:buSzPts val="3200"/>
+              <a:buNone/>
+              <a:defRPr sz="3200"/>
+            </a:lvl8pPr>
+            <a:lvl9pPr lvl="8" algn="ctr">
+              <a:spcBef>
+                <a:spcPts val="0"/>
+              </a:spcBef>
+              <a:spcAft>
+                <a:spcPts val="0"/>
+              </a:spcAft>
+              <a:buSzPts val="3200"/>
+              <a:buNone/>
+              <a:defRPr sz="3200"/>
+            </a:lvl9pPr>
+          </a:lstStyle>
+          <a:p>
+            <a:endParaRPr/>
+          </a:p>
+        </p:txBody>
+      </p:sp>
+      <p:sp>
+        <p:nvSpPr>
+          <p:cNvPr id="94" name="Google Shape;94;p8"/>
+          <p:cNvSpPr txBox="1">
+            <a:spLocks noGrp="1"/>
+          </p:cNvSpPr>
+          <p:nvPr>
+            <p:ph type="sldNum" idx="12"/>
+          </p:nvPr>
+        </p:nvSpPr>
+        <p:spPr>
+          <a:xfrm>
+            <a:off x="8390734" y="4543668"/>
+            <a:ext cx="548700" cy="393600"/>
+          </a:xfrm>
+          <a:prstGeom prst="rect">
+            <a:avLst/>
+          </a:prstGeom>
+        </p:spPr>
+        <p:txBody>
+          <a:bodyPr spcFirstLastPara="1" wrap="square" lIns="91425" tIns="91425" rIns="91425" bIns="91425" anchor="ctr" anchorCtr="0">
+            <a:normAutofit/>
+          </a:bodyPr>
+          <a:lstStyle>
+            <a:lvl1pPr lvl="0">
+              <a:buNone/>
+              <a:defRPr/>
+            </a:lvl1pPr>
+            <a:lvl2pPr lvl="1">
+              <a:buNone/>
+              <a:defRPr/>
+            </a:lvl2pPr>
+            <a:lvl3pPr lvl="2">
+              <a:buNone/>
+              <a:defRPr/>
+            </a:lvl3pPr>
+            <a:lvl4pPr lvl="3">
+              <a:buNone/>
+              <a:defRPr/>
+            </a:lvl4pPr>
+            <a:lvl5pPr lvl="4">
+              <a:buNone/>
+              <a:defRPr/>
+            </a:lvl5pPr>
+            <a:lvl6pPr lvl="5">
+              <a:buNone/>
+              <a:defRPr/>
+            </a:lvl6pPr>
+            <a:lvl7pPr lvl="6">
+              <a:buNone/>
+              <a:defRPr/>
+            </a:lvl7pPr>
+            <a:lvl8pPr lvl="7">
+              <a:buNone/>
+              <a:defRPr/>
+            </a:lvl8pPr>
+            <a:lvl9pPr lvl="8">
+              <a:buNone/>
+              <a:defRPr/>
+            </a:lvl9pPr>
+          </a:lstStyle>
+          <a:p>
+            <a:pPr marL="0" lvl="0" indent="0" algn="r" rtl="0">
+              <a:spcBef>
+                <a:spcPts val="0"/>
+              </a:spcBef>
+              <a:spcAft>
+                <a:spcPts val="0"/>
+              </a:spcAft>
+              <a:buNone/>
+            </a:pPr>
+            <a:fld id="{00000000-1234-1234-1234-123412341234}" type="slidenum">
+              <a:rPr lang="es"/>
+              <a:t>‹Nº›</a:t>
+            </a:fld>
+            <a:endParaRPr/>
+          </a:p>
+        </p:txBody>
+      </p:sp>
+    </p:spTree>
+  </p:cSld>
+  <p:clrMapOvr>
+    <a:masterClrMapping/>
+  </p:clrMapOvr>
+</p:sldLayout>
+</file>
+
+<file path=ppt/slideLayouts/slideLayout7.xml><?xml version="1.0" encoding="utf-8"?>
+<p:sldLayout xmlns:a="http://schemas.openxmlformats.org/drawingml/2006/main" xmlns:r="http://schemas.openxmlformats.org/officeDocument/2006/relationships" xmlns:p="http://schemas.openxmlformats.org/presentationml/2006/main" matchingName="Section title and description">
+  <p:cSld name="SECTION_TITLE_AND_DESCRIPTION">
+    <p:bg>
+      <p:bgPr>
+        <a:solidFill>
+          <a:schemeClr val="dk2"/>
+        </a:solidFill>
+        <a:effectLst/>
+      </p:bgPr>
+    </p:bg>
+    <p:spTree>
+      <p:nvGrpSpPr>
+        <p:cNvPr id="1" name="Shape 95"/>
+        <p:cNvGrpSpPr/>
+        <p:nvPr/>
+      </p:nvGrpSpPr>
+      <p:grpSpPr>
+        <a:xfrm>
+          <a:off x="0" y="0"/>
+          <a:ext cx="0" cy="0"/>
+          <a:chOff x="0" y="0"/>
+          <a:chExt cx="0" cy="0"/>
+        </a:xfrm>
+      </p:grpSpPr>
+      <p:sp>
+        <p:nvSpPr>
+          <p:cNvPr id="96" name="Google Shape;96;p9"/>
+          <p:cNvSpPr/>
+          <p:nvPr/>
+        </p:nvSpPr>
+        <p:spPr>
+          <a:xfrm flipH="1">
+            <a:off x="3582600" y="1550700"/>
+            <a:ext cx="5561400" cy="3592800"/>
+          </a:xfrm>
+          <a:prstGeom prst="rtTriangle">
+            <a:avLst/>
+          </a:prstGeom>
+          <a:solidFill>
+            <a:schemeClr val="lt2"/>
+          </a:solidFill>
+          <a:ln>
+            <a:noFill/>
+          </a:ln>
+        </p:spPr>
+        <p:txBody>
+          <a:bodyPr spcFirstLastPara="1" wrap="square" lIns="91425" tIns="91425" rIns="91425" bIns="91425" anchor="ctr" anchorCtr="0">
+            <a:noAutofit/>
+          </a:bodyPr>
+          <a:lstStyle/>
+          <a:p>
+            <a:pPr marL="0" lvl="0" indent="0" algn="l" rtl="0">
+              <a:spcBef>
+                <a:spcPts val="0"/>
+              </a:spcBef>
+              <a:spcAft>
+                <a:spcPts val="0"/>
+              </a:spcAft>
+              <a:buNone/>
+            </a:pPr>
+            <a:endParaRPr/>
+          </a:p>
+        </p:txBody>
+      </p:sp>
+      <p:sp>
+        <p:nvSpPr>
+          <p:cNvPr id="97" name="Google Shape;97;p9"/>
+          <p:cNvSpPr/>
+          <p:nvPr/>
+        </p:nvSpPr>
+        <p:spPr>
+          <a:xfrm>
+            <a:off x="31" y="2824500"/>
+            <a:ext cx="7370400" cy="2319000"/>
+          </a:xfrm>
+          <a:prstGeom prst="rtTriangle">
+            <a:avLst/>
+          </a:prstGeom>
+          <a:solidFill>
+            <a:schemeClr val="accent3"/>
+          </a:solidFill>
+          <a:ln>
+            <a:noFill/>
+          </a:ln>
+        </p:spPr>
+        <p:txBody>
+          <a:bodyPr spcFirstLastPara="1" wrap="square" lIns="91425" tIns="91425" rIns="91425" bIns="91425" anchor="ctr" anchorCtr="0">
+            <a:noAutofit/>
+          </a:bodyPr>
+          <a:lstStyle/>
+          <a:p>
+            <a:pPr marL="0" lvl="0" indent="0" algn="l" rtl="0">
+              <a:spcBef>
+                <a:spcPts val="0"/>
+              </a:spcBef>
+              <a:spcAft>
+                <a:spcPts val="0"/>
+              </a:spcAft>
+              <a:buNone/>
+            </a:pPr>
+            <a:endParaRPr/>
+          </a:p>
+        </p:txBody>
+      </p:sp>
+      <p:sp>
+        <p:nvSpPr>
+          <p:cNvPr id="98" name="Google Shape;98;p9"/>
+          <p:cNvSpPr/>
+          <p:nvPr/>
+        </p:nvSpPr>
+        <p:spPr>
+          <a:xfrm>
+            <a:off x="203225" y="206250"/>
+            <a:ext cx="8737500" cy="4731000"/>
+          </a:xfrm>
+          <a:prstGeom prst="rect">
+            <a:avLst/>
+          </a:prstGeom>
+          <a:solidFill>
+            <a:schemeClr val="dk1"/>
+          </a:solidFill>
+          <a:ln>
+            <a:noFill/>
+          </a:ln>
+          <a:effectLst>
+            <a:outerShdw blurRad="228600" sx="101000" sy="101000" algn="ctr" rotWithShape="0">
+              <a:srgbClr val="000000">
+                <a:alpha val="40000"/>
+              </a:srgbClr>
+            </a:outerShdw>
+          </a:effectLst>
+        </p:spPr>
+        <p:txBody>
+          <a:bodyPr spcFirstLastPara="1" wrap="square" lIns="91425" tIns="91425" rIns="91425" bIns="91425" anchor="ctr" anchorCtr="0">
+            <a:noAutofit/>
+          </a:bodyPr>
+          <a:lstStyle/>
+          <a:p>
+            <a:pPr marL="0" lvl="0" indent="0" algn="l" rtl="0">
+              <a:spcBef>
+                <a:spcPts val="0"/>
+              </a:spcBef>
+              <a:spcAft>
+                <a:spcPts val="0"/>
+              </a:spcAft>
+              <a:buNone/>
+            </a:pPr>
+            <a:endParaRPr/>
+          </a:p>
+        </p:txBody>
+      </p:sp>
+      <p:sp>
+        <p:nvSpPr>
+          <p:cNvPr id="99" name="Google Shape;99;p9"/>
+          <p:cNvSpPr txBox="1">
+            <a:spLocks noGrp="1"/>
+          </p:cNvSpPr>
+          <p:nvPr>
+            <p:ph type="title"/>
+          </p:nvPr>
+        </p:nvSpPr>
+        <p:spPr>
+          <a:xfrm>
+            <a:off x="819150" y="845600"/>
+            <a:ext cx="6424200" cy="705000"/>
+          </a:xfrm>
+          <a:prstGeom prst="rect">
+            <a:avLst/>
+          </a:prstGeom>
+        </p:spPr>
+        <p:txBody>
+          <a:bodyPr spcFirstLastPara="1" wrap="square" lIns="91425" tIns="91425" rIns="91425" bIns="91425" anchor="t" anchorCtr="0">
+            <a:normAutofit/>
+          </a:bodyPr>
+          <a:lstStyle>
+            <a:lvl1pPr lvl="0">
+              <a:spcBef>
+                <a:spcPts val="0"/>
+              </a:spcBef>
+              <a:spcAft>
+                <a:spcPts val="0"/>
+              </a:spcAft>
+              <a:buSzPts val="3000"/>
+              <a:buNone/>
+              <a:defRPr sz="3000"/>
+            </a:lvl1pPr>
+            <a:lvl2pPr lvl="1">
+              <a:spcBef>
+                <a:spcPts val="0"/>
+              </a:spcBef>
+              <a:spcAft>
+                <a:spcPts val="0"/>
+              </a:spcAft>
+              <a:buSzPts val="3000"/>
+              <a:buNone/>
+              <a:defRPr sz="3000"/>
+            </a:lvl2pPr>
+            <a:lvl3pPr lvl="2">
+              <a:spcBef>
+                <a:spcPts val="0"/>
+              </a:spcBef>
+              <a:spcAft>
+                <a:spcPts val="0"/>
+              </a:spcAft>
+              <a:buSzPts val="3000"/>
+              <a:buNone/>
+              <a:defRPr sz="3000"/>
+            </a:lvl3pPr>
+            <a:lvl4pPr lvl="3">
+              <a:spcBef>
+                <a:spcPts val="0"/>
+              </a:spcBef>
+              <a:spcAft>
+                <a:spcPts val="0"/>
+              </a:spcAft>
+              <a:buSzPts val="3000"/>
+              <a:buNone/>
+              <a:defRPr sz="3000"/>
+            </a:lvl4pPr>
+            <a:lvl5pPr lvl="4">
+              <a:spcBef>
+                <a:spcPts val="0"/>
+              </a:spcBef>
+              <a:spcAft>
+                <a:spcPts val="0"/>
+              </a:spcAft>
+              <a:buSzPts val="3000"/>
+              <a:buNone/>
+              <a:defRPr sz="3000"/>
+            </a:lvl5pPr>
+            <a:lvl6pPr lvl="5">
+              <a:spcBef>
+                <a:spcPts val="0"/>
+              </a:spcBef>
+              <a:spcAft>
+                <a:spcPts val="0"/>
+              </a:spcAft>
+              <a:buSzPts val="3000"/>
+              <a:buNone/>
+              <a:defRPr sz="3000"/>
+            </a:lvl6pPr>
+            <a:lvl7pPr lvl="6">
+              <a:spcBef>
+                <a:spcPts val="0"/>
+              </a:spcBef>
+              <a:spcAft>
+                <a:spcPts val="0"/>
+              </a:spcAft>
+              <a:buSzPts val="3000"/>
+              <a:buNone/>
+              <a:defRPr sz="3000"/>
+            </a:lvl7pPr>
+            <a:lvl8pPr lvl="7">
+              <a:spcBef>
+                <a:spcPts val="0"/>
+              </a:spcBef>
+              <a:spcAft>
+                <a:spcPts val="0"/>
+              </a:spcAft>
+              <a:buSzPts val="3000"/>
+              <a:buNone/>
+              <a:defRPr sz="3000"/>
+            </a:lvl8pPr>
+            <a:lvl9pPr lvl="8">
+              <a:spcBef>
+                <a:spcPts val="0"/>
+              </a:spcBef>
+              <a:spcAft>
+                <a:spcPts val="0"/>
+              </a:spcAft>
+              <a:buSzPts val="3000"/>
+              <a:buNone/>
+              <a:defRPr sz="3000"/>
+            </a:lvl9pPr>
+          </a:lstStyle>
+          <a:p>
+            <a:endParaRPr/>
+          </a:p>
+        </p:txBody>
+      </p:sp>
+      <p:sp>
+        <p:nvSpPr>
+          <p:cNvPr id="100" name="Google Shape;100;p9"/>
+          <p:cNvSpPr txBox="1">
+            <a:spLocks noGrp="1"/>
+          </p:cNvSpPr>
+          <p:nvPr>
+            <p:ph type="subTitle" idx="1"/>
+          </p:nvPr>
+        </p:nvSpPr>
+        <p:spPr>
+          <a:xfrm>
+            <a:off x="819150" y="1550700"/>
+            <a:ext cx="5859900" cy="393600"/>
+          </a:xfrm>
+          <a:prstGeom prst="rect">
+            <a:avLst/>
+          </a:prstGeom>
+        </p:spPr>
+        <p:txBody>
+          <a:bodyPr spcFirstLastPara="1" wrap="square" lIns="91425" tIns="91425" rIns="91425" bIns="91425" anchor="t" anchorCtr="0">
+            <a:normAutofit/>
+          </a:bodyPr>
+          <a:lstStyle>
+            <a:lvl1pPr lvl="0">
+              <a:lnSpc>
+                <a:spcPct val="100000"/>
+              </a:lnSpc>
+              <a:spcBef>
+                <a:spcPts val="0"/>
+              </a:spcBef>
+              <a:spcAft>
+                <a:spcPts val="0"/>
+              </a:spcAft>
+              <a:buClr>
+                <a:schemeClr val="lt1"/>
+              </a:buClr>
+              <a:buSzPts val="1600"/>
+              <a:buNone/>
+              <a:defRPr sz="1600">
+                <a:solidFill>
+                  <a:schemeClr val="lt1"/>
+                </a:solidFill>
+              </a:defRPr>
+            </a:lvl1pPr>
+            <a:lvl2pPr lvl="1">
+              <a:lnSpc>
+                <a:spcPct val="100000"/>
+              </a:lnSpc>
+              <a:spcBef>
+                <a:spcPts val="0"/>
+              </a:spcBef>
+              <a:spcAft>
+                <a:spcPts val="0"/>
+              </a:spcAft>
+              <a:buClr>
+                <a:schemeClr val="lt1"/>
+              </a:buClr>
+              <a:buSzPts val="1600"/>
+              <a:buNone/>
+              <a:defRPr sz="1600">
+                <a:solidFill>
+                  <a:schemeClr val="lt1"/>
+                </a:solidFill>
+              </a:defRPr>
+            </a:lvl2pPr>
+            <a:lvl3pPr lvl="2">
+              <a:lnSpc>
+                <a:spcPct val="100000"/>
+              </a:lnSpc>
+              <a:spcBef>
+                <a:spcPts val="0"/>
+              </a:spcBef>
+              <a:spcAft>
+                <a:spcPts val="0"/>
+              </a:spcAft>
+              <a:buClr>
+                <a:schemeClr val="lt1"/>
+              </a:buClr>
+              <a:buSzPts val="1600"/>
+              <a:buNone/>
+              <a:defRPr sz="1600">
+                <a:solidFill>
+                  <a:schemeClr val="lt1"/>
+                </a:solidFill>
+              </a:defRPr>
+            </a:lvl3pPr>
+            <a:lvl4pPr lvl="3">
+              <a:lnSpc>
+                <a:spcPct val="100000"/>
+              </a:lnSpc>
+              <a:spcBef>
+                <a:spcPts val="0"/>
+              </a:spcBef>
+              <a:spcAft>
+                <a:spcPts val="0"/>
+              </a:spcAft>
+              <a:buClr>
+                <a:schemeClr val="lt1"/>
+              </a:buClr>
+              <a:buSzPts val="1600"/>
+              <a:buNone/>
+              <a:defRPr sz="1600">
+                <a:solidFill>
+                  <a:schemeClr val="lt1"/>
+                </a:solidFill>
+              </a:defRPr>
+            </a:lvl4pPr>
+            <a:lvl5pPr lvl="4">
+              <a:lnSpc>
+                <a:spcPct val="100000"/>
+              </a:lnSpc>
+              <a:spcBef>
+                <a:spcPts val="0"/>
+              </a:spcBef>
+              <a:spcAft>
+                <a:spcPts val="0"/>
+              </a:spcAft>
+              <a:buClr>
+                <a:schemeClr val="lt1"/>
+              </a:buClr>
+              <a:buSzPts val="1600"/>
+              <a:buNone/>
+              <a:defRPr sz="1600">
+                <a:solidFill>
+                  <a:schemeClr val="lt1"/>
+                </a:solidFill>
+              </a:defRPr>
+            </a:lvl5pPr>
+            <a:lvl6pPr lvl="5">
+              <a:lnSpc>
+                <a:spcPct val="100000"/>
+              </a:lnSpc>
+              <a:spcBef>
+                <a:spcPts val="0"/>
+              </a:spcBef>
+              <a:spcAft>
+                <a:spcPts val="0"/>
+              </a:spcAft>
+              <a:buClr>
+                <a:schemeClr val="lt1"/>
+              </a:buClr>
+              <a:buSzPts val="1600"/>
+              <a:buNone/>
+              <a:defRPr sz="1600">
+                <a:solidFill>
+                  <a:schemeClr val="lt1"/>
+                </a:solidFill>
+              </a:defRPr>
+            </a:lvl6pPr>
+            <a:lvl7pPr lvl="6">
+              <a:lnSpc>
+                <a:spcPct val="100000"/>
+              </a:lnSpc>
+              <a:spcBef>
+                <a:spcPts val="0"/>
+              </a:spcBef>
+              <a:spcAft>
+                <a:spcPts val="0"/>
+              </a:spcAft>
+              <a:buClr>
+                <a:schemeClr val="lt1"/>
+              </a:buClr>
+              <a:buSzPts val="1600"/>
+              <a:buNone/>
+              <a:defRPr sz="1600">
+                <a:solidFill>
+                  <a:schemeClr val="lt1"/>
+                </a:solidFill>
+              </a:defRPr>
+            </a:lvl7pPr>
+            <a:lvl8pPr lvl="7">
+              <a:lnSpc>
+                <a:spcPct val="100000"/>
+              </a:lnSpc>
+              <a:spcBef>
+                <a:spcPts val="0"/>
+              </a:spcBef>
+              <a:spcAft>
+                <a:spcPts val="0"/>
+              </a:spcAft>
+              <a:buClr>
+                <a:schemeClr val="lt1"/>
+              </a:buClr>
+              <a:buSzPts val="1600"/>
+              <a:buNone/>
+              <a:defRPr sz="1600">
+                <a:solidFill>
+                  <a:schemeClr val="lt1"/>
+                </a:solidFill>
+              </a:defRPr>
+            </a:lvl8pPr>
+            <a:lvl9pPr lvl="8">
+              <a:lnSpc>
+                <a:spcPct val="100000"/>
+              </a:lnSpc>
+              <a:spcBef>
+                <a:spcPts val="0"/>
+              </a:spcBef>
+              <a:spcAft>
+                <a:spcPts val="0"/>
+              </a:spcAft>
+              <a:buClr>
+                <a:schemeClr val="lt1"/>
+              </a:buClr>
+              <a:buSzPts val="1600"/>
+              <a:buNone/>
+              <a:defRPr sz="1600">
+                <a:solidFill>
+                  <a:schemeClr val="lt1"/>
+                </a:solidFill>
+              </a:defRPr>
+            </a:lvl9pPr>
+          </a:lstStyle>
+          <a:p>
+            <a:endParaRPr/>
+          </a:p>
+        </p:txBody>
+      </p:sp>
+      <p:sp>
+        <p:nvSpPr>
+          <p:cNvPr id="101" name="Google Shape;101;p9"/>
+          <p:cNvSpPr txBox="1">
+            <a:spLocks noGrp="1"/>
+          </p:cNvSpPr>
+          <p:nvPr>
+            <p:ph type="body" idx="2"/>
+          </p:nvPr>
+        </p:nvSpPr>
+        <p:spPr>
+          <a:xfrm>
+            <a:off x="819150" y="2467050"/>
+            <a:ext cx="5859900" cy="2095500"/>
+          </a:xfrm>
+          <a:prstGeom prst="rect">
+            <a:avLst/>
+          </a:prstGeom>
+        </p:spPr>
+        <p:txBody>
+          <a:bodyPr spcFirstLastPara="1" wrap="square" lIns="91425" tIns="91425" rIns="91425" bIns="91425" anchor="t" anchorCtr="0">
+            <a:normAutofit/>
+          </a:bodyPr>
+          <a:lstStyle>
+            <a:lvl1pPr marL="457200" lvl="0" indent="-311150">
+              <a:spcBef>
+                <a:spcPts val="0"/>
+              </a:spcBef>
+              <a:spcAft>
+                <a:spcPts val="0"/>
+              </a:spcAft>
+              <a:buSzPts val="1300"/>
+              <a:buChar char="●"/>
+              <a:defRPr/>
+            </a:lvl1pPr>
+            <a:lvl2pPr marL="914400" lvl="1" indent="-298450">
+              <a:spcBef>
+                <a:spcPts val="0"/>
+              </a:spcBef>
+              <a:spcAft>
+                <a:spcPts val="0"/>
+              </a:spcAft>
+              <a:buSzPts val="1100"/>
+              <a:buChar char="○"/>
+              <a:defRPr/>
+            </a:lvl2pPr>
+            <a:lvl3pPr marL="1371600" lvl="2" indent="-298450">
+              <a:spcBef>
+                <a:spcPts val="0"/>
+              </a:spcBef>
+              <a:spcAft>
+                <a:spcPts val="0"/>
+              </a:spcAft>
+              <a:buSzPts val="1100"/>
+              <a:buChar char="■"/>
+              <a:defRPr/>
+            </a:lvl3pPr>
+            <a:lvl4pPr marL="1828800" lvl="3" indent="-298450">
+              <a:spcBef>
+                <a:spcPts val="0"/>
+              </a:spcBef>
+              <a:spcAft>
+                <a:spcPts val="0"/>
+              </a:spcAft>
+              <a:buSzPts val="1100"/>
+              <a:buChar char="●"/>
+              <a:defRPr/>
+            </a:lvl4pPr>
+            <a:lvl5pPr marL="2286000" lvl="4" indent="-298450">
+              <a:spcBef>
+                <a:spcPts val="0"/>
+              </a:spcBef>
+              <a:spcAft>
+                <a:spcPts val="0"/>
+              </a:spcAft>
+              <a:buSzPts val="1100"/>
+              <a:buChar char="○"/>
+              <a:defRPr/>
+            </a:lvl5pPr>
+            <a:lvl6pPr marL="2743200" lvl="5" indent="-298450">
+              <a:spcBef>
+                <a:spcPts val="0"/>
+              </a:spcBef>
+              <a:spcAft>
+                <a:spcPts val="0"/>
+              </a:spcAft>
+              <a:buSzPts val="1100"/>
+              <a:buChar char="■"/>
+              <a:defRPr/>
+            </a:lvl6pPr>
+            <a:lvl7pPr marL="3200400" lvl="6" indent="-298450">
+              <a:spcBef>
+                <a:spcPts val="0"/>
+              </a:spcBef>
+              <a:spcAft>
+                <a:spcPts val="0"/>
+              </a:spcAft>
+              <a:buSzPts val="1100"/>
+              <a:buChar char="●"/>
+              <a:defRPr/>
+            </a:lvl7pPr>
+            <a:lvl8pPr marL="3657600" lvl="7" indent="-298450">
+              <a:spcBef>
+                <a:spcPts val="0"/>
+              </a:spcBef>
+              <a:spcAft>
+                <a:spcPts val="0"/>
+              </a:spcAft>
+              <a:buSzPts val="1100"/>
+              <a:buChar char="○"/>
+              <a:defRPr/>
+            </a:lvl8pPr>
+            <a:lvl9pPr marL="4114800" lvl="8" indent="-298450">
+              <a:spcBef>
+                <a:spcPts val="0"/>
+              </a:spcBef>
+              <a:spcAft>
+                <a:spcPts val="0"/>
+              </a:spcAft>
+              <a:buSzPts val="1100"/>
+              <a:buChar char="■"/>
+              <a:defRPr/>
+            </a:lvl9pPr>
+          </a:lstStyle>
+          <a:p>
+            <a:endParaRPr/>
+          </a:p>
+        </p:txBody>
+      </p:sp>
+      <p:sp>
+        <p:nvSpPr>
+          <p:cNvPr id="102" name="Google Shape;102;p9"/>
+          <p:cNvSpPr txBox="1">
+            <a:spLocks noGrp="1"/>
+          </p:cNvSpPr>
+          <p:nvPr>
+            <p:ph type="sldNum" idx="12"/>
+          </p:nvPr>
+        </p:nvSpPr>
+        <p:spPr>
+          <a:xfrm>
+            <a:off x="8390734" y="4543668"/>
+            <a:ext cx="548700" cy="393600"/>
+          </a:xfrm>
+          <a:prstGeom prst="rect">
+            <a:avLst/>
+          </a:prstGeom>
+        </p:spPr>
+        <p:txBody>
+          <a:bodyPr spcFirstLastPara="1" wrap="square" lIns="91425" tIns="91425" rIns="91425" bIns="91425" anchor="ctr" anchorCtr="0">
+            <a:normAutofit/>
+          </a:bodyPr>
+          <a:lstStyle>
+            <a:lvl1pPr lvl="0">
+              <a:buNone/>
+              <a:defRPr/>
+            </a:lvl1pPr>
+            <a:lvl2pPr lvl="1">
+              <a:buNone/>
+              <a:defRPr/>
+            </a:lvl2pPr>
+            <a:lvl3pPr lvl="2">
+              <a:buNone/>
+              <a:defRPr/>
+            </a:lvl3pPr>
+            <a:lvl4pPr lvl="3">
+              <a:buNone/>
+              <a:defRPr/>
+            </a:lvl4pPr>
+            <a:lvl5pPr lvl="4">
+              <a:buNone/>
+              <a:defRPr/>
+            </a:lvl5pPr>
+            <a:lvl6pPr lvl="5">
+              <a:buNone/>
+              <a:defRPr/>
+            </a:lvl6pPr>
+            <a:lvl7pPr lvl="6">
+              <a:buNone/>
+              <a:defRPr/>
+            </a:lvl7pPr>
+            <a:lvl8pPr lvl="7">
+              <a:buNone/>
+              <a:defRPr/>
+            </a:lvl8pPr>
+            <a:lvl9pPr lvl="8">
+              <a:buNone/>
+              <a:defRPr/>
+            </a:lvl9pPr>
+          </a:lstStyle>
+          <a:p>
+            <a:pPr marL="0" lvl="0" indent="0" algn="r" rtl="0">
+              <a:spcBef>
+                <a:spcPts val="0"/>
+              </a:spcBef>
+              <a:spcAft>
+                <a:spcPts val="0"/>
+              </a:spcAft>
+              <a:buNone/>
+            </a:pPr>
+            <a:fld id="{00000000-1234-1234-1234-123412341234}" type="slidenum">
+              <a:rPr lang="es"/>
+              <a:t>‹Nº›</a:t>
+            </a:fld>
+            <a:endParaRPr/>
+          </a:p>
+        </p:txBody>
+      </p:sp>
+    </p:spTree>
+  </p:cSld>
+  <p:clrMapOvr>
+    <a:masterClrMapping/>
+  </p:clrMapOvr>
+</p:sldLayout>
+</file>
+
+<file path=ppt/slideLayouts/slideLayout8.xml><?xml version="1.0" encoding="utf-8"?>
+<p:sldLayout xmlns:a="http://schemas.openxmlformats.org/drawingml/2006/main" xmlns:r="http://schemas.openxmlformats.org/officeDocument/2006/relationships" xmlns:p="http://schemas.openxmlformats.org/presentationml/2006/main" matchingName="Caption">
+  <p:cSld name="CAPTION_ONLY">
+    <p:bg>
+      <p:bgPr>
+        <a:solidFill>
+          <a:schemeClr val="accent1"/>
+        </a:solidFill>
+        <a:effectLst/>
+      </p:bgPr>
+    </p:bg>
+    <p:spTree>
+      <p:nvGrpSpPr>
+        <p:cNvPr id="1" name="Shape 103"/>
+        <p:cNvGrpSpPr/>
+        <p:nvPr/>
+      </p:nvGrpSpPr>
+      <p:grpSpPr>
+        <a:xfrm>
+          <a:off x="0" y="0"/>
+          <a:ext cx="0" cy="0"/>
+          <a:chOff x="0" y="0"/>
+          <a:chExt cx="0" cy="0"/>
+        </a:xfrm>
+      </p:grpSpPr>
+      <p:sp>
+        <p:nvSpPr>
+          <p:cNvPr id="104" name="Google Shape;104;p10"/>
+          <p:cNvSpPr/>
+          <p:nvPr/>
+        </p:nvSpPr>
+        <p:spPr>
+          <a:xfrm>
+            <a:off x="31" y="2824500"/>
+            <a:ext cx="7370400" cy="2319000"/>
+          </a:xfrm>
+          <a:prstGeom prst="rtTriangle">
+            <a:avLst/>
+          </a:prstGeom>
+          <a:solidFill>
+            <a:schemeClr val="lt2"/>
+          </a:solidFill>
+          <a:ln>
+            <a:noFill/>
+          </a:ln>
+        </p:spPr>
+        <p:txBody>
+          <a:bodyPr spcFirstLastPara="1" wrap="square" lIns="91425" tIns="91425" rIns="91425" bIns="91425" anchor="ctr" anchorCtr="0">
+            <a:noAutofit/>
+          </a:bodyPr>
+          <a:lstStyle/>
+          <a:p>
+            <a:pPr marL="0" lvl="0" indent="0" algn="l" rtl="0">
+              <a:spcBef>
+                <a:spcPts val="0"/>
+              </a:spcBef>
+              <a:spcAft>
+                <a:spcPts val="0"/>
+              </a:spcAft>
+              <a:buNone/>
+            </a:pPr>
+            <a:endParaRPr/>
+          </a:p>
+        </p:txBody>
+      </p:sp>
+      <p:sp>
+        <p:nvSpPr>
+          <p:cNvPr id="105" name="Google Shape;105;p10"/>
+          <p:cNvSpPr/>
+          <p:nvPr/>
+        </p:nvSpPr>
+        <p:spPr>
+          <a:xfrm flipH="1">
+            <a:off x="3582600" y="1550700"/>
+            <a:ext cx="5561400" cy="3592800"/>
+          </a:xfrm>
+          <a:prstGeom prst="rtTriangle">
+            <a:avLst/>
+          </a:prstGeom>
+          <a:solidFill>
+            <a:schemeClr val="dk2"/>
+          </a:solidFill>
+          <a:ln>
+            <a:noFill/>
+          </a:ln>
+        </p:spPr>
+        <p:txBody>
+          <a:bodyPr spcFirstLastPara="1" wrap="square" lIns="91425" tIns="91425" rIns="91425" bIns="91425" anchor="ctr" anchorCtr="0">
+            <a:noAutofit/>
+          </a:bodyPr>
+          <a:lstStyle/>
+          <a:p>
+            <a:pPr marL="0" lvl="0" indent="0" algn="l" rtl="0">
+              <a:spcBef>
+                <a:spcPts val="0"/>
+              </a:spcBef>
+              <a:spcAft>
+                <a:spcPts val="0"/>
+              </a:spcAft>
+              <a:buNone/>
+            </a:pPr>
+            <a:endParaRPr/>
+          </a:p>
+        </p:txBody>
+      </p:sp>
+      <p:sp>
+        <p:nvSpPr>
+          <p:cNvPr id="106" name="Google Shape;106;p10"/>
+          <p:cNvSpPr/>
+          <p:nvPr/>
+        </p:nvSpPr>
+        <p:spPr>
+          <a:xfrm>
+            <a:off x="203225" y="206250"/>
+            <a:ext cx="8737500" cy="4731000"/>
+          </a:xfrm>
+          <a:prstGeom prst="rect">
+            <a:avLst/>
+          </a:prstGeom>
+          <a:solidFill>
+            <a:schemeClr val="dk1"/>
+          </a:solidFill>
+          <a:ln>
+            <a:noFill/>
+          </a:ln>
+          <a:effectLst>
+            <a:outerShdw blurRad="228600" sx="101000" sy="101000" algn="ctr" rotWithShape="0">
+              <a:srgbClr val="000000">
+                <a:alpha val="40000"/>
+              </a:srgbClr>
+            </a:outerShdw>
+          </a:effectLst>
+        </p:spPr>
+        <p:txBody>
+          <a:bodyPr spcFirstLastPara="1" wrap="square" lIns="91425" tIns="91425" rIns="91425" bIns="91425" anchor="ctr" anchorCtr="0">
+            <a:noAutofit/>
+          </a:bodyPr>
+          <a:lstStyle/>
+          <a:p>
+            <a:pPr marL="0" lvl="0" indent="0" algn="l" rtl="0">
+              <a:spcBef>
+                <a:spcPts val="0"/>
+              </a:spcBef>
+              <a:spcAft>
+                <a:spcPts val="0"/>
+              </a:spcAft>
+              <a:buNone/>
+            </a:pPr>
+            <a:endParaRPr/>
+          </a:p>
+        </p:txBody>
+      </p:sp>
+      <p:sp>
+        <p:nvSpPr>
+          <p:cNvPr id="107" name="Google Shape;107;p10"/>
+          <p:cNvSpPr txBox="1">
+            <a:spLocks noGrp="1"/>
+          </p:cNvSpPr>
+          <p:nvPr>
+            <p:ph type="body" idx="1"/>
+          </p:nvPr>
+        </p:nvSpPr>
+        <p:spPr>
+          <a:xfrm>
+            <a:off x="328025" y="4163500"/>
+            <a:ext cx="7415100" cy="605100"/>
+          </a:xfrm>
+          <a:prstGeom prst="rect">
+            <a:avLst/>
+          </a:prstGeom>
+        </p:spPr>
+        <p:txBody>
+          <a:bodyPr spcFirstLastPara="1" wrap="square" lIns="91425" tIns="91425" rIns="91425" bIns="91425" anchor="b" anchorCtr="0">
+            <a:normAutofit/>
+          </a:bodyPr>
+          <a:lstStyle>
+            <a:lvl1pPr marL="457200" lvl="0" indent="-228600">
+              <a:lnSpc>
+                <a:spcPct val="100000"/>
+              </a:lnSpc>
+              <a:spcBef>
+                <a:spcPts val="0"/>
+              </a:spcBef>
+              <a:spcAft>
+                <a:spcPts val="0"/>
+              </a:spcAft>
+              <a:buSzPts val="1300"/>
+              <a:buNone/>
+              <a:defRPr/>
+            </a:lvl1pPr>
+          </a:lstStyle>
+          <a:p>
+            <a:endParaRPr/>
+          </a:p>
+        </p:txBody>
+      </p:sp>
+      <p:sp>
+        <p:nvSpPr>
+          <p:cNvPr id="108" name="Google Shape;108;p10"/>
+          <p:cNvSpPr txBox="1">
+            <a:spLocks noGrp="1"/>
+          </p:cNvSpPr>
+          <p:nvPr>
+            <p:ph type="sldNum" idx="12"/>
+          </p:nvPr>
+        </p:nvSpPr>
+        <p:spPr>
+          <a:xfrm>
+            <a:off x="8390734" y="4543668"/>
+            <a:ext cx="548700" cy="393600"/>
+          </a:xfrm>
+          <a:prstGeom prst="rect">
+            <a:avLst/>
+          </a:prstGeom>
+        </p:spPr>
+        <p:txBody>
+          <a:bodyPr spcFirstLastPara="1" wrap="square" lIns="91425" tIns="91425" rIns="91425" bIns="91425" anchor="ctr" anchorCtr="0">
+            <a:normAutofit/>
+          </a:bodyPr>
+          <a:lstStyle>
+            <a:lvl1pPr lvl="0">
+              <a:buNone/>
+              <a:defRPr/>
+            </a:lvl1pPr>
+            <a:lvl2pPr lvl="1">
+              <a:buNone/>
+              <a:defRPr/>
+            </a:lvl2pPr>
+            <a:lvl3pPr lvl="2">
+              <a:buNone/>
+              <a:defRPr/>
+            </a:lvl3pPr>
+            <a:lvl4pPr lvl="3">
+              <a:buNone/>
+              <a:defRPr/>
+            </a:lvl4pPr>
+            <a:lvl5pPr lvl="4">
+              <a:buNone/>
+              <a:defRPr/>
+            </a:lvl5pPr>
+            <a:lvl6pPr lvl="5">
+              <a:buNone/>
+              <a:defRPr/>
+            </a:lvl6pPr>
+            <a:lvl7pPr lvl="6">
+              <a:buNone/>
+              <a:defRPr/>
+            </a:lvl7pPr>
+            <a:lvl8pPr lvl="7">
+              <a:buNone/>
+              <a:defRPr/>
+            </a:lvl8pPr>
+            <a:lvl9pPr lvl="8">
+              <a:buNone/>
+              <a:defRPr/>
+            </a:lvl9pPr>
+          </a:lstStyle>
+          <a:p>
+            <a:pPr marL="0" lvl="0" indent="0" algn="r" rtl="0">
+              <a:spcBef>
+                <a:spcPts val="0"/>
+              </a:spcBef>
+              <a:spcAft>
+                <a:spcPts val="0"/>
+              </a:spcAft>
+              <a:buNone/>
+            </a:pPr>
+            <a:fld id="{00000000-1234-1234-1234-123412341234}" type="slidenum">
+              <a:rPr lang="es"/>
+              <a:t>‹Nº›</a:t>
+            </a:fld>
+            <a:endParaRPr/>
+          </a:p>
+        </p:txBody>
+      </p:sp>
+    </p:spTree>
+  </p:cSld>
+  <p:clrMapOvr>
+    <a:masterClrMapping/>
+  </p:clrMapOvr>
+</p:sldLayout>
+</file>
+
+<file path=ppt/slideLayouts/slideLayout9.xml><?xml version="1.0" encoding="utf-8"?>
 <p:sldLayout xmlns:a="http://schemas.openxmlformats.org/drawingml/2006/main" xmlns:r="http://schemas.openxmlformats.org/officeDocument/2006/relationships" xmlns:p="http://schemas.openxmlformats.org/presentationml/2006/main" matchingName="Big number">
   <p:cSld name="BIG_NUMBER">
     <p:bg>
@@ -4601,4514 +8507,6 @@
 </p:sldLayout>
 </file>
 
-<file path=ppt/slideLayouts/slideLayout11.xml><?xml version="1.0" encoding="utf-8"?>
-<p:sldLayout xmlns:a="http://schemas.openxmlformats.org/drawingml/2006/main" xmlns:r="http://schemas.openxmlformats.org/officeDocument/2006/relationships" xmlns:p="http://schemas.openxmlformats.org/presentationml/2006/main" matchingName="Blank" type="blank">
-  <p:cSld name="BLANK">
-    <p:spTree>
-      <p:nvGrpSpPr>
-        <p:cNvPr id="1" name="Shape 122"/>
-        <p:cNvGrpSpPr/>
-        <p:nvPr/>
-      </p:nvGrpSpPr>
-      <p:grpSpPr>
-        <a:xfrm>
-          <a:off x="0" y="0"/>
-          <a:ext cx="0" cy="0"/>
-          <a:chOff x="0" y="0"/>
-          <a:chExt cx="0" cy="0"/>
-        </a:xfrm>
-      </p:grpSpPr>
-      <p:sp>
-        <p:nvSpPr>
-          <p:cNvPr id="123" name="Google Shape;123;p12"/>
-          <p:cNvSpPr txBox="1">
-            <a:spLocks noGrp="1"/>
-          </p:cNvSpPr>
-          <p:nvPr>
-            <p:ph type="sldNum" idx="12"/>
-          </p:nvPr>
-        </p:nvSpPr>
-        <p:spPr>
-          <a:xfrm>
-            <a:off x="8390734" y="4543668"/>
-            <a:ext cx="548700" cy="393600"/>
-          </a:xfrm>
-          <a:prstGeom prst="rect">
-            <a:avLst/>
-          </a:prstGeom>
-        </p:spPr>
-        <p:txBody>
-          <a:bodyPr spcFirstLastPara="1" wrap="square" lIns="91425" tIns="91425" rIns="91425" bIns="91425" anchor="ctr" anchorCtr="0">
-            <a:normAutofit/>
-          </a:bodyPr>
-          <a:lstStyle>
-            <a:lvl1pPr lvl="0">
-              <a:buNone/>
-              <a:defRPr/>
-            </a:lvl1pPr>
-            <a:lvl2pPr lvl="1">
-              <a:buNone/>
-              <a:defRPr/>
-            </a:lvl2pPr>
-            <a:lvl3pPr lvl="2">
-              <a:buNone/>
-              <a:defRPr/>
-            </a:lvl3pPr>
-            <a:lvl4pPr lvl="3">
-              <a:buNone/>
-              <a:defRPr/>
-            </a:lvl4pPr>
-            <a:lvl5pPr lvl="4">
-              <a:buNone/>
-              <a:defRPr/>
-            </a:lvl5pPr>
-            <a:lvl6pPr lvl="5">
-              <a:buNone/>
-              <a:defRPr/>
-            </a:lvl6pPr>
-            <a:lvl7pPr lvl="6">
-              <a:buNone/>
-              <a:defRPr/>
-            </a:lvl7pPr>
-            <a:lvl8pPr lvl="7">
-              <a:buNone/>
-              <a:defRPr/>
-            </a:lvl8pPr>
-            <a:lvl9pPr lvl="8">
-              <a:buNone/>
-              <a:defRPr/>
-            </a:lvl9pPr>
-          </a:lstStyle>
-          <a:p>
-            <a:pPr marL="0" lvl="0" indent="0" algn="r" rtl="0">
-              <a:spcBef>
-                <a:spcPts val="0"/>
-              </a:spcBef>
-              <a:spcAft>
-                <a:spcPts val="0"/>
-              </a:spcAft>
-              <a:buNone/>
-            </a:pPr>
-            <a:fld id="{00000000-1234-1234-1234-123412341234}" type="slidenum">
-              <a:rPr lang="es"/>
-              <a:t>‹Nº›</a:t>
-            </a:fld>
-            <a:endParaRPr/>
-          </a:p>
-        </p:txBody>
-      </p:sp>
-    </p:spTree>
-  </p:cSld>
-  <p:clrMapOvr>
-    <a:masterClrMapping/>
-  </p:clrMapOvr>
-</p:sldLayout>
-</file>
-
-<file path=ppt/slideLayouts/slideLayout2.xml><?xml version="1.0" encoding="utf-8"?>
-<p:sldLayout xmlns:a="http://schemas.openxmlformats.org/drawingml/2006/main" xmlns:r="http://schemas.openxmlformats.org/officeDocument/2006/relationships" xmlns:p="http://schemas.openxmlformats.org/presentationml/2006/main" matchingName="Section header" type="secHead">
-  <p:cSld name="SECTION_HEADER">
-    <p:bg>
-      <p:bgPr>
-        <a:solidFill>
-          <a:schemeClr val="accent3"/>
-        </a:solidFill>
-        <a:effectLst/>
-      </p:bgPr>
-    </p:bg>
-    <p:spTree>
-      <p:nvGrpSpPr>
-        <p:cNvPr id="1" name="Shape 37"/>
-        <p:cNvGrpSpPr/>
-        <p:nvPr/>
-      </p:nvGrpSpPr>
-      <p:grpSpPr>
-        <a:xfrm>
-          <a:off x="0" y="0"/>
-          <a:ext cx="0" cy="0"/>
-          <a:chOff x="0" y="0"/>
-          <a:chExt cx="0" cy="0"/>
-        </a:xfrm>
-      </p:grpSpPr>
-      <p:sp>
-        <p:nvSpPr>
-          <p:cNvPr id="38" name="Google Shape;38;p3"/>
-          <p:cNvSpPr/>
-          <p:nvPr/>
-        </p:nvSpPr>
-        <p:spPr>
-          <a:xfrm flipH="1">
-            <a:off x="4757100" y="2309400"/>
-            <a:ext cx="4386900" cy="2834100"/>
-          </a:xfrm>
-          <a:prstGeom prst="rtTriangle">
-            <a:avLst/>
-          </a:prstGeom>
-          <a:solidFill>
-            <a:schemeClr val="dk1"/>
-          </a:solidFill>
-          <a:ln>
-            <a:noFill/>
-          </a:ln>
-        </p:spPr>
-        <p:txBody>
-          <a:bodyPr spcFirstLastPara="1" wrap="square" lIns="91425" tIns="91425" rIns="91425" bIns="91425" anchor="ctr" anchorCtr="0">
-            <a:noAutofit/>
-          </a:bodyPr>
-          <a:lstStyle/>
-          <a:p>
-            <a:pPr marL="0" lvl="0" indent="0" algn="l" rtl="0">
-              <a:spcBef>
-                <a:spcPts val="0"/>
-              </a:spcBef>
-              <a:spcAft>
-                <a:spcPts val="0"/>
-              </a:spcAft>
-              <a:buNone/>
-            </a:pPr>
-            <a:endParaRPr/>
-          </a:p>
-        </p:txBody>
-      </p:sp>
-      <p:grpSp>
-        <p:nvGrpSpPr>
-          <p:cNvPr id="39" name="Google Shape;39;p3"/>
-          <p:cNvGrpSpPr/>
-          <p:nvPr/>
-        </p:nvGrpSpPr>
-        <p:grpSpPr>
-          <a:xfrm>
-            <a:off x="5594191" y="3961115"/>
-            <a:ext cx="2910145" cy="1182340"/>
-            <a:chOff x="6917201" y="0"/>
-            <a:chExt cx="2227777" cy="863400"/>
-          </a:xfrm>
-        </p:grpSpPr>
-        <p:sp>
-          <p:nvSpPr>
-            <p:cNvPr id="40" name="Google Shape;40;p3"/>
-            <p:cNvSpPr/>
-            <p:nvPr/>
-          </p:nvSpPr>
-          <p:spPr>
-            <a:xfrm>
-              <a:off x="7641677" y="0"/>
-              <a:ext cx="1503300" cy="863400"/>
-            </a:xfrm>
-            <a:prstGeom prst="parallelogram">
-              <a:avLst>
-                <a:gd name="adj" fmla="val 158024"/>
-              </a:avLst>
-            </a:prstGeom>
-            <a:solidFill>
-              <a:schemeClr val="accent3"/>
-            </a:solidFill>
-            <a:ln>
-              <a:noFill/>
-            </a:ln>
-          </p:spPr>
-          <p:txBody>
-            <a:bodyPr spcFirstLastPara="1" wrap="square" lIns="91425" tIns="91425" rIns="91425" bIns="91425" anchor="ctr" anchorCtr="0">
-              <a:noAutofit/>
-            </a:bodyPr>
-            <a:lstStyle/>
-            <a:p>
-              <a:pPr marL="0" lvl="0" indent="0" algn="l" rtl="0">
-                <a:spcBef>
-                  <a:spcPts val="0"/>
-                </a:spcBef>
-                <a:spcAft>
-                  <a:spcPts val="0"/>
-                </a:spcAft>
-                <a:buNone/>
-              </a:pPr>
-              <a:endParaRPr/>
-            </a:p>
-          </p:txBody>
-        </p:sp>
-        <p:sp>
-          <p:nvSpPr>
-            <p:cNvPr id="41" name="Google Shape;41;p3"/>
-            <p:cNvSpPr/>
-            <p:nvPr/>
-          </p:nvSpPr>
-          <p:spPr>
-            <a:xfrm>
-              <a:off x="7279439" y="0"/>
-              <a:ext cx="1503300" cy="863400"/>
-            </a:xfrm>
-            <a:prstGeom prst="parallelogram">
-              <a:avLst>
-                <a:gd name="adj" fmla="val 158024"/>
-              </a:avLst>
-            </a:prstGeom>
-            <a:solidFill>
-              <a:schemeClr val="accent3"/>
-            </a:solidFill>
-            <a:ln>
-              <a:noFill/>
-            </a:ln>
-          </p:spPr>
-          <p:txBody>
-            <a:bodyPr spcFirstLastPara="1" wrap="square" lIns="91425" tIns="91425" rIns="91425" bIns="91425" anchor="ctr" anchorCtr="0">
-              <a:noAutofit/>
-            </a:bodyPr>
-            <a:lstStyle/>
-            <a:p>
-              <a:pPr marL="0" lvl="0" indent="0" algn="l" rtl="0">
-                <a:spcBef>
-                  <a:spcPts val="0"/>
-                </a:spcBef>
-                <a:spcAft>
-                  <a:spcPts val="0"/>
-                </a:spcAft>
-                <a:buNone/>
-              </a:pPr>
-              <a:endParaRPr/>
-            </a:p>
-          </p:txBody>
-        </p:sp>
-        <p:sp>
-          <p:nvSpPr>
-            <p:cNvPr id="42" name="Google Shape;42;p3"/>
-            <p:cNvSpPr/>
-            <p:nvPr/>
-          </p:nvSpPr>
-          <p:spPr>
-            <a:xfrm>
-              <a:off x="6917201" y="0"/>
-              <a:ext cx="1503300" cy="863400"/>
-            </a:xfrm>
-            <a:prstGeom prst="parallelogram">
-              <a:avLst>
-                <a:gd name="adj" fmla="val 158024"/>
-              </a:avLst>
-            </a:prstGeom>
-            <a:solidFill>
-              <a:schemeClr val="accent3"/>
-            </a:solidFill>
-            <a:ln>
-              <a:noFill/>
-            </a:ln>
-          </p:spPr>
-          <p:txBody>
-            <a:bodyPr spcFirstLastPara="1" wrap="square" lIns="91425" tIns="91425" rIns="91425" bIns="91425" anchor="ctr" anchorCtr="0">
-              <a:noAutofit/>
-            </a:bodyPr>
-            <a:lstStyle/>
-            <a:p>
-              <a:pPr marL="0" lvl="0" indent="0" algn="l" rtl="0">
-                <a:spcBef>
-                  <a:spcPts val="0"/>
-                </a:spcBef>
-                <a:spcAft>
-                  <a:spcPts val="0"/>
-                </a:spcAft>
-                <a:buNone/>
-              </a:pPr>
-              <a:endParaRPr/>
-            </a:p>
-          </p:txBody>
-        </p:sp>
-      </p:grpSp>
-      <p:grpSp>
-        <p:nvGrpSpPr>
-          <p:cNvPr id="43" name="Google Shape;43;p3"/>
-          <p:cNvGrpSpPr/>
-          <p:nvPr/>
-        </p:nvGrpSpPr>
-        <p:grpSpPr>
-          <a:xfrm>
-            <a:off x="199149" y="2"/>
-            <a:ext cx="2795414" cy="1083308"/>
-            <a:chOff x="6917201" y="0"/>
-            <a:chExt cx="2227777" cy="863400"/>
-          </a:xfrm>
-        </p:grpSpPr>
-        <p:sp>
-          <p:nvSpPr>
-            <p:cNvPr id="44" name="Google Shape;44;p3"/>
-            <p:cNvSpPr/>
-            <p:nvPr/>
-          </p:nvSpPr>
-          <p:spPr>
-            <a:xfrm>
-              <a:off x="7641677" y="0"/>
-              <a:ext cx="1503300" cy="863400"/>
-            </a:xfrm>
-            <a:prstGeom prst="parallelogram">
-              <a:avLst>
-                <a:gd name="adj" fmla="val 158024"/>
-              </a:avLst>
-            </a:prstGeom>
-            <a:solidFill>
-              <a:schemeClr val="dk2"/>
-            </a:solidFill>
-            <a:ln>
-              <a:noFill/>
-            </a:ln>
-          </p:spPr>
-          <p:txBody>
-            <a:bodyPr spcFirstLastPara="1" wrap="square" lIns="91425" tIns="91425" rIns="91425" bIns="91425" anchor="ctr" anchorCtr="0">
-              <a:noAutofit/>
-            </a:bodyPr>
-            <a:lstStyle/>
-            <a:p>
-              <a:pPr marL="0" lvl="0" indent="0" algn="l" rtl="0">
-                <a:spcBef>
-                  <a:spcPts val="0"/>
-                </a:spcBef>
-                <a:spcAft>
-                  <a:spcPts val="0"/>
-                </a:spcAft>
-                <a:buNone/>
-              </a:pPr>
-              <a:endParaRPr/>
-            </a:p>
-          </p:txBody>
-        </p:sp>
-        <p:sp>
-          <p:nvSpPr>
-            <p:cNvPr id="45" name="Google Shape;45;p3"/>
-            <p:cNvSpPr/>
-            <p:nvPr/>
-          </p:nvSpPr>
-          <p:spPr>
-            <a:xfrm>
-              <a:off x="7279439" y="0"/>
-              <a:ext cx="1503300" cy="863400"/>
-            </a:xfrm>
-            <a:prstGeom prst="parallelogram">
-              <a:avLst>
-                <a:gd name="adj" fmla="val 158024"/>
-              </a:avLst>
-            </a:prstGeom>
-            <a:solidFill>
-              <a:schemeClr val="dk2"/>
-            </a:solidFill>
-            <a:ln>
-              <a:noFill/>
-            </a:ln>
-          </p:spPr>
-          <p:txBody>
-            <a:bodyPr spcFirstLastPara="1" wrap="square" lIns="91425" tIns="91425" rIns="91425" bIns="91425" anchor="ctr" anchorCtr="0">
-              <a:noAutofit/>
-            </a:bodyPr>
-            <a:lstStyle/>
-            <a:p>
-              <a:pPr marL="0" lvl="0" indent="0" algn="l" rtl="0">
-                <a:spcBef>
-                  <a:spcPts val="0"/>
-                </a:spcBef>
-                <a:spcAft>
-                  <a:spcPts val="0"/>
-                </a:spcAft>
-                <a:buNone/>
-              </a:pPr>
-              <a:endParaRPr/>
-            </a:p>
-          </p:txBody>
-        </p:sp>
-        <p:sp>
-          <p:nvSpPr>
-            <p:cNvPr id="46" name="Google Shape;46;p3"/>
-            <p:cNvSpPr/>
-            <p:nvPr/>
-          </p:nvSpPr>
-          <p:spPr>
-            <a:xfrm>
-              <a:off x="6917201" y="0"/>
-              <a:ext cx="1503300" cy="863400"/>
-            </a:xfrm>
-            <a:prstGeom prst="parallelogram">
-              <a:avLst>
-                <a:gd name="adj" fmla="val 158024"/>
-              </a:avLst>
-            </a:prstGeom>
-            <a:solidFill>
-              <a:schemeClr val="dk2"/>
-            </a:solidFill>
-            <a:ln>
-              <a:noFill/>
-            </a:ln>
-          </p:spPr>
-          <p:txBody>
-            <a:bodyPr spcFirstLastPara="1" wrap="square" lIns="91425" tIns="91425" rIns="91425" bIns="91425" anchor="ctr" anchorCtr="0">
-              <a:noAutofit/>
-            </a:bodyPr>
-            <a:lstStyle/>
-            <a:p>
-              <a:pPr marL="0" lvl="0" indent="0" algn="l" rtl="0">
-                <a:spcBef>
-                  <a:spcPts val="0"/>
-                </a:spcBef>
-                <a:spcAft>
-                  <a:spcPts val="0"/>
-                </a:spcAft>
-                <a:buNone/>
-              </a:pPr>
-              <a:endParaRPr/>
-            </a:p>
-          </p:txBody>
-        </p:sp>
-      </p:grpSp>
-      <p:sp>
-        <p:nvSpPr>
-          <p:cNvPr id="47" name="Google Shape;47;p3"/>
-          <p:cNvSpPr txBox="1">
-            <a:spLocks noGrp="1"/>
-          </p:cNvSpPr>
-          <p:nvPr>
-            <p:ph type="title"/>
-          </p:nvPr>
-        </p:nvSpPr>
-        <p:spPr>
-          <a:xfrm>
-            <a:off x="1888684" y="1746100"/>
-            <a:ext cx="5377500" cy="1646100"/>
-          </a:xfrm>
-          <a:prstGeom prst="rect">
-            <a:avLst/>
-          </a:prstGeom>
-        </p:spPr>
-        <p:txBody>
-          <a:bodyPr spcFirstLastPara="1" wrap="square" lIns="91425" tIns="91425" rIns="91425" bIns="91425" anchor="ctr" anchorCtr="0">
-            <a:normAutofit/>
-          </a:bodyPr>
-          <a:lstStyle>
-            <a:lvl1pPr lvl="0" algn="ctr">
-              <a:spcBef>
-                <a:spcPts val="0"/>
-              </a:spcBef>
-              <a:spcAft>
-                <a:spcPts val="0"/>
-              </a:spcAft>
-              <a:buClr>
-                <a:schemeClr val="dk2"/>
-              </a:buClr>
-              <a:buSzPts val="3200"/>
-              <a:buNone/>
-              <a:defRPr sz="3200">
-                <a:solidFill>
-                  <a:schemeClr val="dk2"/>
-                </a:solidFill>
-              </a:defRPr>
-            </a:lvl1pPr>
-            <a:lvl2pPr lvl="1" algn="ctr">
-              <a:spcBef>
-                <a:spcPts val="0"/>
-              </a:spcBef>
-              <a:spcAft>
-                <a:spcPts val="0"/>
-              </a:spcAft>
-              <a:buClr>
-                <a:schemeClr val="dk2"/>
-              </a:buClr>
-              <a:buSzPts val="3200"/>
-              <a:buNone/>
-              <a:defRPr sz="3200">
-                <a:solidFill>
-                  <a:schemeClr val="dk2"/>
-                </a:solidFill>
-              </a:defRPr>
-            </a:lvl2pPr>
-            <a:lvl3pPr lvl="2" algn="ctr">
-              <a:spcBef>
-                <a:spcPts val="0"/>
-              </a:spcBef>
-              <a:spcAft>
-                <a:spcPts val="0"/>
-              </a:spcAft>
-              <a:buClr>
-                <a:schemeClr val="dk2"/>
-              </a:buClr>
-              <a:buSzPts val="3200"/>
-              <a:buNone/>
-              <a:defRPr sz="3200">
-                <a:solidFill>
-                  <a:schemeClr val="dk2"/>
-                </a:solidFill>
-              </a:defRPr>
-            </a:lvl3pPr>
-            <a:lvl4pPr lvl="3" algn="ctr">
-              <a:spcBef>
-                <a:spcPts val="0"/>
-              </a:spcBef>
-              <a:spcAft>
-                <a:spcPts val="0"/>
-              </a:spcAft>
-              <a:buClr>
-                <a:schemeClr val="dk2"/>
-              </a:buClr>
-              <a:buSzPts val="3200"/>
-              <a:buNone/>
-              <a:defRPr sz="3200">
-                <a:solidFill>
-                  <a:schemeClr val="dk2"/>
-                </a:solidFill>
-              </a:defRPr>
-            </a:lvl4pPr>
-            <a:lvl5pPr lvl="4" algn="ctr">
-              <a:spcBef>
-                <a:spcPts val="0"/>
-              </a:spcBef>
-              <a:spcAft>
-                <a:spcPts val="0"/>
-              </a:spcAft>
-              <a:buClr>
-                <a:schemeClr val="dk2"/>
-              </a:buClr>
-              <a:buSzPts val="3200"/>
-              <a:buNone/>
-              <a:defRPr sz="3200">
-                <a:solidFill>
-                  <a:schemeClr val="dk2"/>
-                </a:solidFill>
-              </a:defRPr>
-            </a:lvl5pPr>
-            <a:lvl6pPr lvl="5" algn="ctr">
-              <a:spcBef>
-                <a:spcPts val="0"/>
-              </a:spcBef>
-              <a:spcAft>
-                <a:spcPts val="0"/>
-              </a:spcAft>
-              <a:buClr>
-                <a:schemeClr val="dk2"/>
-              </a:buClr>
-              <a:buSzPts val="3200"/>
-              <a:buNone/>
-              <a:defRPr sz="3200">
-                <a:solidFill>
-                  <a:schemeClr val="dk2"/>
-                </a:solidFill>
-              </a:defRPr>
-            </a:lvl6pPr>
-            <a:lvl7pPr lvl="6" algn="ctr">
-              <a:spcBef>
-                <a:spcPts val="0"/>
-              </a:spcBef>
-              <a:spcAft>
-                <a:spcPts val="0"/>
-              </a:spcAft>
-              <a:buClr>
-                <a:schemeClr val="dk2"/>
-              </a:buClr>
-              <a:buSzPts val="3200"/>
-              <a:buNone/>
-              <a:defRPr sz="3200">
-                <a:solidFill>
-                  <a:schemeClr val="dk2"/>
-                </a:solidFill>
-              </a:defRPr>
-            </a:lvl7pPr>
-            <a:lvl8pPr lvl="7" algn="ctr">
-              <a:spcBef>
-                <a:spcPts val="0"/>
-              </a:spcBef>
-              <a:spcAft>
-                <a:spcPts val="0"/>
-              </a:spcAft>
-              <a:buClr>
-                <a:schemeClr val="dk2"/>
-              </a:buClr>
-              <a:buSzPts val="3200"/>
-              <a:buNone/>
-              <a:defRPr sz="3200">
-                <a:solidFill>
-                  <a:schemeClr val="dk2"/>
-                </a:solidFill>
-              </a:defRPr>
-            </a:lvl8pPr>
-            <a:lvl9pPr lvl="8" algn="ctr">
-              <a:spcBef>
-                <a:spcPts val="0"/>
-              </a:spcBef>
-              <a:spcAft>
-                <a:spcPts val="0"/>
-              </a:spcAft>
-              <a:buClr>
-                <a:schemeClr val="dk2"/>
-              </a:buClr>
-              <a:buSzPts val="3200"/>
-              <a:buNone/>
-              <a:defRPr sz="3200">
-                <a:solidFill>
-                  <a:schemeClr val="dk2"/>
-                </a:solidFill>
-              </a:defRPr>
-            </a:lvl9pPr>
-          </a:lstStyle>
-          <a:p>
-            <a:endParaRPr/>
-          </a:p>
-        </p:txBody>
-      </p:sp>
-      <p:sp>
-        <p:nvSpPr>
-          <p:cNvPr id="48" name="Google Shape;48;p3"/>
-          <p:cNvSpPr txBox="1">
-            <a:spLocks noGrp="1"/>
-          </p:cNvSpPr>
-          <p:nvPr>
-            <p:ph type="sldNum" idx="12"/>
-          </p:nvPr>
-        </p:nvSpPr>
-        <p:spPr>
-          <a:xfrm>
-            <a:off x="8390734" y="4543668"/>
-            <a:ext cx="548700" cy="393600"/>
-          </a:xfrm>
-          <a:prstGeom prst="rect">
-            <a:avLst/>
-          </a:prstGeom>
-        </p:spPr>
-        <p:txBody>
-          <a:bodyPr spcFirstLastPara="1" wrap="square" lIns="91425" tIns="91425" rIns="91425" bIns="91425" anchor="ctr" anchorCtr="0">
-            <a:normAutofit/>
-          </a:bodyPr>
-          <a:lstStyle>
-            <a:lvl1pPr lvl="0">
-              <a:buNone/>
-              <a:defRPr/>
-            </a:lvl1pPr>
-            <a:lvl2pPr lvl="1">
-              <a:buNone/>
-              <a:defRPr/>
-            </a:lvl2pPr>
-            <a:lvl3pPr lvl="2">
-              <a:buNone/>
-              <a:defRPr/>
-            </a:lvl3pPr>
-            <a:lvl4pPr lvl="3">
-              <a:buNone/>
-              <a:defRPr/>
-            </a:lvl4pPr>
-            <a:lvl5pPr lvl="4">
-              <a:buNone/>
-              <a:defRPr/>
-            </a:lvl5pPr>
-            <a:lvl6pPr lvl="5">
-              <a:buNone/>
-              <a:defRPr/>
-            </a:lvl6pPr>
-            <a:lvl7pPr lvl="6">
-              <a:buNone/>
-              <a:defRPr/>
-            </a:lvl7pPr>
-            <a:lvl8pPr lvl="7">
-              <a:buNone/>
-              <a:defRPr/>
-            </a:lvl8pPr>
-            <a:lvl9pPr lvl="8">
-              <a:buNone/>
-              <a:defRPr/>
-            </a:lvl9pPr>
-          </a:lstStyle>
-          <a:p>
-            <a:pPr marL="0" lvl="0" indent="0" algn="r" rtl="0">
-              <a:spcBef>
-                <a:spcPts val="0"/>
-              </a:spcBef>
-              <a:spcAft>
-                <a:spcPts val="0"/>
-              </a:spcAft>
-              <a:buNone/>
-            </a:pPr>
-            <a:fld id="{00000000-1234-1234-1234-123412341234}" type="slidenum">
-              <a:rPr lang="es"/>
-              <a:t>‹Nº›</a:t>
-            </a:fld>
-            <a:endParaRPr/>
-          </a:p>
-        </p:txBody>
-      </p:sp>
-    </p:spTree>
-  </p:cSld>
-  <p:clrMapOvr>
-    <a:masterClrMapping/>
-  </p:clrMapOvr>
-</p:sldLayout>
-</file>
-
-<file path=ppt/slideLayouts/slideLayout3.xml><?xml version="1.0" encoding="utf-8"?>
-<p:sldLayout xmlns:a="http://schemas.openxmlformats.org/drawingml/2006/main" xmlns:r="http://schemas.openxmlformats.org/officeDocument/2006/relationships" xmlns:p="http://schemas.openxmlformats.org/presentationml/2006/main" matchingName="Title and body" type="tx">
-  <p:cSld name="TITLE_AND_BODY">
-    <p:bg>
-      <p:bgPr>
-        <a:solidFill>
-          <a:schemeClr val="dk2"/>
-        </a:solidFill>
-        <a:effectLst/>
-      </p:bgPr>
-    </p:bg>
-    <p:spTree>
-      <p:nvGrpSpPr>
-        <p:cNvPr id="1" name="Shape 49"/>
-        <p:cNvGrpSpPr/>
-        <p:nvPr/>
-      </p:nvGrpSpPr>
-      <p:grpSpPr>
-        <a:xfrm>
-          <a:off x="0" y="0"/>
-          <a:ext cx="0" cy="0"/>
-          <a:chOff x="0" y="0"/>
-          <a:chExt cx="0" cy="0"/>
-        </a:xfrm>
-      </p:grpSpPr>
-      <p:sp>
-        <p:nvSpPr>
-          <p:cNvPr id="50" name="Google Shape;50;p4"/>
-          <p:cNvSpPr/>
-          <p:nvPr/>
-        </p:nvSpPr>
-        <p:spPr>
-          <a:xfrm flipH="1">
-            <a:off x="3582600" y="1550700"/>
-            <a:ext cx="5561400" cy="3592800"/>
-          </a:xfrm>
-          <a:prstGeom prst="rtTriangle">
-            <a:avLst/>
-          </a:prstGeom>
-          <a:solidFill>
-            <a:schemeClr val="lt2"/>
-          </a:solidFill>
-          <a:ln>
-            <a:noFill/>
-          </a:ln>
-        </p:spPr>
-        <p:txBody>
-          <a:bodyPr spcFirstLastPara="1" wrap="square" lIns="91425" tIns="91425" rIns="91425" bIns="91425" anchor="ctr" anchorCtr="0">
-            <a:noAutofit/>
-          </a:bodyPr>
-          <a:lstStyle/>
-          <a:p>
-            <a:pPr marL="0" lvl="0" indent="0" algn="l" rtl="0">
-              <a:spcBef>
-                <a:spcPts val="0"/>
-              </a:spcBef>
-              <a:spcAft>
-                <a:spcPts val="0"/>
-              </a:spcAft>
-              <a:buNone/>
-            </a:pPr>
-            <a:endParaRPr/>
-          </a:p>
-        </p:txBody>
-      </p:sp>
-      <p:sp>
-        <p:nvSpPr>
-          <p:cNvPr id="51" name="Google Shape;51;p4"/>
-          <p:cNvSpPr/>
-          <p:nvPr/>
-        </p:nvSpPr>
-        <p:spPr>
-          <a:xfrm>
-            <a:off x="31" y="2824500"/>
-            <a:ext cx="7370400" cy="2319000"/>
-          </a:xfrm>
-          <a:prstGeom prst="rtTriangle">
-            <a:avLst/>
-          </a:prstGeom>
-          <a:solidFill>
-            <a:schemeClr val="accent3"/>
-          </a:solidFill>
-          <a:ln>
-            <a:noFill/>
-          </a:ln>
-        </p:spPr>
-        <p:txBody>
-          <a:bodyPr spcFirstLastPara="1" wrap="square" lIns="91425" tIns="91425" rIns="91425" bIns="91425" anchor="ctr" anchorCtr="0">
-            <a:noAutofit/>
-          </a:bodyPr>
-          <a:lstStyle/>
-          <a:p>
-            <a:pPr marL="0" lvl="0" indent="0" algn="l" rtl="0">
-              <a:spcBef>
-                <a:spcPts val="0"/>
-              </a:spcBef>
-              <a:spcAft>
-                <a:spcPts val="0"/>
-              </a:spcAft>
-              <a:buNone/>
-            </a:pPr>
-            <a:endParaRPr/>
-          </a:p>
-        </p:txBody>
-      </p:sp>
-      <p:sp>
-        <p:nvSpPr>
-          <p:cNvPr id="52" name="Google Shape;52;p4"/>
-          <p:cNvSpPr/>
-          <p:nvPr/>
-        </p:nvSpPr>
-        <p:spPr>
-          <a:xfrm>
-            <a:off x="203225" y="206250"/>
-            <a:ext cx="8737500" cy="4731000"/>
-          </a:xfrm>
-          <a:prstGeom prst="rect">
-            <a:avLst/>
-          </a:prstGeom>
-          <a:solidFill>
-            <a:schemeClr val="dk1"/>
-          </a:solidFill>
-          <a:ln>
-            <a:noFill/>
-          </a:ln>
-          <a:effectLst>
-            <a:outerShdw blurRad="228600" sx="101000" sy="101000" algn="ctr" rotWithShape="0">
-              <a:srgbClr val="000000">
-                <a:alpha val="40000"/>
-              </a:srgbClr>
-            </a:outerShdw>
-          </a:effectLst>
-        </p:spPr>
-        <p:txBody>
-          <a:bodyPr spcFirstLastPara="1" wrap="square" lIns="91425" tIns="91425" rIns="91425" bIns="91425" anchor="ctr" anchorCtr="0">
-            <a:noAutofit/>
-          </a:bodyPr>
-          <a:lstStyle/>
-          <a:p>
-            <a:pPr marL="0" lvl="0" indent="0" algn="l" rtl="0">
-              <a:spcBef>
-                <a:spcPts val="0"/>
-              </a:spcBef>
-              <a:spcAft>
-                <a:spcPts val="0"/>
-              </a:spcAft>
-              <a:buNone/>
-            </a:pPr>
-            <a:endParaRPr/>
-          </a:p>
-        </p:txBody>
-      </p:sp>
-      <p:sp>
-        <p:nvSpPr>
-          <p:cNvPr id="53" name="Google Shape;53;p4"/>
-          <p:cNvSpPr txBox="1">
-            <a:spLocks noGrp="1"/>
-          </p:cNvSpPr>
-          <p:nvPr>
-            <p:ph type="title"/>
-          </p:nvPr>
-        </p:nvSpPr>
-        <p:spPr>
-          <a:xfrm>
-            <a:off x="819150" y="845600"/>
-            <a:ext cx="7505700" cy="954600"/>
-          </a:xfrm>
-          <a:prstGeom prst="rect">
-            <a:avLst/>
-          </a:prstGeom>
-        </p:spPr>
-        <p:txBody>
-          <a:bodyPr spcFirstLastPara="1" wrap="square" lIns="91425" tIns="91425" rIns="91425" bIns="91425" anchor="t" anchorCtr="0">
-            <a:normAutofit/>
-          </a:bodyPr>
-          <a:lstStyle>
-            <a:lvl1pPr lvl="0">
-              <a:spcBef>
-                <a:spcPts val="0"/>
-              </a:spcBef>
-              <a:spcAft>
-                <a:spcPts val="0"/>
-              </a:spcAft>
-              <a:buSzPts val="3000"/>
-              <a:buNone/>
-              <a:defRPr sz="3000"/>
-            </a:lvl1pPr>
-            <a:lvl2pPr lvl="1">
-              <a:spcBef>
-                <a:spcPts val="0"/>
-              </a:spcBef>
-              <a:spcAft>
-                <a:spcPts val="0"/>
-              </a:spcAft>
-              <a:buSzPts val="3000"/>
-              <a:buNone/>
-              <a:defRPr sz="3000"/>
-            </a:lvl2pPr>
-            <a:lvl3pPr lvl="2">
-              <a:spcBef>
-                <a:spcPts val="0"/>
-              </a:spcBef>
-              <a:spcAft>
-                <a:spcPts val="0"/>
-              </a:spcAft>
-              <a:buSzPts val="3000"/>
-              <a:buNone/>
-              <a:defRPr sz="3000"/>
-            </a:lvl3pPr>
-            <a:lvl4pPr lvl="3">
-              <a:spcBef>
-                <a:spcPts val="0"/>
-              </a:spcBef>
-              <a:spcAft>
-                <a:spcPts val="0"/>
-              </a:spcAft>
-              <a:buSzPts val="3000"/>
-              <a:buNone/>
-              <a:defRPr sz="3000"/>
-            </a:lvl4pPr>
-            <a:lvl5pPr lvl="4">
-              <a:spcBef>
-                <a:spcPts val="0"/>
-              </a:spcBef>
-              <a:spcAft>
-                <a:spcPts val="0"/>
-              </a:spcAft>
-              <a:buSzPts val="3000"/>
-              <a:buNone/>
-              <a:defRPr sz="3000"/>
-            </a:lvl5pPr>
-            <a:lvl6pPr lvl="5">
-              <a:spcBef>
-                <a:spcPts val="0"/>
-              </a:spcBef>
-              <a:spcAft>
-                <a:spcPts val="0"/>
-              </a:spcAft>
-              <a:buSzPts val="3000"/>
-              <a:buNone/>
-              <a:defRPr sz="3000"/>
-            </a:lvl6pPr>
-            <a:lvl7pPr lvl="6">
-              <a:spcBef>
-                <a:spcPts val="0"/>
-              </a:spcBef>
-              <a:spcAft>
-                <a:spcPts val="0"/>
-              </a:spcAft>
-              <a:buSzPts val="3000"/>
-              <a:buNone/>
-              <a:defRPr sz="3000"/>
-            </a:lvl7pPr>
-            <a:lvl8pPr lvl="7">
-              <a:spcBef>
-                <a:spcPts val="0"/>
-              </a:spcBef>
-              <a:spcAft>
-                <a:spcPts val="0"/>
-              </a:spcAft>
-              <a:buSzPts val="3000"/>
-              <a:buNone/>
-              <a:defRPr sz="3000"/>
-            </a:lvl8pPr>
-            <a:lvl9pPr lvl="8">
-              <a:spcBef>
-                <a:spcPts val="0"/>
-              </a:spcBef>
-              <a:spcAft>
-                <a:spcPts val="0"/>
-              </a:spcAft>
-              <a:buSzPts val="3000"/>
-              <a:buNone/>
-              <a:defRPr sz="3000"/>
-            </a:lvl9pPr>
-          </a:lstStyle>
-          <a:p>
-            <a:endParaRPr/>
-          </a:p>
-        </p:txBody>
-      </p:sp>
-      <p:sp>
-        <p:nvSpPr>
-          <p:cNvPr id="54" name="Google Shape;54;p4"/>
-          <p:cNvSpPr txBox="1">
-            <a:spLocks noGrp="1"/>
-          </p:cNvSpPr>
-          <p:nvPr>
-            <p:ph type="body" idx="1"/>
-          </p:nvPr>
-        </p:nvSpPr>
-        <p:spPr>
-          <a:xfrm>
-            <a:off x="819150" y="1990725"/>
-            <a:ext cx="7505700" cy="2448000"/>
-          </a:xfrm>
-          <a:prstGeom prst="rect">
-            <a:avLst/>
-          </a:prstGeom>
-        </p:spPr>
-        <p:txBody>
-          <a:bodyPr spcFirstLastPara="1" wrap="square" lIns="91425" tIns="91425" rIns="91425" bIns="91425" anchor="t" anchorCtr="0">
-            <a:normAutofit/>
-          </a:bodyPr>
-          <a:lstStyle>
-            <a:lvl1pPr marL="457200" lvl="0" indent="-311150">
-              <a:spcBef>
-                <a:spcPts val="0"/>
-              </a:spcBef>
-              <a:spcAft>
-                <a:spcPts val="0"/>
-              </a:spcAft>
-              <a:buSzPts val="1300"/>
-              <a:buChar char="●"/>
-              <a:defRPr/>
-            </a:lvl1pPr>
-            <a:lvl2pPr marL="914400" lvl="1" indent="-298450">
-              <a:spcBef>
-                <a:spcPts val="0"/>
-              </a:spcBef>
-              <a:spcAft>
-                <a:spcPts val="0"/>
-              </a:spcAft>
-              <a:buSzPts val="1100"/>
-              <a:buChar char="○"/>
-              <a:defRPr/>
-            </a:lvl2pPr>
-            <a:lvl3pPr marL="1371600" lvl="2" indent="-298450">
-              <a:spcBef>
-                <a:spcPts val="0"/>
-              </a:spcBef>
-              <a:spcAft>
-                <a:spcPts val="0"/>
-              </a:spcAft>
-              <a:buSzPts val="1100"/>
-              <a:buChar char="■"/>
-              <a:defRPr/>
-            </a:lvl3pPr>
-            <a:lvl4pPr marL="1828800" lvl="3" indent="-298450">
-              <a:spcBef>
-                <a:spcPts val="0"/>
-              </a:spcBef>
-              <a:spcAft>
-                <a:spcPts val="0"/>
-              </a:spcAft>
-              <a:buSzPts val="1100"/>
-              <a:buChar char="●"/>
-              <a:defRPr/>
-            </a:lvl4pPr>
-            <a:lvl5pPr marL="2286000" lvl="4" indent="-298450">
-              <a:spcBef>
-                <a:spcPts val="0"/>
-              </a:spcBef>
-              <a:spcAft>
-                <a:spcPts val="0"/>
-              </a:spcAft>
-              <a:buSzPts val="1100"/>
-              <a:buChar char="○"/>
-              <a:defRPr/>
-            </a:lvl5pPr>
-            <a:lvl6pPr marL="2743200" lvl="5" indent="-298450">
-              <a:spcBef>
-                <a:spcPts val="0"/>
-              </a:spcBef>
-              <a:spcAft>
-                <a:spcPts val="0"/>
-              </a:spcAft>
-              <a:buSzPts val="1100"/>
-              <a:buChar char="■"/>
-              <a:defRPr/>
-            </a:lvl6pPr>
-            <a:lvl7pPr marL="3200400" lvl="6" indent="-298450">
-              <a:spcBef>
-                <a:spcPts val="0"/>
-              </a:spcBef>
-              <a:spcAft>
-                <a:spcPts val="0"/>
-              </a:spcAft>
-              <a:buSzPts val="1100"/>
-              <a:buChar char="●"/>
-              <a:defRPr/>
-            </a:lvl7pPr>
-            <a:lvl8pPr marL="3657600" lvl="7" indent="-298450">
-              <a:spcBef>
-                <a:spcPts val="0"/>
-              </a:spcBef>
-              <a:spcAft>
-                <a:spcPts val="0"/>
-              </a:spcAft>
-              <a:buSzPts val="1100"/>
-              <a:buChar char="○"/>
-              <a:defRPr/>
-            </a:lvl8pPr>
-            <a:lvl9pPr marL="4114800" lvl="8" indent="-298450">
-              <a:spcBef>
-                <a:spcPts val="0"/>
-              </a:spcBef>
-              <a:spcAft>
-                <a:spcPts val="0"/>
-              </a:spcAft>
-              <a:buSzPts val="1100"/>
-              <a:buChar char="■"/>
-              <a:defRPr/>
-            </a:lvl9pPr>
-          </a:lstStyle>
-          <a:p>
-            <a:endParaRPr/>
-          </a:p>
-        </p:txBody>
-      </p:sp>
-      <p:sp>
-        <p:nvSpPr>
-          <p:cNvPr id="55" name="Google Shape;55;p4"/>
-          <p:cNvSpPr txBox="1">
-            <a:spLocks noGrp="1"/>
-          </p:cNvSpPr>
-          <p:nvPr>
-            <p:ph type="sldNum" idx="12"/>
-          </p:nvPr>
-        </p:nvSpPr>
-        <p:spPr>
-          <a:xfrm>
-            <a:off x="8390734" y="4543668"/>
-            <a:ext cx="548700" cy="393600"/>
-          </a:xfrm>
-          <a:prstGeom prst="rect">
-            <a:avLst/>
-          </a:prstGeom>
-        </p:spPr>
-        <p:txBody>
-          <a:bodyPr spcFirstLastPara="1" wrap="square" lIns="91425" tIns="91425" rIns="91425" bIns="91425" anchor="ctr" anchorCtr="0">
-            <a:normAutofit/>
-          </a:bodyPr>
-          <a:lstStyle>
-            <a:lvl1pPr lvl="0">
-              <a:buNone/>
-              <a:defRPr/>
-            </a:lvl1pPr>
-            <a:lvl2pPr lvl="1">
-              <a:buNone/>
-              <a:defRPr/>
-            </a:lvl2pPr>
-            <a:lvl3pPr lvl="2">
-              <a:buNone/>
-              <a:defRPr/>
-            </a:lvl3pPr>
-            <a:lvl4pPr lvl="3">
-              <a:buNone/>
-              <a:defRPr/>
-            </a:lvl4pPr>
-            <a:lvl5pPr lvl="4">
-              <a:buNone/>
-              <a:defRPr/>
-            </a:lvl5pPr>
-            <a:lvl6pPr lvl="5">
-              <a:buNone/>
-              <a:defRPr/>
-            </a:lvl6pPr>
-            <a:lvl7pPr lvl="6">
-              <a:buNone/>
-              <a:defRPr/>
-            </a:lvl7pPr>
-            <a:lvl8pPr lvl="7">
-              <a:buNone/>
-              <a:defRPr/>
-            </a:lvl8pPr>
-            <a:lvl9pPr lvl="8">
-              <a:buNone/>
-              <a:defRPr/>
-            </a:lvl9pPr>
-          </a:lstStyle>
-          <a:p>
-            <a:pPr marL="0" lvl="0" indent="0" algn="r" rtl="0">
-              <a:spcBef>
-                <a:spcPts val="0"/>
-              </a:spcBef>
-              <a:spcAft>
-                <a:spcPts val="0"/>
-              </a:spcAft>
-              <a:buNone/>
-            </a:pPr>
-            <a:fld id="{00000000-1234-1234-1234-123412341234}" type="slidenum">
-              <a:rPr lang="es"/>
-              <a:t>‹Nº›</a:t>
-            </a:fld>
-            <a:endParaRPr/>
-          </a:p>
-        </p:txBody>
-      </p:sp>
-    </p:spTree>
-  </p:cSld>
-  <p:clrMapOvr>
-    <a:masterClrMapping/>
-  </p:clrMapOvr>
-</p:sldLayout>
-</file>
-
-<file path=ppt/slideLayouts/slideLayout4.xml><?xml version="1.0" encoding="utf-8"?>
-<p:sldLayout xmlns:a="http://schemas.openxmlformats.org/drawingml/2006/main" xmlns:r="http://schemas.openxmlformats.org/officeDocument/2006/relationships" xmlns:p="http://schemas.openxmlformats.org/presentationml/2006/main" matchingName="Title and two columns" type="twoColTx">
-  <p:cSld name="TITLE_AND_TWO_COLUMNS">
-    <p:bg>
-      <p:bgPr>
-        <a:solidFill>
-          <a:schemeClr val="dk2"/>
-        </a:solidFill>
-        <a:effectLst/>
-      </p:bgPr>
-    </p:bg>
-    <p:spTree>
-      <p:nvGrpSpPr>
-        <p:cNvPr id="1" name="Shape 56"/>
-        <p:cNvGrpSpPr/>
-        <p:nvPr/>
-      </p:nvGrpSpPr>
-      <p:grpSpPr>
-        <a:xfrm>
-          <a:off x="0" y="0"/>
-          <a:ext cx="0" cy="0"/>
-          <a:chOff x="0" y="0"/>
-          <a:chExt cx="0" cy="0"/>
-        </a:xfrm>
-      </p:grpSpPr>
-      <p:sp>
-        <p:nvSpPr>
-          <p:cNvPr id="57" name="Google Shape;57;p5"/>
-          <p:cNvSpPr/>
-          <p:nvPr/>
-        </p:nvSpPr>
-        <p:spPr>
-          <a:xfrm flipH="1">
-            <a:off x="3582600" y="1550700"/>
-            <a:ext cx="5561400" cy="3592800"/>
-          </a:xfrm>
-          <a:prstGeom prst="rtTriangle">
-            <a:avLst/>
-          </a:prstGeom>
-          <a:solidFill>
-            <a:schemeClr val="lt2"/>
-          </a:solidFill>
-          <a:ln>
-            <a:noFill/>
-          </a:ln>
-        </p:spPr>
-        <p:txBody>
-          <a:bodyPr spcFirstLastPara="1" wrap="square" lIns="91425" tIns="91425" rIns="91425" bIns="91425" anchor="ctr" anchorCtr="0">
-            <a:noAutofit/>
-          </a:bodyPr>
-          <a:lstStyle/>
-          <a:p>
-            <a:pPr marL="0" lvl="0" indent="0" algn="l" rtl="0">
-              <a:spcBef>
-                <a:spcPts val="0"/>
-              </a:spcBef>
-              <a:spcAft>
-                <a:spcPts val="0"/>
-              </a:spcAft>
-              <a:buNone/>
-            </a:pPr>
-            <a:endParaRPr/>
-          </a:p>
-        </p:txBody>
-      </p:sp>
-      <p:sp>
-        <p:nvSpPr>
-          <p:cNvPr id="58" name="Google Shape;58;p5"/>
-          <p:cNvSpPr/>
-          <p:nvPr/>
-        </p:nvSpPr>
-        <p:spPr>
-          <a:xfrm>
-            <a:off x="31" y="2824500"/>
-            <a:ext cx="7370400" cy="2319000"/>
-          </a:xfrm>
-          <a:prstGeom prst="rtTriangle">
-            <a:avLst/>
-          </a:prstGeom>
-          <a:solidFill>
-            <a:schemeClr val="accent3"/>
-          </a:solidFill>
-          <a:ln>
-            <a:noFill/>
-          </a:ln>
-        </p:spPr>
-        <p:txBody>
-          <a:bodyPr spcFirstLastPara="1" wrap="square" lIns="91425" tIns="91425" rIns="91425" bIns="91425" anchor="ctr" anchorCtr="0">
-            <a:noAutofit/>
-          </a:bodyPr>
-          <a:lstStyle/>
-          <a:p>
-            <a:pPr marL="0" lvl="0" indent="0" algn="l" rtl="0">
-              <a:spcBef>
-                <a:spcPts val="0"/>
-              </a:spcBef>
-              <a:spcAft>
-                <a:spcPts val="0"/>
-              </a:spcAft>
-              <a:buNone/>
-            </a:pPr>
-            <a:endParaRPr/>
-          </a:p>
-        </p:txBody>
-      </p:sp>
-      <p:sp>
-        <p:nvSpPr>
-          <p:cNvPr id="59" name="Google Shape;59;p5"/>
-          <p:cNvSpPr/>
-          <p:nvPr/>
-        </p:nvSpPr>
-        <p:spPr>
-          <a:xfrm>
-            <a:off x="203225" y="206250"/>
-            <a:ext cx="8737500" cy="4731000"/>
-          </a:xfrm>
-          <a:prstGeom prst="rect">
-            <a:avLst/>
-          </a:prstGeom>
-          <a:solidFill>
-            <a:schemeClr val="dk1"/>
-          </a:solidFill>
-          <a:ln>
-            <a:noFill/>
-          </a:ln>
-          <a:effectLst>
-            <a:outerShdw blurRad="228600" sx="101000" sy="101000" algn="ctr" rotWithShape="0">
-              <a:srgbClr val="000000">
-                <a:alpha val="40000"/>
-              </a:srgbClr>
-            </a:outerShdw>
-          </a:effectLst>
-        </p:spPr>
-        <p:txBody>
-          <a:bodyPr spcFirstLastPara="1" wrap="square" lIns="91425" tIns="91425" rIns="91425" bIns="91425" anchor="ctr" anchorCtr="0">
-            <a:noAutofit/>
-          </a:bodyPr>
-          <a:lstStyle/>
-          <a:p>
-            <a:pPr marL="0" lvl="0" indent="0" algn="l" rtl="0">
-              <a:spcBef>
-                <a:spcPts val="0"/>
-              </a:spcBef>
-              <a:spcAft>
-                <a:spcPts val="0"/>
-              </a:spcAft>
-              <a:buNone/>
-            </a:pPr>
-            <a:endParaRPr/>
-          </a:p>
-        </p:txBody>
-      </p:sp>
-      <p:sp>
-        <p:nvSpPr>
-          <p:cNvPr id="60" name="Google Shape;60;p5"/>
-          <p:cNvSpPr txBox="1">
-            <a:spLocks noGrp="1"/>
-          </p:cNvSpPr>
-          <p:nvPr>
-            <p:ph type="title"/>
-          </p:nvPr>
-        </p:nvSpPr>
-        <p:spPr>
-          <a:xfrm>
-            <a:off x="819150" y="845600"/>
-            <a:ext cx="7505700" cy="954600"/>
-          </a:xfrm>
-          <a:prstGeom prst="rect">
-            <a:avLst/>
-          </a:prstGeom>
-        </p:spPr>
-        <p:txBody>
-          <a:bodyPr spcFirstLastPara="1" wrap="square" lIns="91425" tIns="91425" rIns="91425" bIns="91425" anchor="t" anchorCtr="0">
-            <a:normAutofit/>
-          </a:bodyPr>
-          <a:lstStyle>
-            <a:lvl1pPr lvl="0">
-              <a:spcBef>
-                <a:spcPts val="0"/>
-              </a:spcBef>
-              <a:spcAft>
-                <a:spcPts val="0"/>
-              </a:spcAft>
-              <a:buSzPts val="3000"/>
-              <a:buNone/>
-              <a:defRPr sz="3000"/>
-            </a:lvl1pPr>
-            <a:lvl2pPr lvl="1">
-              <a:spcBef>
-                <a:spcPts val="0"/>
-              </a:spcBef>
-              <a:spcAft>
-                <a:spcPts val="0"/>
-              </a:spcAft>
-              <a:buSzPts val="3000"/>
-              <a:buNone/>
-              <a:defRPr sz="3000"/>
-            </a:lvl2pPr>
-            <a:lvl3pPr lvl="2">
-              <a:spcBef>
-                <a:spcPts val="0"/>
-              </a:spcBef>
-              <a:spcAft>
-                <a:spcPts val="0"/>
-              </a:spcAft>
-              <a:buSzPts val="3000"/>
-              <a:buNone/>
-              <a:defRPr sz="3000"/>
-            </a:lvl3pPr>
-            <a:lvl4pPr lvl="3">
-              <a:spcBef>
-                <a:spcPts val="0"/>
-              </a:spcBef>
-              <a:spcAft>
-                <a:spcPts val="0"/>
-              </a:spcAft>
-              <a:buSzPts val="3000"/>
-              <a:buNone/>
-              <a:defRPr sz="3000"/>
-            </a:lvl4pPr>
-            <a:lvl5pPr lvl="4">
-              <a:spcBef>
-                <a:spcPts val="0"/>
-              </a:spcBef>
-              <a:spcAft>
-                <a:spcPts val="0"/>
-              </a:spcAft>
-              <a:buSzPts val="3000"/>
-              <a:buNone/>
-              <a:defRPr sz="3000"/>
-            </a:lvl5pPr>
-            <a:lvl6pPr lvl="5">
-              <a:spcBef>
-                <a:spcPts val="0"/>
-              </a:spcBef>
-              <a:spcAft>
-                <a:spcPts val="0"/>
-              </a:spcAft>
-              <a:buSzPts val="3000"/>
-              <a:buNone/>
-              <a:defRPr sz="3000"/>
-            </a:lvl6pPr>
-            <a:lvl7pPr lvl="6">
-              <a:spcBef>
-                <a:spcPts val="0"/>
-              </a:spcBef>
-              <a:spcAft>
-                <a:spcPts val="0"/>
-              </a:spcAft>
-              <a:buSzPts val="3000"/>
-              <a:buNone/>
-              <a:defRPr sz="3000"/>
-            </a:lvl7pPr>
-            <a:lvl8pPr lvl="7">
-              <a:spcBef>
-                <a:spcPts val="0"/>
-              </a:spcBef>
-              <a:spcAft>
-                <a:spcPts val="0"/>
-              </a:spcAft>
-              <a:buSzPts val="3000"/>
-              <a:buNone/>
-              <a:defRPr sz="3000"/>
-            </a:lvl8pPr>
-            <a:lvl9pPr lvl="8">
-              <a:spcBef>
-                <a:spcPts val="0"/>
-              </a:spcBef>
-              <a:spcAft>
-                <a:spcPts val="0"/>
-              </a:spcAft>
-              <a:buSzPts val="3000"/>
-              <a:buNone/>
-              <a:defRPr sz="3000"/>
-            </a:lvl9pPr>
-          </a:lstStyle>
-          <a:p>
-            <a:endParaRPr/>
-          </a:p>
-        </p:txBody>
-      </p:sp>
-      <p:sp>
-        <p:nvSpPr>
-          <p:cNvPr id="61" name="Google Shape;61;p5"/>
-          <p:cNvSpPr txBox="1">
-            <a:spLocks noGrp="1"/>
-          </p:cNvSpPr>
-          <p:nvPr>
-            <p:ph type="body" idx="1"/>
-          </p:nvPr>
-        </p:nvSpPr>
-        <p:spPr>
-          <a:xfrm>
-            <a:off x="819150" y="1990725"/>
-            <a:ext cx="3686100" cy="2448000"/>
-          </a:xfrm>
-          <a:prstGeom prst="rect">
-            <a:avLst/>
-          </a:prstGeom>
-        </p:spPr>
-        <p:txBody>
-          <a:bodyPr spcFirstLastPara="1" wrap="square" lIns="91425" tIns="91425" rIns="91425" bIns="91425" anchor="t" anchorCtr="0">
-            <a:normAutofit/>
-          </a:bodyPr>
-          <a:lstStyle>
-            <a:lvl1pPr marL="457200" lvl="0" indent="-311150">
-              <a:spcBef>
-                <a:spcPts val="0"/>
-              </a:spcBef>
-              <a:spcAft>
-                <a:spcPts val="0"/>
-              </a:spcAft>
-              <a:buSzPts val="1300"/>
-              <a:buChar char="●"/>
-              <a:defRPr/>
-            </a:lvl1pPr>
-            <a:lvl2pPr marL="914400" lvl="1" indent="-298450">
-              <a:spcBef>
-                <a:spcPts val="0"/>
-              </a:spcBef>
-              <a:spcAft>
-                <a:spcPts val="0"/>
-              </a:spcAft>
-              <a:buSzPts val="1100"/>
-              <a:buChar char="○"/>
-              <a:defRPr/>
-            </a:lvl2pPr>
-            <a:lvl3pPr marL="1371600" lvl="2" indent="-298450">
-              <a:spcBef>
-                <a:spcPts val="0"/>
-              </a:spcBef>
-              <a:spcAft>
-                <a:spcPts val="0"/>
-              </a:spcAft>
-              <a:buSzPts val="1100"/>
-              <a:buChar char="■"/>
-              <a:defRPr/>
-            </a:lvl3pPr>
-            <a:lvl4pPr marL="1828800" lvl="3" indent="-298450">
-              <a:spcBef>
-                <a:spcPts val="0"/>
-              </a:spcBef>
-              <a:spcAft>
-                <a:spcPts val="0"/>
-              </a:spcAft>
-              <a:buSzPts val="1100"/>
-              <a:buChar char="●"/>
-              <a:defRPr/>
-            </a:lvl4pPr>
-            <a:lvl5pPr marL="2286000" lvl="4" indent="-298450">
-              <a:spcBef>
-                <a:spcPts val="0"/>
-              </a:spcBef>
-              <a:spcAft>
-                <a:spcPts val="0"/>
-              </a:spcAft>
-              <a:buSzPts val="1100"/>
-              <a:buChar char="○"/>
-              <a:defRPr/>
-            </a:lvl5pPr>
-            <a:lvl6pPr marL="2743200" lvl="5" indent="-298450">
-              <a:spcBef>
-                <a:spcPts val="0"/>
-              </a:spcBef>
-              <a:spcAft>
-                <a:spcPts val="0"/>
-              </a:spcAft>
-              <a:buSzPts val="1100"/>
-              <a:buChar char="■"/>
-              <a:defRPr/>
-            </a:lvl6pPr>
-            <a:lvl7pPr marL="3200400" lvl="6" indent="-298450">
-              <a:spcBef>
-                <a:spcPts val="0"/>
-              </a:spcBef>
-              <a:spcAft>
-                <a:spcPts val="0"/>
-              </a:spcAft>
-              <a:buSzPts val="1100"/>
-              <a:buChar char="●"/>
-              <a:defRPr/>
-            </a:lvl7pPr>
-            <a:lvl8pPr marL="3657600" lvl="7" indent="-298450">
-              <a:spcBef>
-                <a:spcPts val="0"/>
-              </a:spcBef>
-              <a:spcAft>
-                <a:spcPts val="0"/>
-              </a:spcAft>
-              <a:buSzPts val="1100"/>
-              <a:buChar char="○"/>
-              <a:defRPr/>
-            </a:lvl8pPr>
-            <a:lvl9pPr marL="4114800" lvl="8" indent="-298450">
-              <a:spcBef>
-                <a:spcPts val="0"/>
-              </a:spcBef>
-              <a:spcAft>
-                <a:spcPts val="0"/>
-              </a:spcAft>
-              <a:buSzPts val="1100"/>
-              <a:buChar char="■"/>
-              <a:defRPr/>
-            </a:lvl9pPr>
-          </a:lstStyle>
-          <a:p>
-            <a:endParaRPr/>
-          </a:p>
-        </p:txBody>
-      </p:sp>
-      <p:sp>
-        <p:nvSpPr>
-          <p:cNvPr id="62" name="Google Shape;62;p5"/>
-          <p:cNvSpPr txBox="1">
-            <a:spLocks noGrp="1"/>
-          </p:cNvSpPr>
-          <p:nvPr>
-            <p:ph type="body" idx="2"/>
-          </p:nvPr>
-        </p:nvSpPr>
-        <p:spPr>
-          <a:xfrm>
-            <a:off x="4638675" y="1990725"/>
-            <a:ext cx="3686100" cy="2448000"/>
-          </a:xfrm>
-          <a:prstGeom prst="rect">
-            <a:avLst/>
-          </a:prstGeom>
-        </p:spPr>
-        <p:txBody>
-          <a:bodyPr spcFirstLastPara="1" wrap="square" lIns="91425" tIns="91425" rIns="91425" bIns="91425" anchor="t" anchorCtr="0">
-            <a:normAutofit/>
-          </a:bodyPr>
-          <a:lstStyle>
-            <a:lvl1pPr marL="457200" lvl="0" indent="-311150">
-              <a:spcBef>
-                <a:spcPts val="0"/>
-              </a:spcBef>
-              <a:spcAft>
-                <a:spcPts val="0"/>
-              </a:spcAft>
-              <a:buSzPts val="1300"/>
-              <a:buChar char="●"/>
-              <a:defRPr/>
-            </a:lvl1pPr>
-            <a:lvl2pPr marL="914400" lvl="1" indent="-298450">
-              <a:spcBef>
-                <a:spcPts val="0"/>
-              </a:spcBef>
-              <a:spcAft>
-                <a:spcPts val="0"/>
-              </a:spcAft>
-              <a:buSzPts val="1100"/>
-              <a:buChar char="○"/>
-              <a:defRPr/>
-            </a:lvl2pPr>
-            <a:lvl3pPr marL="1371600" lvl="2" indent="-298450">
-              <a:spcBef>
-                <a:spcPts val="0"/>
-              </a:spcBef>
-              <a:spcAft>
-                <a:spcPts val="0"/>
-              </a:spcAft>
-              <a:buSzPts val="1100"/>
-              <a:buChar char="■"/>
-              <a:defRPr/>
-            </a:lvl3pPr>
-            <a:lvl4pPr marL="1828800" lvl="3" indent="-298450">
-              <a:spcBef>
-                <a:spcPts val="0"/>
-              </a:spcBef>
-              <a:spcAft>
-                <a:spcPts val="0"/>
-              </a:spcAft>
-              <a:buSzPts val="1100"/>
-              <a:buChar char="●"/>
-              <a:defRPr/>
-            </a:lvl4pPr>
-            <a:lvl5pPr marL="2286000" lvl="4" indent="-298450">
-              <a:spcBef>
-                <a:spcPts val="0"/>
-              </a:spcBef>
-              <a:spcAft>
-                <a:spcPts val="0"/>
-              </a:spcAft>
-              <a:buSzPts val="1100"/>
-              <a:buChar char="○"/>
-              <a:defRPr/>
-            </a:lvl5pPr>
-            <a:lvl6pPr marL="2743200" lvl="5" indent="-298450">
-              <a:spcBef>
-                <a:spcPts val="0"/>
-              </a:spcBef>
-              <a:spcAft>
-                <a:spcPts val="0"/>
-              </a:spcAft>
-              <a:buSzPts val="1100"/>
-              <a:buChar char="■"/>
-              <a:defRPr/>
-            </a:lvl6pPr>
-            <a:lvl7pPr marL="3200400" lvl="6" indent="-298450">
-              <a:spcBef>
-                <a:spcPts val="0"/>
-              </a:spcBef>
-              <a:spcAft>
-                <a:spcPts val="0"/>
-              </a:spcAft>
-              <a:buSzPts val="1100"/>
-              <a:buChar char="●"/>
-              <a:defRPr/>
-            </a:lvl7pPr>
-            <a:lvl8pPr marL="3657600" lvl="7" indent="-298450">
-              <a:spcBef>
-                <a:spcPts val="0"/>
-              </a:spcBef>
-              <a:spcAft>
-                <a:spcPts val="0"/>
-              </a:spcAft>
-              <a:buSzPts val="1100"/>
-              <a:buChar char="○"/>
-              <a:defRPr/>
-            </a:lvl8pPr>
-            <a:lvl9pPr marL="4114800" lvl="8" indent="-298450">
-              <a:spcBef>
-                <a:spcPts val="0"/>
-              </a:spcBef>
-              <a:spcAft>
-                <a:spcPts val="0"/>
-              </a:spcAft>
-              <a:buSzPts val="1100"/>
-              <a:buChar char="■"/>
-              <a:defRPr/>
-            </a:lvl9pPr>
-          </a:lstStyle>
-          <a:p>
-            <a:endParaRPr/>
-          </a:p>
-        </p:txBody>
-      </p:sp>
-      <p:sp>
-        <p:nvSpPr>
-          <p:cNvPr id="63" name="Google Shape;63;p5"/>
-          <p:cNvSpPr txBox="1">
-            <a:spLocks noGrp="1"/>
-          </p:cNvSpPr>
-          <p:nvPr>
-            <p:ph type="sldNum" idx="12"/>
-          </p:nvPr>
-        </p:nvSpPr>
-        <p:spPr>
-          <a:xfrm>
-            <a:off x="8390734" y="4543668"/>
-            <a:ext cx="548700" cy="393600"/>
-          </a:xfrm>
-          <a:prstGeom prst="rect">
-            <a:avLst/>
-          </a:prstGeom>
-        </p:spPr>
-        <p:txBody>
-          <a:bodyPr spcFirstLastPara="1" wrap="square" lIns="91425" tIns="91425" rIns="91425" bIns="91425" anchor="ctr" anchorCtr="0">
-            <a:normAutofit/>
-          </a:bodyPr>
-          <a:lstStyle>
-            <a:lvl1pPr lvl="0">
-              <a:buNone/>
-              <a:defRPr/>
-            </a:lvl1pPr>
-            <a:lvl2pPr lvl="1">
-              <a:buNone/>
-              <a:defRPr/>
-            </a:lvl2pPr>
-            <a:lvl3pPr lvl="2">
-              <a:buNone/>
-              <a:defRPr/>
-            </a:lvl3pPr>
-            <a:lvl4pPr lvl="3">
-              <a:buNone/>
-              <a:defRPr/>
-            </a:lvl4pPr>
-            <a:lvl5pPr lvl="4">
-              <a:buNone/>
-              <a:defRPr/>
-            </a:lvl5pPr>
-            <a:lvl6pPr lvl="5">
-              <a:buNone/>
-              <a:defRPr/>
-            </a:lvl6pPr>
-            <a:lvl7pPr lvl="6">
-              <a:buNone/>
-              <a:defRPr/>
-            </a:lvl7pPr>
-            <a:lvl8pPr lvl="7">
-              <a:buNone/>
-              <a:defRPr/>
-            </a:lvl8pPr>
-            <a:lvl9pPr lvl="8">
-              <a:buNone/>
-              <a:defRPr/>
-            </a:lvl9pPr>
-          </a:lstStyle>
-          <a:p>
-            <a:pPr marL="0" lvl="0" indent="0" algn="r" rtl="0">
-              <a:spcBef>
-                <a:spcPts val="0"/>
-              </a:spcBef>
-              <a:spcAft>
-                <a:spcPts val="0"/>
-              </a:spcAft>
-              <a:buNone/>
-            </a:pPr>
-            <a:fld id="{00000000-1234-1234-1234-123412341234}" type="slidenum">
-              <a:rPr lang="es"/>
-              <a:t>‹Nº›</a:t>
-            </a:fld>
-            <a:endParaRPr/>
-          </a:p>
-        </p:txBody>
-      </p:sp>
-    </p:spTree>
-  </p:cSld>
-  <p:clrMapOvr>
-    <a:masterClrMapping/>
-  </p:clrMapOvr>
-</p:sldLayout>
-</file>
-
-<file path=ppt/slideLayouts/slideLayout5.xml><?xml version="1.0" encoding="utf-8"?>
-<p:sldLayout xmlns:a="http://schemas.openxmlformats.org/drawingml/2006/main" xmlns:r="http://schemas.openxmlformats.org/officeDocument/2006/relationships" xmlns:p="http://schemas.openxmlformats.org/presentationml/2006/main" matchingName="Title only" type="titleOnly">
-  <p:cSld name="TITLE_ONLY">
-    <p:bg>
-      <p:bgPr>
-        <a:solidFill>
-          <a:schemeClr val="dk2"/>
-        </a:solidFill>
-        <a:effectLst/>
-      </p:bgPr>
-    </p:bg>
-    <p:spTree>
-      <p:nvGrpSpPr>
-        <p:cNvPr id="1" name="Shape 64"/>
-        <p:cNvGrpSpPr/>
-        <p:nvPr/>
-      </p:nvGrpSpPr>
-      <p:grpSpPr>
-        <a:xfrm>
-          <a:off x="0" y="0"/>
-          <a:ext cx="0" cy="0"/>
-          <a:chOff x="0" y="0"/>
-          <a:chExt cx="0" cy="0"/>
-        </a:xfrm>
-      </p:grpSpPr>
-      <p:sp>
-        <p:nvSpPr>
-          <p:cNvPr id="65" name="Google Shape;65;p6"/>
-          <p:cNvSpPr/>
-          <p:nvPr/>
-        </p:nvSpPr>
-        <p:spPr>
-          <a:xfrm flipH="1">
-            <a:off x="3582600" y="1550700"/>
-            <a:ext cx="5561400" cy="3592800"/>
-          </a:xfrm>
-          <a:prstGeom prst="rtTriangle">
-            <a:avLst/>
-          </a:prstGeom>
-          <a:solidFill>
-            <a:schemeClr val="lt2"/>
-          </a:solidFill>
-          <a:ln>
-            <a:noFill/>
-          </a:ln>
-        </p:spPr>
-        <p:txBody>
-          <a:bodyPr spcFirstLastPara="1" wrap="square" lIns="91425" tIns="91425" rIns="91425" bIns="91425" anchor="ctr" anchorCtr="0">
-            <a:noAutofit/>
-          </a:bodyPr>
-          <a:lstStyle/>
-          <a:p>
-            <a:pPr marL="0" lvl="0" indent="0" algn="l" rtl="0">
-              <a:spcBef>
-                <a:spcPts val="0"/>
-              </a:spcBef>
-              <a:spcAft>
-                <a:spcPts val="0"/>
-              </a:spcAft>
-              <a:buNone/>
-            </a:pPr>
-            <a:endParaRPr/>
-          </a:p>
-        </p:txBody>
-      </p:sp>
-      <p:sp>
-        <p:nvSpPr>
-          <p:cNvPr id="66" name="Google Shape;66;p6"/>
-          <p:cNvSpPr/>
-          <p:nvPr/>
-        </p:nvSpPr>
-        <p:spPr>
-          <a:xfrm>
-            <a:off x="31" y="2824500"/>
-            <a:ext cx="7370400" cy="2319000"/>
-          </a:xfrm>
-          <a:prstGeom prst="rtTriangle">
-            <a:avLst/>
-          </a:prstGeom>
-          <a:solidFill>
-            <a:schemeClr val="accent3"/>
-          </a:solidFill>
-          <a:ln>
-            <a:noFill/>
-          </a:ln>
-        </p:spPr>
-        <p:txBody>
-          <a:bodyPr spcFirstLastPara="1" wrap="square" lIns="91425" tIns="91425" rIns="91425" bIns="91425" anchor="ctr" anchorCtr="0">
-            <a:noAutofit/>
-          </a:bodyPr>
-          <a:lstStyle/>
-          <a:p>
-            <a:pPr marL="0" lvl="0" indent="0" algn="l" rtl="0">
-              <a:spcBef>
-                <a:spcPts val="0"/>
-              </a:spcBef>
-              <a:spcAft>
-                <a:spcPts val="0"/>
-              </a:spcAft>
-              <a:buNone/>
-            </a:pPr>
-            <a:endParaRPr/>
-          </a:p>
-        </p:txBody>
-      </p:sp>
-      <p:sp>
-        <p:nvSpPr>
-          <p:cNvPr id="67" name="Google Shape;67;p6"/>
-          <p:cNvSpPr/>
-          <p:nvPr/>
-        </p:nvSpPr>
-        <p:spPr>
-          <a:xfrm>
-            <a:off x="203225" y="206250"/>
-            <a:ext cx="8737500" cy="4731000"/>
-          </a:xfrm>
-          <a:prstGeom prst="rect">
-            <a:avLst/>
-          </a:prstGeom>
-          <a:solidFill>
-            <a:schemeClr val="dk1"/>
-          </a:solidFill>
-          <a:ln>
-            <a:noFill/>
-          </a:ln>
-          <a:effectLst>
-            <a:outerShdw blurRad="228600" sx="101000" sy="101000" algn="ctr" rotWithShape="0">
-              <a:srgbClr val="000000">
-                <a:alpha val="40000"/>
-              </a:srgbClr>
-            </a:outerShdw>
-          </a:effectLst>
-        </p:spPr>
-        <p:txBody>
-          <a:bodyPr spcFirstLastPara="1" wrap="square" lIns="91425" tIns="91425" rIns="91425" bIns="91425" anchor="ctr" anchorCtr="0">
-            <a:noAutofit/>
-          </a:bodyPr>
-          <a:lstStyle/>
-          <a:p>
-            <a:pPr marL="0" lvl="0" indent="0" algn="l" rtl="0">
-              <a:spcBef>
-                <a:spcPts val="0"/>
-              </a:spcBef>
-              <a:spcAft>
-                <a:spcPts val="0"/>
-              </a:spcAft>
-              <a:buNone/>
-            </a:pPr>
-            <a:endParaRPr/>
-          </a:p>
-        </p:txBody>
-      </p:sp>
-      <p:sp>
-        <p:nvSpPr>
-          <p:cNvPr id="68" name="Google Shape;68;p6"/>
-          <p:cNvSpPr txBox="1">
-            <a:spLocks noGrp="1"/>
-          </p:cNvSpPr>
-          <p:nvPr>
-            <p:ph type="title"/>
-          </p:nvPr>
-        </p:nvSpPr>
-        <p:spPr>
-          <a:xfrm>
-            <a:off x="819150" y="845600"/>
-            <a:ext cx="7505700" cy="954600"/>
-          </a:xfrm>
-          <a:prstGeom prst="rect">
-            <a:avLst/>
-          </a:prstGeom>
-        </p:spPr>
-        <p:txBody>
-          <a:bodyPr spcFirstLastPara="1" wrap="square" lIns="91425" tIns="91425" rIns="91425" bIns="91425" anchor="t" anchorCtr="0">
-            <a:normAutofit/>
-          </a:bodyPr>
-          <a:lstStyle>
-            <a:lvl1pPr lvl="0">
-              <a:spcBef>
-                <a:spcPts val="0"/>
-              </a:spcBef>
-              <a:spcAft>
-                <a:spcPts val="0"/>
-              </a:spcAft>
-              <a:buSzPts val="3000"/>
-              <a:buNone/>
-              <a:defRPr sz="3000"/>
-            </a:lvl1pPr>
-            <a:lvl2pPr lvl="1">
-              <a:spcBef>
-                <a:spcPts val="0"/>
-              </a:spcBef>
-              <a:spcAft>
-                <a:spcPts val="0"/>
-              </a:spcAft>
-              <a:buSzPts val="3000"/>
-              <a:buNone/>
-              <a:defRPr sz="3000"/>
-            </a:lvl2pPr>
-            <a:lvl3pPr lvl="2">
-              <a:spcBef>
-                <a:spcPts val="0"/>
-              </a:spcBef>
-              <a:spcAft>
-                <a:spcPts val="0"/>
-              </a:spcAft>
-              <a:buSzPts val="3000"/>
-              <a:buNone/>
-              <a:defRPr sz="3000"/>
-            </a:lvl3pPr>
-            <a:lvl4pPr lvl="3">
-              <a:spcBef>
-                <a:spcPts val="0"/>
-              </a:spcBef>
-              <a:spcAft>
-                <a:spcPts val="0"/>
-              </a:spcAft>
-              <a:buSzPts val="3000"/>
-              <a:buNone/>
-              <a:defRPr sz="3000"/>
-            </a:lvl4pPr>
-            <a:lvl5pPr lvl="4">
-              <a:spcBef>
-                <a:spcPts val="0"/>
-              </a:spcBef>
-              <a:spcAft>
-                <a:spcPts val="0"/>
-              </a:spcAft>
-              <a:buSzPts val="3000"/>
-              <a:buNone/>
-              <a:defRPr sz="3000"/>
-            </a:lvl5pPr>
-            <a:lvl6pPr lvl="5">
-              <a:spcBef>
-                <a:spcPts val="0"/>
-              </a:spcBef>
-              <a:spcAft>
-                <a:spcPts val="0"/>
-              </a:spcAft>
-              <a:buSzPts val="3000"/>
-              <a:buNone/>
-              <a:defRPr sz="3000"/>
-            </a:lvl6pPr>
-            <a:lvl7pPr lvl="6">
-              <a:spcBef>
-                <a:spcPts val="0"/>
-              </a:spcBef>
-              <a:spcAft>
-                <a:spcPts val="0"/>
-              </a:spcAft>
-              <a:buSzPts val="3000"/>
-              <a:buNone/>
-              <a:defRPr sz="3000"/>
-            </a:lvl7pPr>
-            <a:lvl8pPr lvl="7">
-              <a:spcBef>
-                <a:spcPts val="0"/>
-              </a:spcBef>
-              <a:spcAft>
-                <a:spcPts val="0"/>
-              </a:spcAft>
-              <a:buSzPts val="3000"/>
-              <a:buNone/>
-              <a:defRPr sz="3000"/>
-            </a:lvl8pPr>
-            <a:lvl9pPr lvl="8">
-              <a:spcBef>
-                <a:spcPts val="0"/>
-              </a:spcBef>
-              <a:spcAft>
-                <a:spcPts val="0"/>
-              </a:spcAft>
-              <a:buSzPts val="3000"/>
-              <a:buNone/>
-              <a:defRPr sz="3000"/>
-            </a:lvl9pPr>
-          </a:lstStyle>
-          <a:p>
-            <a:endParaRPr/>
-          </a:p>
-        </p:txBody>
-      </p:sp>
-      <p:sp>
-        <p:nvSpPr>
-          <p:cNvPr id="69" name="Google Shape;69;p6"/>
-          <p:cNvSpPr txBox="1">
-            <a:spLocks noGrp="1"/>
-          </p:cNvSpPr>
-          <p:nvPr>
-            <p:ph type="sldNum" idx="12"/>
-          </p:nvPr>
-        </p:nvSpPr>
-        <p:spPr>
-          <a:xfrm>
-            <a:off x="8390734" y="4543668"/>
-            <a:ext cx="548700" cy="393600"/>
-          </a:xfrm>
-          <a:prstGeom prst="rect">
-            <a:avLst/>
-          </a:prstGeom>
-        </p:spPr>
-        <p:txBody>
-          <a:bodyPr spcFirstLastPara="1" wrap="square" lIns="91425" tIns="91425" rIns="91425" bIns="91425" anchor="ctr" anchorCtr="0">
-            <a:normAutofit/>
-          </a:bodyPr>
-          <a:lstStyle>
-            <a:lvl1pPr lvl="0">
-              <a:buNone/>
-              <a:defRPr/>
-            </a:lvl1pPr>
-            <a:lvl2pPr lvl="1">
-              <a:buNone/>
-              <a:defRPr/>
-            </a:lvl2pPr>
-            <a:lvl3pPr lvl="2">
-              <a:buNone/>
-              <a:defRPr/>
-            </a:lvl3pPr>
-            <a:lvl4pPr lvl="3">
-              <a:buNone/>
-              <a:defRPr/>
-            </a:lvl4pPr>
-            <a:lvl5pPr lvl="4">
-              <a:buNone/>
-              <a:defRPr/>
-            </a:lvl5pPr>
-            <a:lvl6pPr lvl="5">
-              <a:buNone/>
-              <a:defRPr/>
-            </a:lvl6pPr>
-            <a:lvl7pPr lvl="6">
-              <a:buNone/>
-              <a:defRPr/>
-            </a:lvl7pPr>
-            <a:lvl8pPr lvl="7">
-              <a:buNone/>
-              <a:defRPr/>
-            </a:lvl8pPr>
-            <a:lvl9pPr lvl="8">
-              <a:buNone/>
-              <a:defRPr/>
-            </a:lvl9pPr>
-          </a:lstStyle>
-          <a:p>
-            <a:pPr marL="0" lvl="0" indent="0" algn="r" rtl="0">
-              <a:spcBef>
-                <a:spcPts val="0"/>
-              </a:spcBef>
-              <a:spcAft>
-                <a:spcPts val="0"/>
-              </a:spcAft>
-              <a:buNone/>
-            </a:pPr>
-            <a:fld id="{00000000-1234-1234-1234-123412341234}" type="slidenum">
-              <a:rPr lang="es"/>
-              <a:t>‹Nº›</a:t>
-            </a:fld>
-            <a:endParaRPr/>
-          </a:p>
-        </p:txBody>
-      </p:sp>
-    </p:spTree>
-  </p:cSld>
-  <p:clrMapOvr>
-    <a:masterClrMapping/>
-  </p:clrMapOvr>
-</p:sldLayout>
-</file>
-
-<file path=ppt/slideLayouts/slideLayout6.xml><?xml version="1.0" encoding="utf-8"?>
-<p:sldLayout xmlns:a="http://schemas.openxmlformats.org/drawingml/2006/main" xmlns:r="http://schemas.openxmlformats.org/officeDocument/2006/relationships" xmlns:p="http://schemas.openxmlformats.org/presentationml/2006/main" matchingName="One column text">
-  <p:cSld name="ONE_COLUMN_TEXT">
-    <p:bg>
-      <p:bgPr>
-        <a:solidFill>
-          <a:schemeClr val="accent3"/>
-        </a:solidFill>
-        <a:effectLst/>
-      </p:bgPr>
-    </p:bg>
-    <p:spTree>
-      <p:nvGrpSpPr>
-        <p:cNvPr id="1" name="Shape 70"/>
-        <p:cNvGrpSpPr/>
-        <p:nvPr/>
-      </p:nvGrpSpPr>
-      <p:grpSpPr>
-        <a:xfrm>
-          <a:off x="0" y="0"/>
-          <a:ext cx="0" cy="0"/>
-          <a:chOff x="0" y="0"/>
-          <a:chExt cx="0" cy="0"/>
-        </a:xfrm>
-      </p:grpSpPr>
-      <p:sp>
-        <p:nvSpPr>
-          <p:cNvPr id="71" name="Google Shape;71;p7"/>
-          <p:cNvSpPr/>
-          <p:nvPr/>
-        </p:nvSpPr>
-        <p:spPr>
-          <a:xfrm flipH="1">
-            <a:off x="3582600" y="1550700"/>
-            <a:ext cx="5561400" cy="3592800"/>
-          </a:xfrm>
-          <a:prstGeom prst="rtTriangle">
-            <a:avLst/>
-          </a:prstGeom>
-          <a:solidFill>
-            <a:schemeClr val="lt2"/>
-          </a:solidFill>
-          <a:ln>
-            <a:noFill/>
-          </a:ln>
-        </p:spPr>
-        <p:txBody>
-          <a:bodyPr spcFirstLastPara="1" wrap="square" lIns="91425" tIns="91425" rIns="91425" bIns="91425" anchor="ctr" anchorCtr="0">
-            <a:noAutofit/>
-          </a:bodyPr>
-          <a:lstStyle/>
-          <a:p>
-            <a:pPr marL="0" lvl="0" indent="0" algn="l" rtl="0">
-              <a:spcBef>
-                <a:spcPts val="0"/>
-              </a:spcBef>
-              <a:spcAft>
-                <a:spcPts val="0"/>
-              </a:spcAft>
-              <a:buNone/>
-            </a:pPr>
-            <a:endParaRPr/>
-          </a:p>
-        </p:txBody>
-      </p:sp>
-      <p:sp>
-        <p:nvSpPr>
-          <p:cNvPr id="72" name="Google Shape;72;p7"/>
-          <p:cNvSpPr/>
-          <p:nvPr/>
-        </p:nvSpPr>
-        <p:spPr>
-          <a:xfrm>
-            <a:off x="31" y="2824500"/>
-            <a:ext cx="7370400" cy="2319000"/>
-          </a:xfrm>
-          <a:prstGeom prst="rtTriangle">
-            <a:avLst/>
-          </a:prstGeom>
-          <a:solidFill>
-            <a:schemeClr val="dk2"/>
-          </a:solidFill>
-          <a:ln>
-            <a:noFill/>
-          </a:ln>
-        </p:spPr>
-        <p:txBody>
-          <a:bodyPr spcFirstLastPara="1" wrap="square" lIns="91425" tIns="91425" rIns="91425" bIns="91425" anchor="ctr" anchorCtr="0">
-            <a:noAutofit/>
-          </a:bodyPr>
-          <a:lstStyle/>
-          <a:p>
-            <a:pPr marL="0" lvl="0" indent="0" algn="l" rtl="0">
-              <a:spcBef>
-                <a:spcPts val="0"/>
-              </a:spcBef>
-              <a:spcAft>
-                <a:spcPts val="0"/>
-              </a:spcAft>
-              <a:buNone/>
-            </a:pPr>
-            <a:endParaRPr/>
-          </a:p>
-        </p:txBody>
-      </p:sp>
-      <p:sp>
-        <p:nvSpPr>
-          <p:cNvPr id="73" name="Google Shape;73;p7"/>
-          <p:cNvSpPr/>
-          <p:nvPr/>
-        </p:nvSpPr>
-        <p:spPr>
-          <a:xfrm>
-            <a:off x="203225" y="206250"/>
-            <a:ext cx="8737500" cy="4731000"/>
-          </a:xfrm>
-          <a:prstGeom prst="rect">
-            <a:avLst/>
-          </a:prstGeom>
-          <a:solidFill>
-            <a:schemeClr val="dk1"/>
-          </a:solidFill>
-          <a:ln>
-            <a:noFill/>
-          </a:ln>
-          <a:effectLst>
-            <a:outerShdw blurRad="228600" sx="101000" sy="101000" algn="ctr" rotWithShape="0">
-              <a:srgbClr val="000000">
-                <a:alpha val="40000"/>
-              </a:srgbClr>
-            </a:outerShdw>
-          </a:effectLst>
-        </p:spPr>
-        <p:txBody>
-          <a:bodyPr spcFirstLastPara="1" wrap="square" lIns="91425" tIns="91425" rIns="91425" bIns="91425" anchor="ctr" anchorCtr="0">
-            <a:noAutofit/>
-          </a:bodyPr>
-          <a:lstStyle/>
-          <a:p>
-            <a:pPr marL="0" lvl="0" indent="0" algn="l" rtl="0">
-              <a:spcBef>
-                <a:spcPts val="0"/>
-              </a:spcBef>
-              <a:spcAft>
-                <a:spcPts val="0"/>
-              </a:spcAft>
-              <a:buNone/>
-            </a:pPr>
-            <a:endParaRPr/>
-          </a:p>
-        </p:txBody>
-      </p:sp>
-      <p:sp>
-        <p:nvSpPr>
-          <p:cNvPr id="74" name="Google Shape;74;p7"/>
-          <p:cNvSpPr txBox="1">
-            <a:spLocks noGrp="1"/>
-          </p:cNvSpPr>
-          <p:nvPr>
-            <p:ph type="title"/>
-          </p:nvPr>
-        </p:nvSpPr>
-        <p:spPr>
-          <a:xfrm>
-            <a:off x="819150" y="845600"/>
-            <a:ext cx="3709200" cy="1383000"/>
-          </a:xfrm>
-          <a:prstGeom prst="rect">
-            <a:avLst/>
-          </a:prstGeom>
-        </p:spPr>
-        <p:txBody>
-          <a:bodyPr spcFirstLastPara="1" wrap="square" lIns="91425" tIns="91425" rIns="91425" bIns="91425" anchor="t" anchorCtr="0">
-            <a:normAutofit/>
-          </a:bodyPr>
-          <a:lstStyle>
-            <a:lvl1pPr lvl="0">
-              <a:spcBef>
-                <a:spcPts val="0"/>
-              </a:spcBef>
-              <a:spcAft>
-                <a:spcPts val="0"/>
-              </a:spcAft>
-              <a:buSzPts val="3000"/>
-              <a:buNone/>
-              <a:defRPr sz="3000"/>
-            </a:lvl1pPr>
-            <a:lvl2pPr lvl="1">
-              <a:spcBef>
-                <a:spcPts val="0"/>
-              </a:spcBef>
-              <a:spcAft>
-                <a:spcPts val="0"/>
-              </a:spcAft>
-              <a:buSzPts val="3000"/>
-              <a:buNone/>
-              <a:defRPr sz="3000"/>
-            </a:lvl2pPr>
-            <a:lvl3pPr lvl="2">
-              <a:spcBef>
-                <a:spcPts val="0"/>
-              </a:spcBef>
-              <a:spcAft>
-                <a:spcPts val="0"/>
-              </a:spcAft>
-              <a:buSzPts val="3000"/>
-              <a:buNone/>
-              <a:defRPr sz="3000"/>
-            </a:lvl3pPr>
-            <a:lvl4pPr lvl="3">
-              <a:spcBef>
-                <a:spcPts val="0"/>
-              </a:spcBef>
-              <a:spcAft>
-                <a:spcPts val="0"/>
-              </a:spcAft>
-              <a:buSzPts val="3000"/>
-              <a:buNone/>
-              <a:defRPr sz="3000"/>
-            </a:lvl4pPr>
-            <a:lvl5pPr lvl="4">
-              <a:spcBef>
-                <a:spcPts val="0"/>
-              </a:spcBef>
-              <a:spcAft>
-                <a:spcPts val="0"/>
-              </a:spcAft>
-              <a:buSzPts val="3000"/>
-              <a:buNone/>
-              <a:defRPr sz="3000"/>
-            </a:lvl5pPr>
-            <a:lvl6pPr lvl="5">
-              <a:spcBef>
-                <a:spcPts val="0"/>
-              </a:spcBef>
-              <a:spcAft>
-                <a:spcPts val="0"/>
-              </a:spcAft>
-              <a:buSzPts val="3000"/>
-              <a:buNone/>
-              <a:defRPr sz="3000"/>
-            </a:lvl6pPr>
-            <a:lvl7pPr lvl="6">
-              <a:spcBef>
-                <a:spcPts val="0"/>
-              </a:spcBef>
-              <a:spcAft>
-                <a:spcPts val="0"/>
-              </a:spcAft>
-              <a:buSzPts val="3000"/>
-              <a:buNone/>
-              <a:defRPr sz="3000"/>
-            </a:lvl7pPr>
-            <a:lvl8pPr lvl="7">
-              <a:spcBef>
-                <a:spcPts val="0"/>
-              </a:spcBef>
-              <a:spcAft>
-                <a:spcPts val="0"/>
-              </a:spcAft>
-              <a:buSzPts val="3000"/>
-              <a:buNone/>
-              <a:defRPr sz="3000"/>
-            </a:lvl8pPr>
-            <a:lvl9pPr lvl="8">
-              <a:spcBef>
-                <a:spcPts val="0"/>
-              </a:spcBef>
-              <a:spcAft>
-                <a:spcPts val="0"/>
-              </a:spcAft>
-              <a:buSzPts val="3000"/>
-              <a:buNone/>
-              <a:defRPr sz="3000"/>
-            </a:lvl9pPr>
-          </a:lstStyle>
-          <a:p>
-            <a:endParaRPr/>
-          </a:p>
-        </p:txBody>
-      </p:sp>
-      <p:sp>
-        <p:nvSpPr>
-          <p:cNvPr id="75" name="Google Shape;75;p7"/>
-          <p:cNvSpPr txBox="1">
-            <a:spLocks noGrp="1"/>
-          </p:cNvSpPr>
-          <p:nvPr>
-            <p:ph type="body" idx="1"/>
-          </p:nvPr>
-        </p:nvSpPr>
-        <p:spPr>
-          <a:xfrm>
-            <a:off x="830700" y="2319050"/>
-            <a:ext cx="3709200" cy="2119800"/>
-          </a:xfrm>
-          <a:prstGeom prst="rect">
-            <a:avLst/>
-          </a:prstGeom>
-        </p:spPr>
-        <p:txBody>
-          <a:bodyPr spcFirstLastPara="1" wrap="square" lIns="91425" tIns="91425" rIns="91425" bIns="91425" anchor="t" anchorCtr="0">
-            <a:normAutofit/>
-          </a:bodyPr>
-          <a:lstStyle>
-            <a:lvl1pPr marL="457200" lvl="0" indent="-311150">
-              <a:spcBef>
-                <a:spcPts val="0"/>
-              </a:spcBef>
-              <a:spcAft>
-                <a:spcPts val="0"/>
-              </a:spcAft>
-              <a:buSzPts val="1300"/>
-              <a:buChar char="●"/>
-              <a:defRPr/>
-            </a:lvl1pPr>
-            <a:lvl2pPr marL="914400" lvl="1" indent="-298450">
-              <a:spcBef>
-                <a:spcPts val="0"/>
-              </a:spcBef>
-              <a:spcAft>
-                <a:spcPts val="0"/>
-              </a:spcAft>
-              <a:buSzPts val="1100"/>
-              <a:buChar char="○"/>
-              <a:defRPr/>
-            </a:lvl2pPr>
-            <a:lvl3pPr marL="1371600" lvl="2" indent="-298450">
-              <a:spcBef>
-                <a:spcPts val="0"/>
-              </a:spcBef>
-              <a:spcAft>
-                <a:spcPts val="0"/>
-              </a:spcAft>
-              <a:buSzPts val="1100"/>
-              <a:buChar char="■"/>
-              <a:defRPr/>
-            </a:lvl3pPr>
-            <a:lvl4pPr marL="1828800" lvl="3" indent="-298450">
-              <a:spcBef>
-                <a:spcPts val="0"/>
-              </a:spcBef>
-              <a:spcAft>
-                <a:spcPts val="0"/>
-              </a:spcAft>
-              <a:buSzPts val="1100"/>
-              <a:buChar char="●"/>
-              <a:defRPr/>
-            </a:lvl4pPr>
-            <a:lvl5pPr marL="2286000" lvl="4" indent="-298450">
-              <a:spcBef>
-                <a:spcPts val="0"/>
-              </a:spcBef>
-              <a:spcAft>
-                <a:spcPts val="0"/>
-              </a:spcAft>
-              <a:buSzPts val="1100"/>
-              <a:buChar char="○"/>
-              <a:defRPr/>
-            </a:lvl5pPr>
-            <a:lvl6pPr marL="2743200" lvl="5" indent="-298450">
-              <a:spcBef>
-                <a:spcPts val="0"/>
-              </a:spcBef>
-              <a:spcAft>
-                <a:spcPts val="0"/>
-              </a:spcAft>
-              <a:buSzPts val="1100"/>
-              <a:buChar char="■"/>
-              <a:defRPr/>
-            </a:lvl6pPr>
-            <a:lvl7pPr marL="3200400" lvl="6" indent="-298450">
-              <a:spcBef>
-                <a:spcPts val="0"/>
-              </a:spcBef>
-              <a:spcAft>
-                <a:spcPts val="0"/>
-              </a:spcAft>
-              <a:buSzPts val="1100"/>
-              <a:buChar char="●"/>
-              <a:defRPr/>
-            </a:lvl7pPr>
-            <a:lvl8pPr marL="3657600" lvl="7" indent="-298450">
-              <a:spcBef>
-                <a:spcPts val="0"/>
-              </a:spcBef>
-              <a:spcAft>
-                <a:spcPts val="0"/>
-              </a:spcAft>
-              <a:buSzPts val="1100"/>
-              <a:buChar char="○"/>
-              <a:defRPr/>
-            </a:lvl8pPr>
-            <a:lvl9pPr marL="4114800" lvl="8" indent="-298450">
-              <a:spcBef>
-                <a:spcPts val="0"/>
-              </a:spcBef>
-              <a:spcAft>
-                <a:spcPts val="0"/>
-              </a:spcAft>
-              <a:buSzPts val="1100"/>
-              <a:buChar char="■"/>
-              <a:defRPr/>
-            </a:lvl9pPr>
-          </a:lstStyle>
-          <a:p>
-            <a:endParaRPr/>
-          </a:p>
-        </p:txBody>
-      </p:sp>
-      <p:sp>
-        <p:nvSpPr>
-          <p:cNvPr id="76" name="Google Shape;76;p7"/>
-          <p:cNvSpPr txBox="1">
-            <a:spLocks noGrp="1"/>
-          </p:cNvSpPr>
-          <p:nvPr>
-            <p:ph type="sldNum" idx="12"/>
-          </p:nvPr>
-        </p:nvSpPr>
-        <p:spPr>
-          <a:xfrm>
-            <a:off x="8390734" y="4543668"/>
-            <a:ext cx="548700" cy="393600"/>
-          </a:xfrm>
-          <a:prstGeom prst="rect">
-            <a:avLst/>
-          </a:prstGeom>
-        </p:spPr>
-        <p:txBody>
-          <a:bodyPr spcFirstLastPara="1" wrap="square" lIns="91425" tIns="91425" rIns="91425" bIns="91425" anchor="ctr" anchorCtr="0">
-            <a:normAutofit/>
-          </a:bodyPr>
-          <a:lstStyle>
-            <a:lvl1pPr lvl="0">
-              <a:buNone/>
-              <a:defRPr/>
-            </a:lvl1pPr>
-            <a:lvl2pPr lvl="1">
-              <a:buNone/>
-              <a:defRPr/>
-            </a:lvl2pPr>
-            <a:lvl3pPr lvl="2">
-              <a:buNone/>
-              <a:defRPr/>
-            </a:lvl3pPr>
-            <a:lvl4pPr lvl="3">
-              <a:buNone/>
-              <a:defRPr/>
-            </a:lvl4pPr>
-            <a:lvl5pPr lvl="4">
-              <a:buNone/>
-              <a:defRPr/>
-            </a:lvl5pPr>
-            <a:lvl6pPr lvl="5">
-              <a:buNone/>
-              <a:defRPr/>
-            </a:lvl6pPr>
-            <a:lvl7pPr lvl="6">
-              <a:buNone/>
-              <a:defRPr/>
-            </a:lvl7pPr>
-            <a:lvl8pPr lvl="7">
-              <a:buNone/>
-              <a:defRPr/>
-            </a:lvl8pPr>
-            <a:lvl9pPr lvl="8">
-              <a:buNone/>
-              <a:defRPr/>
-            </a:lvl9pPr>
-          </a:lstStyle>
-          <a:p>
-            <a:pPr marL="0" lvl="0" indent="0" algn="r" rtl="0">
-              <a:spcBef>
-                <a:spcPts val="0"/>
-              </a:spcBef>
-              <a:spcAft>
-                <a:spcPts val="0"/>
-              </a:spcAft>
-              <a:buNone/>
-            </a:pPr>
-            <a:fld id="{00000000-1234-1234-1234-123412341234}" type="slidenum">
-              <a:rPr lang="es"/>
-              <a:t>‹Nº›</a:t>
-            </a:fld>
-            <a:endParaRPr/>
-          </a:p>
-        </p:txBody>
-      </p:sp>
-    </p:spTree>
-  </p:cSld>
-  <p:clrMapOvr>
-    <a:masterClrMapping/>
-  </p:clrMapOvr>
-</p:sldLayout>
-</file>
-
-<file path=ppt/slideLayouts/slideLayout7.xml><?xml version="1.0" encoding="utf-8"?>
-<p:sldLayout xmlns:a="http://schemas.openxmlformats.org/drawingml/2006/main" xmlns:r="http://schemas.openxmlformats.org/officeDocument/2006/relationships" xmlns:p="http://schemas.openxmlformats.org/presentationml/2006/main" matchingName="Main point">
-  <p:cSld name="MAIN_POINT">
-    <p:bg>
-      <p:bgPr>
-        <a:solidFill>
-          <a:schemeClr val="accent1"/>
-        </a:solidFill>
-        <a:effectLst/>
-      </p:bgPr>
-    </p:bg>
-    <p:spTree>
-      <p:nvGrpSpPr>
-        <p:cNvPr id="1" name="Shape 77"/>
-        <p:cNvGrpSpPr/>
-        <p:nvPr/>
-      </p:nvGrpSpPr>
-      <p:grpSpPr>
-        <a:xfrm>
-          <a:off x="0" y="0"/>
-          <a:ext cx="0" cy="0"/>
-          <a:chOff x="0" y="0"/>
-          <a:chExt cx="0" cy="0"/>
-        </a:xfrm>
-      </p:grpSpPr>
-      <p:sp>
-        <p:nvSpPr>
-          <p:cNvPr id="78" name="Google Shape;78;p8"/>
-          <p:cNvSpPr/>
-          <p:nvPr/>
-        </p:nvSpPr>
-        <p:spPr>
-          <a:xfrm>
-            <a:off x="0" y="2823144"/>
-            <a:ext cx="7369200" cy="2316900"/>
-          </a:xfrm>
-          <a:prstGeom prst="rtTriangle">
-            <a:avLst/>
-          </a:prstGeom>
-          <a:solidFill>
-            <a:schemeClr val="accent6"/>
-          </a:solidFill>
-          <a:ln>
-            <a:noFill/>
-          </a:ln>
-        </p:spPr>
-        <p:txBody>
-          <a:bodyPr spcFirstLastPara="1" wrap="square" lIns="91425" tIns="91425" rIns="91425" bIns="91425" anchor="ctr" anchorCtr="0">
-            <a:noAutofit/>
-          </a:bodyPr>
-          <a:lstStyle/>
-          <a:p>
-            <a:pPr marL="0" lvl="0" indent="0" algn="l" rtl="0">
-              <a:spcBef>
-                <a:spcPts val="0"/>
-              </a:spcBef>
-              <a:spcAft>
-                <a:spcPts val="0"/>
-              </a:spcAft>
-              <a:buNone/>
-            </a:pPr>
-            <a:endParaRPr/>
-          </a:p>
-        </p:txBody>
-      </p:sp>
-      <p:sp>
-        <p:nvSpPr>
-          <p:cNvPr id="79" name="Google Shape;79;p8"/>
-          <p:cNvSpPr/>
-          <p:nvPr/>
-        </p:nvSpPr>
-        <p:spPr>
-          <a:xfrm flipH="1">
-            <a:off x="3583210" y="1554113"/>
-            <a:ext cx="5560500" cy="3589500"/>
-          </a:xfrm>
-          <a:prstGeom prst="rtTriangle">
-            <a:avLst/>
-          </a:prstGeom>
-          <a:solidFill>
-            <a:schemeClr val="lt2"/>
-          </a:solidFill>
-          <a:ln>
-            <a:noFill/>
-          </a:ln>
-        </p:spPr>
-        <p:txBody>
-          <a:bodyPr spcFirstLastPara="1" wrap="square" lIns="91425" tIns="91425" rIns="91425" bIns="91425" anchor="ctr" anchorCtr="0">
-            <a:noAutofit/>
-          </a:bodyPr>
-          <a:lstStyle/>
-          <a:p>
-            <a:pPr marL="0" lvl="0" indent="0" algn="l" rtl="0">
-              <a:spcBef>
-                <a:spcPts val="0"/>
-              </a:spcBef>
-              <a:spcAft>
-                <a:spcPts val="0"/>
-              </a:spcAft>
-              <a:buNone/>
-            </a:pPr>
-            <a:endParaRPr/>
-          </a:p>
-        </p:txBody>
-      </p:sp>
-      <p:grpSp>
-        <p:nvGrpSpPr>
-          <p:cNvPr id="80" name="Google Shape;80;p8"/>
-          <p:cNvGrpSpPr/>
-          <p:nvPr/>
-        </p:nvGrpSpPr>
-        <p:grpSpPr>
-          <a:xfrm>
-            <a:off x="255991" y="-118"/>
-            <a:ext cx="2251347" cy="1043408"/>
-            <a:chOff x="3961956" y="4383950"/>
-            <a:chExt cx="1160548" cy="548700"/>
-          </a:xfrm>
-        </p:grpSpPr>
-        <p:sp>
-          <p:nvSpPr>
-            <p:cNvPr id="81" name="Google Shape;81;p8"/>
-            <p:cNvSpPr/>
-            <p:nvPr/>
-          </p:nvSpPr>
-          <p:spPr>
-            <a:xfrm>
-              <a:off x="4224904" y="4383950"/>
-              <a:ext cx="897600" cy="548700"/>
-            </a:xfrm>
-            <a:prstGeom prst="parallelogram">
-              <a:avLst>
-                <a:gd name="adj" fmla="val 153193"/>
-              </a:avLst>
-            </a:prstGeom>
-            <a:solidFill>
-              <a:schemeClr val="dk1"/>
-            </a:solidFill>
-            <a:ln>
-              <a:noFill/>
-            </a:ln>
-          </p:spPr>
-          <p:txBody>
-            <a:bodyPr spcFirstLastPara="1" wrap="square" lIns="91425" tIns="91425" rIns="91425" bIns="91425" anchor="ctr" anchorCtr="0">
-              <a:noAutofit/>
-            </a:bodyPr>
-            <a:lstStyle/>
-            <a:p>
-              <a:pPr marL="0" lvl="0" indent="0" algn="l" rtl="0">
-                <a:spcBef>
-                  <a:spcPts val="0"/>
-                </a:spcBef>
-                <a:spcAft>
-                  <a:spcPts val="0"/>
-                </a:spcAft>
-                <a:buNone/>
-              </a:pPr>
-              <a:endParaRPr/>
-            </a:p>
-          </p:txBody>
-        </p:sp>
-        <p:sp>
-          <p:nvSpPr>
-            <p:cNvPr id="82" name="Google Shape;82;p8"/>
-            <p:cNvSpPr/>
-            <p:nvPr/>
-          </p:nvSpPr>
-          <p:spPr>
-            <a:xfrm>
-              <a:off x="4093430" y="4383950"/>
-              <a:ext cx="897600" cy="548700"/>
-            </a:xfrm>
-            <a:prstGeom prst="parallelogram">
-              <a:avLst>
-                <a:gd name="adj" fmla="val 153193"/>
-              </a:avLst>
-            </a:prstGeom>
-            <a:solidFill>
-              <a:schemeClr val="dk1"/>
-            </a:solidFill>
-            <a:ln>
-              <a:noFill/>
-            </a:ln>
-          </p:spPr>
-          <p:txBody>
-            <a:bodyPr spcFirstLastPara="1" wrap="square" lIns="91425" tIns="91425" rIns="91425" bIns="91425" anchor="ctr" anchorCtr="0">
-              <a:noAutofit/>
-            </a:bodyPr>
-            <a:lstStyle/>
-            <a:p>
-              <a:pPr marL="0" lvl="0" indent="0" algn="l" rtl="0">
-                <a:spcBef>
-                  <a:spcPts val="0"/>
-                </a:spcBef>
-                <a:spcAft>
-                  <a:spcPts val="0"/>
-                </a:spcAft>
-                <a:buNone/>
-              </a:pPr>
-              <a:endParaRPr/>
-            </a:p>
-          </p:txBody>
-        </p:sp>
-        <p:sp>
-          <p:nvSpPr>
-            <p:cNvPr id="83" name="Google Shape;83;p8"/>
-            <p:cNvSpPr/>
-            <p:nvPr/>
-          </p:nvSpPr>
-          <p:spPr>
-            <a:xfrm>
-              <a:off x="3961956" y="4383950"/>
-              <a:ext cx="897600" cy="548700"/>
-            </a:xfrm>
-            <a:prstGeom prst="parallelogram">
-              <a:avLst>
-                <a:gd name="adj" fmla="val 153193"/>
-              </a:avLst>
-            </a:prstGeom>
-            <a:solidFill>
-              <a:schemeClr val="dk1"/>
-            </a:solidFill>
-            <a:ln>
-              <a:noFill/>
-            </a:ln>
-          </p:spPr>
-          <p:txBody>
-            <a:bodyPr spcFirstLastPara="1" wrap="square" lIns="91425" tIns="91425" rIns="91425" bIns="91425" anchor="ctr" anchorCtr="0">
-              <a:noAutofit/>
-            </a:bodyPr>
-            <a:lstStyle/>
-            <a:p>
-              <a:pPr marL="0" lvl="0" indent="0" algn="l" rtl="0">
-                <a:spcBef>
-                  <a:spcPts val="0"/>
-                </a:spcBef>
-                <a:spcAft>
-                  <a:spcPts val="0"/>
-                </a:spcAft>
-                <a:buNone/>
-              </a:pPr>
-              <a:endParaRPr/>
-            </a:p>
-          </p:txBody>
-        </p:sp>
-      </p:grpSp>
-      <p:sp>
-        <p:nvSpPr>
-          <p:cNvPr id="84" name="Google Shape;84;p8"/>
-          <p:cNvSpPr/>
-          <p:nvPr/>
-        </p:nvSpPr>
-        <p:spPr>
-          <a:xfrm>
-            <a:off x="203225" y="206250"/>
-            <a:ext cx="8737500" cy="4731000"/>
-          </a:xfrm>
-          <a:prstGeom prst="rect">
-            <a:avLst/>
-          </a:prstGeom>
-          <a:solidFill>
-            <a:schemeClr val="dk1"/>
-          </a:solidFill>
-          <a:ln>
-            <a:noFill/>
-          </a:ln>
-          <a:effectLst>
-            <a:outerShdw blurRad="228600" sx="101000" sy="101000" algn="ctr" rotWithShape="0">
-              <a:srgbClr val="000000">
-                <a:alpha val="40000"/>
-              </a:srgbClr>
-            </a:outerShdw>
-          </a:effectLst>
-        </p:spPr>
-        <p:txBody>
-          <a:bodyPr spcFirstLastPara="1" wrap="square" lIns="91425" tIns="91425" rIns="91425" bIns="91425" anchor="ctr" anchorCtr="0">
-            <a:noAutofit/>
-          </a:bodyPr>
-          <a:lstStyle/>
-          <a:p>
-            <a:pPr marL="0" lvl="0" indent="0" algn="l" rtl="0">
-              <a:spcBef>
-                <a:spcPts val="0"/>
-              </a:spcBef>
-              <a:spcAft>
-                <a:spcPts val="0"/>
-              </a:spcAft>
-              <a:buNone/>
-            </a:pPr>
-            <a:endParaRPr/>
-          </a:p>
-        </p:txBody>
-      </p:sp>
-      <p:grpSp>
-        <p:nvGrpSpPr>
-          <p:cNvPr id="85" name="Google Shape;85;p8"/>
-          <p:cNvGrpSpPr/>
-          <p:nvPr/>
-        </p:nvGrpSpPr>
-        <p:grpSpPr>
-          <a:xfrm>
-            <a:off x="34934" y="4522125"/>
-            <a:ext cx="1593306" cy="617072"/>
-            <a:chOff x="6917201" y="0"/>
-            <a:chExt cx="2227777" cy="863400"/>
-          </a:xfrm>
-        </p:grpSpPr>
-        <p:sp>
-          <p:nvSpPr>
-            <p:cNvPr id="86" name="Google Shape;86;p8"/>
-            <p:cNvSpPr/>
-            <p:nvPr/>
-          </p:nvSpPr>
-          <p:spPr>
-            <a:xfrm>
-              <a:off x="7641677" y="0"/>
-              <a:ext cx="1503300" cy="863400"/>
-            </a:xfrm>
-            <a:prstGeom prst="parallelogram">
-              <a:avLst>
-                <a:gd name="adj" fmla="val 158024"/>
-              </a:avLst>
-            </a:prstGeom>
-            <a:solidFill>
-              <a:schemeClr val="accent6"/>
-            </a:solidFill>
-            <a:ln>
-              <a:noFill/>
-            </a:ln>
-          </p:spPr>
-          <p:txBody>
-            <a:bodyPr spcFirstLastPara="1" wrap="square" lIns="91425" tIns="91425" rIns="91425" bIns="91425" anchor="ctr" anchorCtr="0">
-              <a:noAutofit/>
-            </a:bodyPr>
-            <a:lstStyle/>
-            <a:p>
-              <a:pPr marL="0" lvl="0" indent="0" algn="l" rtl="0">
-                <a:spcBef>
-                  <a:spcPts val="0"/>
-                </a:spcBef>
-                <a:spcAft>
-                  <a:spcPts val="0"/>
-                </a:spcAft>
-                <a:buNone/>
-              </a:pPr>
-              <a:endParaRPr/>
-            </a:p>
-          </p:txBody>
-        </p:sp>
-        <p:sp>
-          <p:nvSpPr>
-            <p:cNvPr id="87" name="Google Shape;87;p8"/>
-            <p:cNvSpPr/>
-            <p:nvPr/>
-          </p:nvSpPr>
-          <p:spPr>
-            <a:xfrm>
-              <a:off x="7279439" y="0"/>
-              <a:ext cx="1503300" cy="863400"/>
-            </a:xfrm>
-            <a:prstGeom prst="parallelogram">
-              <a:avLst>
-                <a:gd name="adj" fmla="val 158024"/>
-              </a:avLst>
-            </a:prstGeom>
-            <a:solidFill>
-              <a:schemeClr val="accent6"/>
-            </a:solidFill>
-            <a:ln>
-              <a:noFill/>
-            </a:ln>
-          </p:spPr>
-          <p:txBody>
-            <a:bodyPr spcFirstLastPara="1" wrap="square" lIns="91425" tIns="91425" rIns="91425" bIns="91425" anchor="ctr" anchorCtr="0">
-              <a:noAutofit/>
-            </a:bodyPr>
-            <a:lstStyle/>
-            <a:p>
-              <a:pPr marL="0" lvl="0" indent="0" algn="l" rtl="0">
-                <a:spcBef>
-                  <a:spcPts val="0"/>
-                </a:spcBef>
-                <a:spcAft>
-                  <a:spcPts val="0"/>
-                </a:spcAft>
-                <a:buNone/>
-              </a:pPr>
-              <a:endParaRPr/>
-            </a:p>
-          </p:txBody>
-        </p:sp>
-        <p:sp>
-          <p:nvSpPr>
-            <p:cNvPr id="88" name="Google Shape;88;p8"/>
-            <p:cNvSpPr/>
-            <p:nvPr/>
-          </p:nvSpPr>
-          <p:spPr>
-            <a:xfrm>
-              <a:off x="6917201" y="0"/>
-              <a:ext cx="1503300" cy="863400"/>
-            </a:xfrm>
-            <a:prstGeom prst="parallelogram">
-              <a:avLst>
-                <a:gd name="adj" fmla="val 158024"/>
-              </a:avLst>
-            </a:prstGeom>
-            <a:solidFill>
-              <a:schemeClr val="accent6"/>
-            </a:solidFill>
-            <a:ln>
-              <a:noFill/>
-            </a:ln>
-          </p:spPr>
-          <p:txBody>
-            <a:bodyPr spcFirstLastPara="1" wrap="square" lIns="91425" tIns="91425" rIns="91425" bIns="91425" anchor="ctr" anchorCtr="0">
-              <a:noAutofit/>
-            </a:bodyPr>
-            <a:lstStyle/>
-            <a:p>
-              <a:pPr marL="0" lvl="0" indent="0" algn="l" rtl="0">
-                <a:spcBef>
-                  <a:spcPts val="0"/>
-                </a:spcBef>
-                <a:spcAft>
-                  <a:spcPts val="0"/>
-                </a:spcAft>
-                <a:buNone/>
-              </a:pPr>
-              <a:endParaRPr/>
-            </a:p>
-          </p:txBody>
-        </p:sp>
-      </p:grpSp>
-      <p:grpSp>
-        <p:nvGrpSpPr>
-          <p:cNvPr id="89" name="Google Shape;89;p8"/>
-          <p:cNvGrpSpPr/>
-          <p:nvPr/>
-        </p:nvGrpSpPr>
-        <p:grpSpPr>
-          <a:xfrm>
-            <a:off x="5886353" y="1243"/>
-            <a:ext cx="3257455" cy="1261514"/>
-            <a:chOff x="6917201" y="0"/>
-            <a:chExt cx="2227777" cy="863400"/>
-          </a:xfrm>
-        </p:grpSpPr>
-        <p:sp>
-          <p:nvSpPr>
-            <p:cNvPr id="90" name="Google Shape;90;p8"/>
-            <p:cNvSpPr/>
-            <p:nvPr/>
-          </p:nvSpPr>
-          <p:spPr>
-            <a:xfrm>
-              <a:off x="7641677" y="0"/>
-              <a:ext cx="1503300" cy="863400"/>
-            </a:xfrm>
-            <a:prstGeom prst="parallelogram">
-              <a:avLst>
-                <a:gd name="adj" fmla="val 158024"/>
-              </a:avLst>
-            </a:prstGeom>
-            <a:solidFill>
-              <a:schemeClr val="accent1"/>
-            </a:solidFill>
-            <a:ln>
-              <a:noFill/>
-            </a:ln>
-          </p:spPr>
-          <p:txBody>
-            <a:bodyPr spcFirstLastPara="1" wrap="square" lIns="91425" tIns="91425" rIns="91425" bIns="91425" anchor="ctr" anchorCtr="0">
-              <a:noAutofit/>
-            </a:bodyPr>
-            <a:lstStyle/>
-            <a:p>
-              <a:pPr marL="0" lvl="0" indent="0" algn="l" rtl="0">
-                <a:spcBef>
-                  <a:spcPts val="0"/>
-                </a:spcBef>
-                <a:spcAft>
-                  <a:spcPts val="0"/>
-                </a:spcAft>
-                <a:buNone/>
-              </a:pPr>
-              <a:endParaRPr/>
-            </a:p>
-          </p:txBody>
-        </p:sp>
-        <p:sp>
-          <p:nvSpPr>
-            <p:cNvPr id="91" name="Google Shape;91;p8"/>
-            <p:cNvSpPr/>
-            <p:nvPr/>
-          </p:nvSpPr>
-          <p:spPr>
-            <a:xfrm>
-              <a:off x="7279439" y="0"/>
-              <a:ext cx="1503300" cy="863400"/>
-            </a:xfrm>
-            <a:prstGeom prst="parallelogram">
-              <a:avLst>
-                <a:gd name="adj" fmla="val 158024"/>
-              </a:avLst>
-            </a:prstGeom>
-            <a:solidFill>
-              <a:schemeClr val="accent1"/>
-            </a:solidFill>
-            <a:ln>
-              <a:noFill/>
-            </a:ln>
-          </p:spPr>
-          <p:txBody>
-            <a:bodyPr spcFirstLastPara="1" wrap="square" lIns="91425" tIns="91425" rIns="91425" bIns="91425" anchor="ctr" anchorCtr="0">
-              <a:noAutofit/>
-            </a:bodyPr>
-            <a:lstStyle/>
-            <a:p>
-              <a:pPr marL="0" lvl="0" indent="0" algn="l" rtl="0">
-                <a:spcBef>
-                  <a:spcPts val="0"/>
-                </a:spcBef>
-                <a:spcAft>
-                  <a:spcPts val="0"/>
-                </a:spcAft>
-                <a:buNone/>
-              </a:pPr>
-              <a:endParaRPr/>
-            </a:p>
-          </p:txBody>
-        </p:sp>
-        <p:sp>
-          <p:nvSpPr>
-            <p:cNvPr id="92" name="Google Shape;92;p8"/>
-            <p:cNvSpPr/>
-            <p:nvPr/>
-          </p:nvSpPr>
-          <p:spPr>
-            <a:xfrm>
-              <a:off x="6917201" y="0"/>
-              <a:ext cx="1503300" cy="863400"/>
-            </a:xfrm>
-            <a:prstGeom prst="parallelogram">
-              <a:avLst>
-                <a:gd name="adj" fmla="val 158024"/>
-              </a:avLst>
-            </a:prstGeom>
-            <a:solidFill>
-              <a:schemeClr val="accent1"/>
-            </a:solidFill>
-            <a:ln>
-              <a:noFill/>
-            </a:ln>
-          </p:spPr>
-          <p:txBody>
-            <a:bodyPr spcFirstLastPara="1" wrap="square" lIns="91425" tIns="91425" rIns="91425" bIns="91425" anchor="ctr" anchorCtr="0">
-              <a:noAutofit/>
-            </a:bodyPr>
-            <a:lstStyle/>
-            <a:p>
-              <a:pPr marL="0" lvl="0" indent="0" algn="l" rtl="0">
-                <a:spcBef>
-                  <a:spcPts val="0"/>
-                </a:spcBef>
-                <a:spcAft>
-                  <a:spcPts val="0"/>
-                </a:spcAft>
-                <a:buNone/>
-              </a:pPr>
-              <a:endParaRPr/>
-            </a:p>
-          </p:txBody>
-        </p:sp>
-      </p:grpSp>
-      <p:sp>
-        <p:nvSpPr>
-          <p:cNvPr id="93" name="Google Shape;93;p8"/>
-          <p:cNvSpPr txBox="1">
-            <a:spLocks noGrp="1"/>
-          </p:cNvSpPr>
-          <p:nvPr>
-            <p:ph type="title"/>
-          </p:nvPr>
-        </p:nvSpPr>
-        <p:spPr>
-          <a:xfrm>
-            <a:off x="1393929" y="1301146"/>
-            <a:ext cx="6366900" cy="2539200"/>
-          </a:xfrm>
-          <a:prstGeom prst="rect">
-            <a:avLst/>
-          </a:prstGeom>
-        </p:spPr>
-        <p:txBody>
-          <a:bodyPr spcFirstLastPara="1" wrap="square" lIns="91425" tIns="91425" rIns="91425" bIns="91425" anchor="ctr" anchorCtr="0">
-            <a:normAutofit/>
-          </a:bodyPr>
-          <a:lstStyle>
-            <a:lvl1pPr lvl="0" algn="ctr">
-              <a:spcBef>
-                <a:spcPts val="0"/>
-              </a:spcBef>
-              <a:spcAft>
-                <a:spcPts val="0"/>
-              </a:spcAft>
-              <a:buSzPts val="3200"/>
-              <a:buNone/>
-              <a:defRPr sz="3200"/>
-            </a:lvl1pPr>
-            <a:lvl2pPr lvl="1" algn="ctr">
-              <a:spcBef>
-                <a:spcPts val="0"/>
-              </a:spcBef>
-              <a:spcAft>
-                <a:spcPts val="0"/>
-              </a:spcAft>
-              <a:buSzPts val="3200"/>
-              <a:buNone/>
-              <a:defRPr sz="3200"/>
-            </a:lvl2pPr>
-            <a:lvl3pPr lvl="2" algn="ctr">
-              <a:spcBef>
-                <a:spcPts val="0"/>
-              </a:spcBef>
-              <a:spcAft>
-                <a:spcPts val="0"/>
-              </a:spcAft>
-              <a:buSzPts val="3200"/>
-              <a:buNone/>
-              <a:defRPr sz="3200"/>
-            </a:lvl3pPr>
-            <a:lvl4pPr lvl="3" algn="ctr">
-              <a:spcBef>
-                <a:spcPts val="0"/>
-              </a:spcBef>
-              <a:spcAft>
-                <a:spcPts val="0"/>
-              </a:spcAft>
-              <a:buSzPts val="3200"/>
-              <a:buNone/>
-              <a:defRPr sz="3200"/>
-            </a:lvl4pPr>
-            <a:lvl5pPr lvl="4" algn="ctr">
-              <a:spcBef>
-                <a:spcPts val="0"/>
-              </a:spcBef>
-              <a:spcAft>
-                <a:spcPts val="0"/>
-              </a:spcAft>
-              <a:buSzPts val="3200"/>
-              <a:buNone/>
-              <a:defRPr sz="3200"/>
-            </a:lvl5pPr>
-            <a:lvl6pPr lvl="5" algn="ctr">
-              <a:spcBef>
-                <a:spcPts val="0"/>
-              </a:spcBef>
-              <a:spcAft>
-                <a:spcPts val="0"/>
-              </a:spcAft>
-              <a:buSzPts val="3200"/>
-              <a:buNone/>
-              <a:defRPr sz="3200"/>
-            </a:lvl6pPr>
-            <a:lvl7pPr lvl="6" algn="ctr">
-              <a:spcBef>
-                <a:spcPts val="0"/>
-              </a:spcBef>
-              <a:spcAft>
-                <a:spcPts val="0"/>
-              </a:spcAft>
-              <a:buSzPts val="3200"/>
-              <a:buNone/>
-              <a:defRPr sz="3200"/>
-            </a:lvl7pPr>
-            <a:lvl8pPr lvl="7" algn="ctr">
-              <a:spcBef>
-                <a:spcPts val="0"/>
-              </a:spcBef>
-              <a:spcAft>
-                <a:spcPts val="0"/>
-              </a:spcAft>
-              <a:buSzPts val="3200"/>
-              <a:buNone/>
-              <a:defRPr sz="3200"/>
-            </a:lvl8pPr>
-            <a:lvl9pPr lvl="8" algn="ctr">
-              <a:spcBef>
-                <a:spcPts val="0"/>
-              </a:spcBef>
-              <a:spcAft>
-                <a:spcPts val="0"/>
-              </a:spcAft>
-              <a:buSzPts val="3200"/>
-              <a:buNone/>
-              <a:defRPr sz="3200"/>
-            </a:lvl9pPr>
-          </a:lstStyle>
-          <a:p>
-            <a:endParaRPr/>
-          </a:p>
-        </p:txBody>
-      </p:sp>
-      <p:sp>
-        <p:nvSpPr>
-          <p:cNvPr id="94" name="Google Shape;94;p8"/>
-          <p:cNvSpPr txBox="1">
-            <a:spLocks noGrp="1"/>
-          </p:cNvSpPr>
-          <p:nvPr>
-            <p:ph type="sldNum" idx="12"/>
-          </p:nvPr>
-        </p:nvSpPr>
-        <p:spPr>
-          <a:xfrm>
-            <a:off x="8390734" y="4543668"/>
-            <a:ext cx="548700" cy="393600"/>
-          </a:xfrm>
-          <a:prstGeom prst="rect">
-            <a:avLst/>
-          </a:prstGeom>
-        </p:spPr>
-        <p:txBody>
-          <a:bodyPr spcFirstLastPara="1" wrap="square" lIns="91425" tIns="91425" rIns="91425" bIns="91425" anchor="ctr" anchorCtr="0">
-            <a:normAutofit/>
-          </a:bodyPr>
-          <a:lstStyle>
-            <a:lvl1pPr lvl="0">
-              <a:buNone/>
-              <a:defRPr/>
-            </a:lvl1pPr>
-            <a:lvl2pPr lvl="1">
-              <a:buNone/>
-              <a:defRPr/>
-            </a:lvl2pPr>
-            <a:lvl3pPr lvl="2">
-              <a:buNone/>
-              <a:defRPr/>
-            </a:lvl3pPr>
-            <a:lvl4pPr lvl="3">
-              <a:buNone/>
-              <a:defRPr/>
-            </a:lvl4pPr>
-            <a:lvl5pPr lvl="4">
-              <a:buNone/>
-              <a:defRPr/>
-            </a:lvl5pPr>
-            <a:lvl6pPr lvl="5">
-              <a:buNone/>
-              <a:defRPr/>
-            </a:lvl6pPr>
-            <a:lvl7pPr lvl="6">
-              <a:buNone/>
-              <a:defRPr/>
-            </a:lvl7pPr>
-            <a:lvl8pPr lvl="7">
-              <a:buNone/>
-              <a:defRPr/>
-            </a:lvl8pPr>
-            <a:lvl9pPr lvl="8">
-              <a:buNone/>
-              <a:defRPr/>
-            </a:lvl9pPr>
-          </a:lstStyle>
-          <a:p>
-            <a:pPr marL="0" lvl="0" indent="0" algn="r" rtl="0">
-              <a:spcBef>
-                <a:spcPts val="0"/>
-              </a:spcBef>
-              <a:spcAft>
-                <a:spcPts val="0"/>
-              </a:spcAft>
-              <a:buNone/>
-            </a:pPr>
-            <a:fld id="{00000000-1234-1234-1234-123412341234}" type="slidenum">
-              <a:rPr lang="es"/>
-              <a:t>‹Nº›</a:t>
-            </a:fld>
-            <a:endParaRPr/>
-          </a:p>
-        </p:txBody>
-      </p:sp>
-    </p:spTree>
-  </p:cSld>
-  <p:clrMapOvr>
-    <a:masterClrMapping/>
-  </p:clrMapOvr>
-</p:sldLayout>
-</file>
-
-<file path=ppt/slideLayouts/slideLayout8.xml><?xml version="1.0" encoding="utf-8"?>
-<p:sldLayout xmlns:a="http://schemas.openxmlformats.org/drawingml/2006/main" xmlns:r="http://schemas.openxmlformats.org/officeDocument/2006/relationships" xmlns:p="http://schemas.openxmlformats.org/presentationml/2006/main" matchingName="Section title and description">
-  <p:cSld name="SECTION_TITLE_AND_DESCRIPTION">
-    <p:bg>
-      <p:bgPr>
-        <a:solidFill>
-          <a:schemeClr val="dk2"/>
-        </a:solidFill>
-        <a:effectLst/>
-      </p:bgPr>
-    </p:bg>
-    <p:spTree>
-      <p:nvGrpSpPr>
-        <p:cNvPr id="1" name="Shape 95"/>
-        <p:cNvGrpSpPr/>
-        <p:nvPr/>
-      </p:nvGrpSpPr>
-      <p:grpSpPr>
-        <a:xfrm>
-          <a:off x="0" y="0"/>
-          <a:ext cx="0" cy="0"/>
-          <a:chOff x="0" y="0"/>
-          <a:chExt cx="0" cy="0"/>
-        </a:xfrm>
-      </p:grpSpPr>
-      <p:sp>
-        <p:nvSpPr>
-          <p:cNvPr id="96" name="Google Shape;96;p9"/>
-          <p:cNvSpPr/>
-          <p:nvPr/>
-        </p:nvSpPr>
-        <p:spPr>
-          <a:xfrm flipH="1">
-            <a:off x="3582600" y="1550700"/>
-            <a:ext cx="5561400" cy="3592800"/>
-          </a:xfrm>
-          <a:prstGeom prst="rtTriangle">
-            <a:avLst/>
-          </a:prstGeom>
-          <a:solidFill>
-            <a:schemeClr val="lt2"/>
-          </a:solidFill>
-          <a:ln>
-            <a:noFill/>
-          </a:ln>
-        </p:spPr>
-        <p:txBody>
-          <a:bodyPr spcFirstLastPara="1" wrap="square" lIns="91425" tIns="91425" rIns="91425" bIns="91425" anchor="ctr" anchorCtr="0">
-            <a:noAutofit/>
-          </a:bodyPr>
-          <a:lstStyle/>
-          <a:p>
-            <a:pPr marL="0" lvl="0" indent="0" algn="l" rtl="0">
-              <a:spcBef>
-                <a:spcPts val="0"/>
-              </a:spcBef>
-              <a:spcAft>
-                <a:spcPts val="0"/>
-              </a:spcAft>
-              <a:buNone/>
-            </a:pPr>
-            <a:endParaRPr/>
-          </a:p>
-        </p:txBody>
-      </p:sp>
-      <p:sp>
-        <p:nvSpPr>
-          <p:cNvPr id="97" name="Google Shape;97;p9"/>
-          <p:cNvSpPr/>
-          <p:nvPr/>
-        </p:nvSpPr>
-        <p:spPr>
-          <a:xfrm>
-            <a:off x="31" y="2824500"/>
-            <a:ext cx="7370400" cy="2319000"/>
-          </a:xfrm>
-          <a:prstGeom prst="rtTriangle">
-            <a:avLst/>
-          </a:prstGeom>
-          <a:solidFill>
-            <a:schemeClr val="accent3"/>
-          </a:solidFill>
-          <a:ln>
-            <a:noFill/>
-          </a:ln>
-        </p:spPr>
-        <p:txBody>
-          <a:bodyPr spcFirstLastPara="1" wrap="square" lIns="91425" tIns="91425" rIns="91425" bIns="91425" anchor="ctr" anchorCtr="0">
-            <a:noAutofit/>
-          </a:bodyPr>
-          <a:lstStyle/>
-          <a:p>
-            <a:pPr marL="0" lvl="0" indent="0" algn="l" rtl="0">
-              <a:spcBef>
-                <a:spcPts val="0"/>
-              </a:spcBef>
-              <a:spcAft>
-                <a:spcPts val="0"/>
-              </a:spcAft>
-              <a:buNone/>
-            </a:pPr>
-            <a:endParaRPr/>
-          </a:p>
-        </p:txBody>
-      </p:sp>
-      <p:sp>
-        <p:nvSpPr>
-          <p:cNvPr id="98" name="Google Shape;98;p9"/>
-          <p:cNvSpPr/>
-          <p:nvPr/>
-        </p:nvSpPr>
-        <p:spPr>
-          <a:xfrm>
-            <a:off x="203225" y="206250"/>
-            <a:ext cx="8737500" cy="4731000"/>
-          </a:xfrm>
-          <a:prstGeom prst="rect">
-            <a:avLst/>
-          </a:prstGeom>
-          <a:solidFill>
-            <a:schemeClr val="dk1"/>
-          </a:solidFill>
-          <a:ln>
-            <a:noFill/>
-          </a:ln>
-          <a:effectLst>
-            <a:outerShdw blurRad="228600" sx="101000" sy="101000" algn="ctr" rotWithShape="0">
-              <a:srgbClr val="000000">
-                <a:alpha val="40000"/>
-              </a:srgbClr>
-            </a:outerShdw>
-          </a:effectLst>
-        </p:spPr>
-        <p:txBody>
-          <a:bodyPr spcFirstLastPara="1" wrap="square" lIns="91425" tIns="91425" rIns="91425" bIns="91425" anchor="ctr" anchorCtr="0">
-            <a:noAutofit/>
-          </a:bodyPr>
-          <a:lstStyle/>
-          <a:p>
-            <a:pPr marL="0" lvl="0" indent="0" algn="l" rtl="0">
-              <a:spcBef>
-                <a:spcPts val="0"/>
-              </a:spcBef>
-              <a:spcAft>
-                <a:spcPts val="0"/>
-              </a:spcAft>
-              <a:buNone/>
-            </a:pPr>
-            <a:endParaRPr/>
-          </a:p>
-        </p:txBody>
-      </p:sp>
-      <p:sp>
-        <p:nvSpPr>
-          <p:cNvPr id="99" name="Google Shape;99;p9"/>
-          <p:cNvSpPr txBox="1">
-            <a:spLocks noGrp="1"/>
-          </p:cNvSpPr>
-          <p:nvPr>
-            <p:ph type="title"/>
-          </p:nvPr>
-        </p:nvSpPr>
-        <p:spPr>
-          <a:xfrm>
-            <a:off x="819150" y="845600"/>
-            <a:ext cx="6424200" cy="705000"/>
-          </a:xfrm>
-          <a:prstGeom prst="rect">
-            <a:avLst/>
-          </a:prstGeom>
-        </p:spPr>
-        <p:txBody>
-          <a:bodyPr spcFirstLastPara="1" wrap="square" lIns="91425" tIns="91425" rIns="91425" bIns="91425" anchor="t" anchorCtr="0">
-            <a:normAutofit/>
-          </a:bodyPr>
-          <a:lstStyle>
-            <a:lvl1pPr lvl="0">
-              <a:spcBef>
-                <a:spcPts val="0"/>
-              </a:spcBef>
-              <a:spcAft>
-                <a:spcPts val="0"/>
-              </a:spcAft>
-              <a:buSzPts val="3000"/>
-              <a:buNone/>
-              <a:defRPr sz="3000"/>
-            </a:lvl1pPr>
-            <a:lvl2pPr lvl="1">
-              <a:spcBef>
-                <a:spcPts val="0"/>
-              </a:spcBef>
-              <a:spcAft>
-                <a:spcPts val="0"/>
-              </a:spcAft>
-              <a:buSzPts val="3000"/>
-              <a:buNone/>
-              <a:defRPr sz="3000"/>
-            </a:lvl2pPr>
-            <a:lvl3pPr lvl="2">
-              <a:spcBef>
-                <a:spcPts val="0"/>
-              </a:spcBef>
-              <a:spcAft>
-                <a:spcPts val="0"/>
-              </a:spcAft>
-              <a:buSzPts val="3000"/>
-              <a:buNone/>
-              <a:defRPr sz="3000"/>
-            </a:lvl3pPr>
-            <a:lvl4pPr lvl="3">
-              <a:spcBef>
-                <a:spcPts val="0"/>
-              </a:spcBef>
-              <a:spcAft>
-                <a:spcPts val="0"/>
-              </a:spcAft>
-              <a:buSzPts val="3000"/>
-              <a:buNone/>
-              <a:defRPr sz="3000"/>
-            </a:lvl4pPr>
-            <a:lvl5pPr lvl="4">
-              <a:spcBef>
-                <a:spcPts val="0"/>
-              </a:spcBef>
-              <a:spcAft>
-                <a:spcPts val="0"/>
-              </a:spcAft>
-              <a:buSzPts val="3000"/>
-              <a:buNone/>
-              <a:defRPr sz="3000"/>
-            </a:lvl5pPr>
-            <a:lvl6pPr lvl="5">
-              <a:spcBef>
-                <a:spcPts val="0"/>
-              </a:spcBef>
-              <a:spcAft>
-                <a:spcPts val="0"/>
-              </a:spcAft>
-              <a:buSzPts val="3000"/>
-              <a:buNone/>
-              <a:defRPr sz="3000"/>
-            </a:lvl6pPr>
-            <a:lvl7pPr lvl="6">
-              <a:spcBef>
-                <a:spcPts val="0"/>
-              </a:spcBef>
-              <a:spcAft>
-                <a:spcPts val="0"/>
-              </a:spcAft>
-              <a:buSzPts val="3000"/>
-              <a:buNone/>
-              <a:defRPr sz="3000"/>
-            </a:lvl7pPr>
-            <a:lvl8pPr lvl="7">
-              <a:spcBef>
-                <a:spcPts val="0"/>
-              </a:spcBef>
-              <a:spcAft>
-                <a:spcPts val="0"/>
-              </a:spcAft>
-              <a:buSzPts val="3000"/>
-              <a:buNone/>
-              <a:defRPr sz="3000"/>
-            </a:lvl8pPr>
-            <a:lvl9pPr lvl="8">
-              <a:spcBef>
-                <a:spcPts val="0"/>
-              </a:spcBef>
-              <a:spcAft>
-                <a:spcPts val="0"/>
-              </a:spcAft>
-              <a:buSzPts val="3000"/>
-              <a:buNone/>
-              <a:defRPr sz="3000"/>
-            </a:lvl9pPr>
-          </a:lstStyle>
-          <a:p>
-            <a:endParaRPr/>
-          </a:p>
-        </p:txBody>
-      </p:sp>
-      <p:sp>
-        <p:nvSpPr>
-          <p:cNvPr id="100" name="Google Shape;100;p9"/>
-          <p:cNvSpPr txBox="1">
-            <a:spLocks noGrp="1"/>
-          </p:cNvSpPr>
-          <p:nvPr>
-            <p:ph type="subTitle" idx="1"/>
-          </p:nvPr>
-        </p:nvSpPr>
-        <p:spPr>
-          <a:xfrm>
-            <a:off x="819150" y="1550700"/>
-            <a:ext cx="5859900" cy="393600"/>
-          </a:xfrm>
-          <a:prstGeom prst="rect">
-            <a:avLst/>
-          </a:prstGeom>
-        </p:spPr>
-        <p:txBody>
-          <a:bodyPr spcFirstLastPara="1" wrap="square" lIns="91425" tIns="91425" rIns="91425" bIns="91425" anchor="t" anchorCtr="0">
-            <a:normAutofit/>
-          </a:bodyPr>
-          <a:lstStyle>
-            <a:lvl1pPr lvl="0">
-              <a:lnSpc>
-                <a:spcPct val="100000"/>
-              </a:lnSpc>
-              <a:spcBef>
-                <a:spcPts val="0"/>
-              </a:spcBef>
-              <a:spcAft>
-                <a:spcPts val="0"/>
-              </a:spcAft>
-              <a:buClr>
-                <a:schemeClr val="lt1"/>
-              </a:buClr>
-              <a:buSzPts val="1600"/>
-              <a:buNone/>
-              <a:defRPr sz="1600">
-                <a:solidFill>
-                  <a:schemeClr val="lt1"/>
-                </a:solidFill>
-              </a:defRPr>
-            </a:lvl1pPr>
-            <a:lvl2pPr lvl="1">
-              <a:lnSpc>
-                <a:spcPct val="100000"/>
-              </a:lnSpc>
-              <a:spcBef>
-                <a:spcPts val="0"/>
-              </a:spcBef>
-              <a:spcAft>
-                <a:spcPts val="0"/>
-              </a:spcAft>
-              <a:buClr>
-                <a:schemeClr val="lt1"/>
-              </a:buClr>
-              <a:buSzPts val="1600"/>
-              <a:buNone/>
-              <a:defRPr sz="1600">
-                <a:solidFill>
-                  <a:schemeClr val="lt1"/>
-                </a:solidFill>
-              </a:defRPr>
-            </a:lvl2pPr>
-            <a:lvl3pPr lvl="2">
-              <a:lnSpc>
-                <a:spcPct val="100000"/>
-              </a:lnSpc>
-              <a:spcBef>
-                <a:spcPts val="0"/>
-              </a:spcBef>
-              <a:spcAft>
-                <a:spcPts val="0"/>
-              </a:spcAft>
-              <a:buClr>
-                <a:schemeClr val="lt1"/>
-              </a:buClr>
-              <a:buSzPts val="1600"/>
-              <a:buNone/>
-              <a:defRPr sz="1600">
-                <a:solidFill>
-                  <a:schemeClr val="lt1"/>
-                </a:solidFill>
-              </a:defRPr>
-            </a:lvl3pPr>
-            <a:lvl4pPr lvl="3">
-              <a:lnSpc>
-                <a:spcPct val="100000"/>
-              </a:lnSpc>
-              <a:spcBef>
-                <a:spcPts val="0"/>
-              </a:spcBef>
-              <a:spcAft>
-                <a:spcPts val="0"/>
-              </a:spcAft>
-              <a:buClr>
-                <a:schemeClr val="lt1"/>
-              </a:buClr>
-              <a:buSzPts val="1600"/>
-              <a:buNone/>
-              <a:defRPr sz="1600">
-                <a:solidFill>
-                  <a:schemeClr val="lt1"/>
-                </a:solidFill>
-              </a:defRPr>
-            </a:lvl4pPr>
-            <a:lvl5pPr lvl="4">
-              <a:lnSpc>
-                <a:spcPct val="100000"/>
-              </a:lnSpc>
-              <a:spcBef>
-                <a:spcPts val="0"/>
-              </a:spcBef>
-              <a:spcAft>
-                <a:spcPts val="0"/>
-              </a:spcAft>
-              <a:buClr>
-                <a:schemeClr val="lt1"/>
-              </a:buClr>
-              <a:buSzPts val="1600"/>
-              <a:buNone/>
-              <a:defRPr sz="1600">
-                <a:solidFill>
-                  <a:schemeClr val="lt1"/>
-                </a:solidFill>
-              </a:defRPr>
-            </a:lvl5pPr>
-            <a:lvl6pPr lvl="5">
-              <a:lnSpc>
-                <a:spcPct val="100000"/>
-              </a:lnSpc>
-              <a:spcBef>
-                <a:spcPts val="0"/>
-              </a:spcBef>
-              <a:spcAft>
-                <a:spcPts val="0"/>
-              </a:spcAft>
-              <a:buClr>
-                <a:schemeClr val="lt1"/>
-              </a:buClr>
-              <a:buSzPts val="1600"/>
-              <a:buNone/>
-              <a:defRPr sz="1600">
-                <a:solidFill>
-                  <a:schemeClr val="lt1"/>
-                </a:solidFill>
-              </a:defRPr>
-            </a:lvl6pPr>
-            <a:lvl7pPr lvl="6">
-              <a:lnSpc>
-                <a:spcPct val="100000"/>
-              </a:lnSpc>
-              <a:spcBef>
-                <a:spcPts val="0"/>
-              </a:spcBef>
-              <a:spcAft>
-                <a:spcPts val="0"/>
-              </a:spcAft>
-              <a:buClr>
-                <a:schemeClr val="lt1"/>
-              </a:buClr>
-              <a:buSzPts val="1600"/>
-              <a:buNone/>
-              <a:defRPr sz="1600">
-                <a:solidFill>
-                  <a:schemeClr val="lt1"/>
-                </a:solidFill>
-              </a:defRPr>
-            </a:lvl7pPr>
-            <a:lvl8pPr lvl="7">
-              <a:lnSpc>
-                <a:spcPct val="100000"/>
-              </a:lnSpc>
-              <a:spcBef>
-                <a:spcPts val="0"/>
-              </a:spcBef>
-              <a:spcAft>
-                <a:spcPts val="0"/>
-              </a:spcAft>
-              <a:buClr>
-                <a:schemeClr val="lt1"/>
-              </a:buClr>
-              <a:buSzPts val="1600"/>
-              <a:buNone/>
-              <a:defRPr sz="1600">
-                <a:solidFill>
-                  <a:schemeClr val="lt1"/>
-                </a:solidFill>
-              </a:defRPr>
-            </a:lvl8pPr>
-            <a:lvl9pPr lvl="8">
-              <a:lnSpc>
-                <a:spcPct val="100000"/>
-              </a:lnSpc>
-              <a:spcBef>
-                <a:spcPts val="0"/>
-              </a:spcBef>
-              <a:spcAft>
-                <a:spcPts val="0"/>
-              </a:spcAft>
-              <a:buClr>
-                <a:schemeClr val="lt1"/>
-              </a:buClr>
-              <a:buSzPts val="1600"/>
-              <a:buNone/>
-              <a:defRPr sz="1600">
-                <a:solidFill>
-                  <a:schemeClr val="lt1"/>
-                </a:solidFill>
-              </a:defRPr>
-            </a:lvl9pPr>
-          </a:lstStyle>
-          <a:p>
-            <a:endParaRPr/>
-          </a:p>
-        </p:txBody>
-      </p:sp>
-      <p:sp>
-        <p:nvSpPr>
-          <p:cNvPr id="101" name="Google Shape;101;p9"/>
-          <p:cNvSpPr txBox="1">
-            <a:spLocks noGrp="1"/>
-          </p:cNvSpPr>
-          <p:nvPr>
-            <p:ph type="body" idx="2"/>
-          </p:nvPr>
-        </p:nvSpPr>
-        <p:spPr>
-          <a:xfrm>
-            <a:off x="819150" y="2467050"/>
-            <a:ext cx="5859900" cy="2095500"/>
-          </a:xfrm>
-          <a:prstGeom prst="rect">
-            <a:avLst/>
-          </a:prstGeom>
-        </p:spPr>
-        <p:txBody>
-          <a:bodyPr spcFirstLastPara="1" wrap="square" lIns="91425" tIns="91425" rIns="91425" bIns="91425" anchor="t" anchorCtr="0">
-            <a:normAutofit/>
-          </a:bodyPr>
-          <a:lstStyle>
-            <a:lvl1pPr marL="457200" lvl="0" indent="-311150">
-              <a:spcBef>
-                <a:spcPts val="0"/>
-              </a:spcBef>
-              <a:spcAft>
-                <a:spcPts val="0"/>
-              </a:spcAft>
-              <a:buSzPts val="1300"/>
-              <a:buChar char="●"/>
-              <a:defRPr/>
-            </a:lvl1pPr>
-            <a:lvl2pPr marL="914400" lvl="1" indent="-298450">
-              <a:spcBef>
-                <a:spcPts val="0"/>
-              </a:spcBef>
-              <a:spcAft>
-                <a:spcPts val="0"/>
-              </a:spcAft>
-              <a:buSzPts val="1100"/>
-              <a:buChar char="○"/>
-              <a:defRPr/>
-            </a:lvl2pPr>
-            <a:lvl3pPr marL="1371600" lvl="2" indent="-298450">
-              <a:spcBef>
-                <a:spcPts val="0"/>
-              </a:spcBef>
-              <a:spcAft>
-                <a:spcPts val="0"/>
-              </a:spcAft>
-              <a:buSzPts val="1100"/>
-              <a:buChar char="■"/>
-              <a:defRPr/>
-            </a:lvl3pPr>
-            <a:lvl4pPr marL="1828800" lvl="3" indent="-298450">
-              <a:spcBef>
-                <a:spcPts val="0"/>
-              </a:spcBef>
-              <a:spcAft>
-                <a:spcPts val="0"/>
-              </a:spcAft>
-              <a:buSzPts val="1100"/>
-              <a:buChar char="●"/>
-              <a:defRPr/>
-            </a:lvl4pPr>
-            <a:lvl5pPr marL="2286000" lvl="4" indent="-298450">
-              <a:spcBef>
-                <a:spcPts val="0"/>
-              </a:spcBef>
-              <a:spcAft>
-                <a:spcPts val="0"/>
-              </a:spcAft>
-              <a:buSzPts val="1100"/>
-              <a:buChar char="○"/>
-              <a:defRPr/>
-            </a:lvl5pPr>
-            <a:lvl6pPr marL="2743200" lvl="5" indent="-298450">
-              <a:spcBef>
-                <a:spcPts val="0"/>
-              </a:spcBef>
-              <a:spcAft>
-                <a:spcPts val="0"/>
-              </a:spcAft>
-              <a:buSzPts val="1100"/>
-              <a:buChar char="■"/>
-              <a:defRPr/>
-            </a:lvl6pPr>
-            <a:lvl7pPr marL="3200400" lvl="6" indent="-298450">
-              <a:spcBef>
-                <a:spcPts val="0"/>
-              </a:spcBef>
-              <a:spcAft>
-                <a:spcPts val="0"/>
-              </a:spcAft>
-              <a:buSzPts val="1100"/>
-              <a:buChar char="●"/>
-              <a:defRPr/>
-            </a:lvl7pPr>
-            <a:lvl8pPr marL="3657600" lvl="7" indent="-298450">
-              <a:spcBef>
-                <a:spcPts val="0"/>
-              </a:spcBef>
-              <a:spcAft>
-                <a:spcPts val="0"/>
-              </a:spcAft>
-              <a:buSzPts val="1100"/>
-              <a:buChar char="○"/>
-              <a:defRPr/>
-            </a:lvl8pPr>
-            <a:lvl9pPr marL="4114800" lvl="8" indent="-298450">
-              <a:spcBef>
-                <a:spcPts val="0"/>
-              </a:spcBef>
-              <a:spcAft>
-                <a:spcPts val="0"/>
-              </a:spcAft>
-              <a:buSzPts val="1100"/>
-              <a:buChar char="■"/>
-              <a:defRPr/>
-            </a:lvl9pPr>
-          </a:lstStyle>
-          <a:p>
-            <a:endParaRPr/>
-          </a:p>
-        </p:txBody>
-      </p:sp>
-      <p:sp>
-        <p:nvSpPr>
-          <p:cNvPr id="102" name="Google Shape;102;p9"/>
-          <p:cNvSpPr txBox="1">
-            <a:spLocks noGrp="1"/>
-          </p:cNvSpPr>
-          <p:nvPr>
-            <p:ph type="sldNum" idx="12"/>
-          </p:nvPr>
-        </p:nvSpPr>
-        <p:spPr>
-          <a:xfrm>
-            <a:off x="8390734" y="4543668"/>
-            <a:ext cx="548700" cy="393600"/>
-          </a:xfrm>
-          <a:prstGeom prst="rect">
-            <a:avLst/>
-          </a:prstGeom>
-        </p:spPr>
-        <p:txBody>
-          <a:bodyPr spcFirstLastPara="1" wrap="square" lIns="91425" tIns="91425" rIns="91425" bIns="91425" anchor="ctr" anchorCtr="0">
-            <a:normAutofit/>
-          </a:bodyPr>
-          <a:lstStyle>
-            <a:lvl1pPr lvl="0">
-              <a:buNone/>
-              <a:defRPr/>
-            </a:lvl1pPr>
-            <a:lvl2pPr lvl="1">
-              <a:buNone/>
-              <a:defRPr/>
-            </a:lvl2pPr>
-            <a:lvl3pPr lvl="2">
-              <a:buNone/>
-              <a:defRPr/>
-            </a:lvl3pPr>
-            <a:lvl4pPr lvl="3">
-              <a:buNone/>
-              <a:defRPr/>
-            </a:lvl4pPr>
-            <a:lvl5pPr lvl="4">
-              <a:buNone/>
-              <a:defRPr/>
-            </a:lvl5pPr>
-            <a:lvl6pPr lvl="5">
-              <a:buNone/>
-              <a:defRPr/>
-            </a:lvl6pPr>
-            <a:lvl7pPr lvl="6">
-              <a:buNone/>
-              <a:defRPr/>
-            </a:lvl7pPr>
-            <a:lvl8pPr lvl="7">
-              <a:buNone/>
-              <a:defRPr/>
-            </a:lvl8pPr>
-            <a:lvl9pPr lvl="8">
-              <a:buNone/>
-              <a:defRPr/>
-            </a:lvl9pPr>
-          </a:lstStyle>
-          <a:p>
-            <a:pPr marL="0" lvl="0" indent="0" algn="r" rtl="0">
-              <a:spcBef>
-                <a:spcPts val="0"/>
-              </a:spcBef>
-              <a:spcAft>
-                <a:spcPts val="0"/>
-              </a:spcAft>
-              <a:buNone/>
-            </a:pPr>
-            <a:fld id="{00000000-1234-1234-1234-123412341234}" type="slidenum">
-              <a:rPr lang="es"/>
-              <a:t>‹Nº›</a:t>
-            </a:fld>
-            <a:endParaRPr/>
-          </a:p>
-        </p:txBody>
-      </p:sp>
-    </p:spTree>
-  </p:cSld>
-  <p:clrMapOvr>
-    <a:masterClrMapping/>
-  </p:clrMapOvr>
-</p:sldLayout>
-</file>
-
-<file path=ppt/slideLayouts/slideLayout9.xml><?xml version="1.0" encoding="utf-8"?>
-<p:sldLayout xmlns:a="http://schemas.openxmlformats.org/drawingml/2006/main" xmlns:r="http://schemas.openxmlformats.org/officeDocument/2006/relationships" xmlns:p="http://schemas.openxmlformats.org/presentationml/2006/main" matchingName="Caption">
-  <p:cSld name="CAPTION_ONLY">
-    <p:bg>
-      <p:bgPr>
-        <a:solidFill>
-          <a:schemeClr val="accent1"/>
-        </a:solidFill>
-        <a:effectLst/>
-      </p:bgPr>
-    </p:bg>
-    <p:spTree>
-      <p:nvGrpSpPr>
-        <p:cNvPr id="1" name="Shape 103"/>
-        <p:cNvGrpSpPr/>
-        <p:nvPr/>
-      </p:nvGrpSpPr>
-      <p:grpSpPr>
-        <a:xfrm>
-          <a:off x="0" y="0"/>
-          <a:ext cx="0" cy="0"/>
-          <a:chOff x="0" y="0"/>
-          <a:chExt cx="0" cy="0"/>
-        </a:xfrm>
-      </p:grpSpPr>
-      <p:sp>
-        <p:nvSpPr>
-          <p:cNvPr id="104" name="Google Shape;104;p10"/>
-          <p:cNvSpPr/>
-          <p:nvPr/>
-        </p:nvSpPr>
-        <p:spPr>
-          <a:xfrm>
-            <a:off x="31" y="2824500"/>
-            <a:ext cx="7370400" cy="2319000"/>
-          </a:xfrm>
-          <a:prstGeom prst="rtTriangle">
-            <a:avLst/>
-          </a:prstGeom>
-          <a:solidFill>
-            <a:schemeClr val="lt2"/>
-          </a:solidFill>
-          <a:ln>
-            <a:noFill/>
-          </a:ln>
-        </p:spPr>
-        <p:txBody>
-          <a:bodyPr spcFirstLastPara="1" wrap="square" lIns="91425" tIns="91425" rIns="91425" bIns="91425" anchor="ctr" anchorCtr="0">
-            <a:noAutofit/>
-          </a:bodyPr>
-          <a:lstStyle/>
-          <a:p>
-            <a:pPr marL="0" lvl="0" indent="0" algn="l" rtl="0">
-              <a:spcBef>
-                <a:spcPts val="0"/>
-              </a:spcBef>
-              <a:spcAft>
-                <a:spcPts val="0"/>
-              </a:spcAft>
-              <a:buNone/>
-            </a:pPr>
-            <a:endParaRPr/>
-          </a:p>
-        </p:txBody>
-      </p:sp>
-      <p:sp>
-        <p:nvSpPr>
-          <p:cNvPr id="105" name="Google Shape;105;p10"/>
-          <p:cNvSpPr/>
-          <p:nvPr/>
-        </p:nvSpPr>
-        <p:spPr>
-          <a:xfrm flipH="1">
-            <a:off x="3582600" y="1550700"/>
-            <a:ext cx="5561400" cy="3592800"/>
-          </a:xfrm>
-          <a:prstGeom prst="rtTriangle">
-            <a:avLst/>
-          </a:prstGeom>
-          <a:solidFill>
-            <a:schemeClr val="dk2"/>
-          </a:solidFill>
-          <a:ln>
-            <a:noFill/>
-          </a:ln>
-        </p:spPr>
-        <p:txBody>
-          <a:bodyPr spcFirstLastPara="1" wrap="square" lIns="91425" tIns="91425" rIns="91425" bIns="91425" anchor="ctr" anchorCtr="0">
-            <a:noAutofit/>
-          </a:bodyPr>
-          <a:lstStyle/>
-          <a:p>
-            <a:pPr marL="0" lvl="0" indent="0" algn="l" rtl="0">
-              <a:spcBef>
-                <a:spcPts val="0"/>
-              </a:spcBef>
-              <a:spcAft>
-                <a:spcPts val="0"/>
-              </a:spcAft>
-              <a:buNone/>
-            </a:pPr>
-            <a:endParaRPr/>
-          </a:p>
-        </p:txBody>
-      </p:sp>
-      <p:sp>
-        <p:nvSpPr>
-          <p:cNvPr id="106" name="Google Shape;106;p10"/>
-          <p:cNvSpPr/>
-          <p:nvPr/>
-        </p:nvSpPr>
-        <p:spPr>
-          <a:xfrm>
-            <a:off x="203225" y="206250"/>
-            <a:ext cx="8737500" cy="4731000"/>
-          </a:xfrm>
-          <a:prstGeom prst="rect">
-            <a:avLst/>
-          </a:prstGeom>
-          <a:solidFill>
-            <a:schemeClr val="dk1"/>
-          </a:solidFill>
-          <a:ln>
-            <a:noFill/>
-          </a:ln>
-          <a:effectLst>
-            <a:outerShdw blurRad="228600" sx="101000" sy="101000" algn="ctr" rotWithShape="0">
-              <a:srgbClr val="000000">
-                <a:alpha val="40000"/>
-              </a:srgbClr>
-            </a:outerShdw>
-          </a:effectLst>
-        </p:spPr>
-        <p:txBody>
-          <a:bodyPr spcFirstLastPara="1" wrap="square" lIns="91425" tIns="91425" rIns="91425" bIns="91425" anchor="ctr" anchorCtr="0">
-            <a:noAutofit/>
-          </a:bodyPr>
-          <a:lstStyle/>
-          <a:p>
-            <a:pPr marL="0" lvl="0" indent="0" algn="l" rtl="0">
-              <a:spcBef>
-                <a:spcPts val="0"/>
-              </a:spcBef>
-              <a:spcAft>
-                <a:spcPts val="0"/>
-              </a:spcAft>
-              <a:buNone/>
-            </a:pPr>
-            <a:endParaRPr/>
-          </a:p>
-        </p:txBody>
-      </p:sp>
-      <p:sp>
-        <p:nvSpPr>
-          <p:cNvPr id="107" name="Google Shape;107;p10"/>
-          <p:cNvSpPr txBox="1">
-            <a:spLocks noGrp="1"/>
-          </p:cNvSpPr>
-          <p:nvPr>
-            <p:ph type="body" idx="1"/>
-          </p:nvPr>
-        </p:nvSpPr>
-        <p:spPr>
-          <a:xfrm>
-            <a:off x="328025" y="4163500"/>
-            <a:ext cx="7415100" cy="605100"/>
-          </a:xfrm>
-          <a:prstGeom prst="rect">
-            <a:avLst/>
-          </a:prstGeom>
-        </p:spPr>
-        <p:txBody>
-          <a:bodyPr spcFirstLastPara="1" wrap="square" lIns="91425" tIns="91425" rIns="91425" bIns="91425" anchor="b" anchorCtr="0">
-            <a:normAutofit/>
-          </a:bodyPr>
-          <a:lstStyle>
-            <a:lvl1pPr marL="457200" lvl="0" indent="-228600">
-              <a:lnSpc>
-                <a:spcPct val="100000"/>
-              </a:lnSpc>
-              <a:spcBef>
-                <a:spcPts val="0"/>
-              </a:spcBef>
-              <a:spcAft>
-                <a:spcPts val="0"/>
-              </a:spcAft>
-              <a:buSzPts val="1300"/>
-              <a:buNone/>
-              <a:defRPr/>
-            </a:lvl1pPr>
-          </a:lstStyle>
-          <a:p>
-            <a:endParaRPr/>
-          </a:p>
-        </p:txBody>
-      </p:sp>
-      <p:sp>
-        <p:nvSpPr>
-          <p:cNvPr id="108" name="Google Shape;108;p10"/>
-          <p:cNvSpPr txBox="1">
-            <a:spLocks noGrp="1"/>
-          </p:cNvSpPr>
-          <p:nvPr>
-            <p:ph type="sldNum" idx="12"/>
-          </p:nvPr>
-        </p:nvSpPr>
-        <p:spPr>
-          <a:xfrm>
-            <a:off x="8390734" y="4543668"/>
-            <a:ext cx="548700" cy="393600"/>
-          </a:xfrm>
-          <a:prstGeom prst="rect">
-            <a:avLst/>
-          </a:prstGeom>
-        </p:spPr>
-        <p:txBody>
-          <a:bodyPr spcFirstLastPara="1" wrap="square" lIns="91425" tIns="91425" rIns="91425" bIns="91425" anchor="ctr" anchorCtr="0">
-            <a:normAutofit/>
-          </a:bodyPr>
-          <a:lstStyle>
-            <a:lvl1pPr lvl="0">
-              <a:buNone/>
-              <a:defRPr/>
-            </a:lvl1pPr>
-            <a:lvl2pPr lvl="1">
-              <a:buNone/>
-              <a:defRPr/>
-            </a:lvl2pPr>
-            <a:lvl3pPr lvl="2">
-              <a:buNone/>
-              <a:defRPr/>
-            </a:lvl3pPr>
-            <a:lvl4pPr lvl="3">
-              <a:buNone/>
-              <a:defRPr/>
-            </a:lvl4pPr>
-            <a:lvl5pPr lvl="4">
-              <a:buNone/>
-              <a:defRPr/>
-            </a:lvl5pPr>
-            <a:lvl6pPr lvl="5">
-              <a:buNone/>
-              <a:defRPr/>
-            </a:lvl6pPr>
-            <a:lvl7pPr lvl="6">
-              <a:buNone/>
-              <a:defRPr/>
-            </a:lvl7pPr>
-            <a:lvl8pPr lvl="7">
-              <a:buNone/>
-              <a:defRPr/>
-            </a:lvl8pPr>
-            <a:lvl9pPr lvl="8">
-              <a:buNone/>
-              <a:defRPr/>
-            </a:lvl9pPr>
-          </a:lstStyle>
-          <a:p>
-            <a:pPr marL="0" lvl="0" indent="0" algn="r" rtl="0">
-              <a:spcBef>
-                <a:spcPts val="0"/>
-              </a:spcBef>
-              <a:spcAft>
-                <a:spcPts val="0"/>
-              </a:spcAft>
-              <a:buNone/>
-            </a:pPr>
-            <a:fld id="{00000000-1234-1234-1234-123412341234}" type="slidenum">
-              <a:rPr lang="es"/>
-              <a:t>‹Nº›</a:t>
-            </a:fld>
-            <a:endParaRPr/>
-          </a:p>
-        </p:txBody>
-      </p:sp>
-    </p:spTree>
-  </p:cSld>
-  <p:clrMapOvr>
-    <a:masterClrMapping/>
-  </p:clrMapOvr>
-</p:sldLayout>
-</file>
-
 <file path=ppt/slideMasters/slideMaster1.xml><?xml version="1.0" encoding="utf-8"?>
 <p:sldMaster xmlns:a="http://schemas.openxmlformats.org/drawingml/2006/main" xmlns:r="http://schemas.openxmlformats.org/officeDocument/2006/relationships" xmlns:p="http://schemas.openxmlformats.org/presentationml/2006/main">
   <p:cSld name="shift">
@@ -9804,15 +9202,14 @@
   <p:sldLayoutIdLst>
     <p:sldLayoutId id="2147483648" r:id="rId1"/>
     <p:sldLayoutId id="2147483649" r:id="rId2"/>
-    <p:sldLayoutId id="2147483650" r:id="rId3"/>
-    <p:sldLayoutId id="2147483651" r:id="rId4"/>
-    <p:sldLayoutId id="2147483652" r:id="rId5"/>
-    <p:sldLayoutId id="2147483653" r:id="rId6"/>
-    <p:sldLayoutId id="2147483654" r:id="rId7"/>
-    <p:sldLayoutId id="2147483655" r:id="rId8"/>
-    <p:sldLayoutId id="2147483656" r:id="rId9"/>
-    <p:sldLayoutId id="2147483657" r:id="rId10"/>
-    <p:sldLayoutId id="2147483658" r:id="rId11"/>
+    <p:sldLayoutId id="2147483651" r:id="rId3"/>
+    <p:sldLayoutId id="2147483652" r:id="rId4"/>
+    <p:sldLayoutId id="2147483653" r:id="rId5"/>
+    <p:sldLayoutId id="2147483654" r:id="rId6"/>
+    <p:sldLayoutId id="2147483655" r:id="rId7"/>
+    <p:sldLayoutId id="2147483656" r:id="rId8"/>
+    <p:sldLayoutId id="2147483657" r:id="rId9"/>
+    <p:sldLayoutId id="2147483658" r:id="rId10"/>
   </p:sldLayoutIdLst>
   <p:hf sldNum="0" hdr="0" ftr="0" dt="0"/>
   <p:txStyles>
@@ -13932,115 +13329,6 @@
 </p:sld>
 </file>
 
-<file path=ppt/slides/slide17.xml><?xml version="1.0" encoding="utf-8"?>
-<p:sld xmlns:a="http://schemas.openxmlformats.org/drawingml/2006/main" xmlns:r="http://schemas.openxmlformats.org/officeDocument/2006/relationships" xmlns:p="http://schemas.openxmlformats.org/presentationml/2006/main">
-  <p:cSld>
-    <p:spTree>
-      <p:nvGrpSpPr>
-        <p:cNvPr id="1" name="Shape 247"/>
-        <p:cNvGrpSpPr/>
-        <p:nvPr/>
-      </p:nvGrpSpPr>
-      <p:grpSpPr>
-        <a:xfrm>
-          <a:off x="0" y="0"/>
-          <a:ext cx="0" cy="0"/>
-          <a:chOff x="0" y="0"/>
-          <a:chExt cx="0" cy="0"/>
-        </a:xfrm>
-      </p:grpSpPr>
-      <p:sp>
-        <p:nvSpPr>
-          <p:cNvPr id="248" name="Google Shape;248;p29"/>
-          <p:cNvSpPr txBox="1">
-            <a:spLocks noGrp="1"/>
-          </p:cNvSpPr>
-          <p:nvPr>
-            <p:ph type="ctrTitle" idx="4294967295"/>
-          </p:nvPr>
-        </p:nvSpPr>
-        <p:spPr>
-          <a:xfrm>
-            <a:off x="1858703" y="1822833"/>
-            <a:ext cx="5361300" cy="1448100"/>
-          </a:xfrm>
-          <a:prstGeom prst="rect">
-            <a:avLst/>
-          </a:prstGeom>
-        </p:spPr>
-        <p:txBody>
-          <a:bodyPr spcFirstLastPara="1" wrap="square" lIns="91425" tIns="91425" rIns="91425" bIns="91425" anchor="t" anchorCtr="0">
-            <a:normAutofit/>
-          </a:bodyPr>
-          <a:lstStyle/>
-          <a:p>
-            <a:pPr marL="0" lvl="0" indent="0" algn="l" rtl="0">
-              <a:spcBef>
-                <a:spcPts val="0"/>
-              </a:spcBef>
-              <a:spcAft>
-                <a:spcPts val="0"/>
-              </a:spcAft>
-              <a:buNone/>
-            </a:pPr>
-            <a:r>
-              <a:rPr lang="es"/>
-              <a:t>Warner Fernando Bonilla</a:t>
-            </a:r>
-            <a:endParaRPr/>
-          </a:p>
-        </p:txBody>
-      </p:sp>
-      <p:sp>
-        <p:nvSpPr>
-          <p:cNvPr id="249" name="Google Shape;249;p29"/>
-          <p:cNvSpPr txBox="1">
-            <a:spLocks noGrp="1"/>
-          </p:cNvSpPr>
-          <p:nvPr>
-            <p:ph type="subTitle" idx="4294967295"/>
-          </p:nvPr>
-        </p:nvSpPr>
-        <p:spPr>
-          <a:xfrm>
-            <a:off x="1858700" y="3413158"/>
-            <a:ext cx="5361300" cy="522600"/>
-          </a:xfrm>
-          <a:prstGeom prst="rect">
-            <a:avLst/>
-          </a:prstGeom>
-        </p:spPr>
-        <p:txBody>
-          <a:bodyPr spcFirstLastPara="1" wrap="square" lIns="91425" tIns="91425" rIns="91425" bIns="91425" anchor="t" anchorCtr="0">
-            <a:normAutofit/>
-          </a:bodyPr>
-          <a:lstStyle/>
-          <a:p>
-            <a:pPr marL="0" lvl="0" indent="0" algn="l" rtl="0">
-              <a:spcBef>
-                <a:spcPts val="0"/>
-              </a:spcBef>
-              <a:spcAft>
-                <a:spcPts val="1200"/>
-              </a:spcAft>
-              <a:buNone/>
-            </a:pPr>
-            <a:r>
-              <a:rPr lang="es"/>
-              <a:t>Magister en informática </a:t>
-            </a:r>
-            <a:endParaRPr/>
-          </a:p>
-        </p:txBody>
-      </p:sp>
-    </p:spTree>
-  </p:cSld>
-  <p:clrMapOvr>
-    <a:masterClrMapping/>
-  </p:clrMapOvr>
-</p:sld>
-</file>
-
 <file path=ppt/slides/slide2.xml><?xml version="1.0" encoding="utf-8"?>
 <p:sld xmlns:a="http://schemas.openxmlformats.org/drawingml/2006/main" xmlns:r="http://schemas.openxmlformats.org/officeDocument/2006/relationships" xmlns:p="http://schemas.openxmlformats.org/presentationml/2006/main">
   <p:cSld>
